--- a/説明用資料.pptx
+++ b/説明用資料.pptx
@@ -6,10 +6,29 @@
   </p:sldMasterIdLst>
   <p:sldIdLst>
     <p:sldId id="256" r:id="rId2"/>
-    <p:sldId id="257" r:id="rId3"/>
-    <p:sldId id="258" r:id="rId4"/>
-    <p:sldId id="259" r:id="rId5"/>
-    <p:sldId id="260" r:id="rId6"/>
+    <p:sldId id="267" r:id="rId3"/>
+    <p:sldId id="268" r:id="rId4"/>
+    <p:sldId id="269" r:id="rId5"/>
+    <p:sldId id="270" r:id="rId6"/>
+    <p:sldId id="271" r:id="rId7"/>
+    <p:sldId id="272" r:id="rId8"/>
+    <p:sldId id="273" r:id="rId9"/>
+    <p:sldId id="274" r:id="rId10"/>
+    <p:sldId id="276" r:id="rId11"/>
+    <p:sldId id="275" r:id="rId12"/>
+    <p:sldId id="277" r:id="rId13"/>
+    <p:sldId id="278" r:id="rId14"/>
+    <p:sldId id="279" r:id="rId15"/>
+    <p:sldId id="257" r:id="rId16"/>
+    <p:sldId id="258" r:id="rId17"/>
+    <p:sldId id="259" r:id="rId18"/>
+    <p:sldId id="260" r:id="rId19"/>
+    <p:sldId id="261" r:id="rId20"/>
+    <p:sldId id="262" r:id="rId21"/>
+    <p:sldId id="263" r:id="rId22"/>
+    <p:sldId id="264" r:id="rId23"/>
+    <p:sldId id="265" r:id="rId24"/>
+    <p:sldId id="266" r:id="rId25"/>
   </p:sldIdLst>
   <p:sldSz cx="12192000" cy="6858000"/>
   <p:notesSz cx="6858000" cy="9144000"/>
@@ -108,6 +127,11 @@
       </a:defRPr>
     </a:lvl9pPr>
   </p:defaultTextStyle>
+  <p:extLst>
+    <p:ext uri="{EFAFB233-063F-42B5-8137-9DF3F51BA10A}">
+      <p15:sldGuideLst xmlns:p15="http://schemas.microsoft.com/office/powerpoint/2012/main"/>
+    </p:ext>
+  </p:extLst>
 </p:presentation>
 </file>
 
@@ -258,7 +282,7 @@
           <a:p>
             <a:fld id="{CE8DB2FB-4027-5245-A92E-D8FA8EBA36D2}" type="datetimeFigureOut">
               <a:rPr kumimoji="1" lang="ja-JP" altLang="en-US" smtClean="0"/>
-              <a:t>2025/3/19</a:t>
+              <a:t>2025/3/20</a:t>
             </a:fld>
             <a:endParaRPr kumimoji="1" lang="ja-JP" altLang="en-US"/>
           </a:p>
@@ -488,7 +512,7 @@
           <a:p>
             <a:fld id="{CE8DB2FB-4027-5245-A92E-D8FA8EBA36D2}" type="datetimeFigureOut">
               <a:rPr kumimoji="1" lang="ja-JP" altLang="en-US" smtClean="0"/>
-              <a:t>2025/3/19</a:t>
+              <a:t>2025/3/20</a:t>
             </a:fld>
             <a:endParaRPr kumimoji="1" lang="ja-JP" altLang="en-US"/>
           </a:p>
@@ -728,7 +752,7 @@
           <a:p>
             <a:fld id="{CE8DB2FB-4027-5245-A92E-D8FA8EBA36D2}" type="datetimeFigureOut">
               <a:rPr kumimoji="1" lang="ja-JP" altLang="en-US" smtClean="0"/>
-              <a:t>2025/3/19</a:t>
+              <a:t>2025/3/20</a:t>
             </a:fld>
             <a:endParaRPr kumimoji="1" lang="ja-JP" altLang="en-US"/>
           </a:p>
@@ -958,7 +982,7 @@
           <a:p>
             <a:fld id="{CE8DB2FB-4027-5245-A92E-D8FA8EBA36D2}" type="datetimeFigureOut">
               <a:rPr kumimoji="1" lang="ja-JP" altLang="en-US" smtClean="0"/>
-              <a:t>2025/3/19</a:t>
+              <a:t>2025/3/20</a:t>
             </a:fld>
             <a:endParaRPr kumimoji="1" lang="ja-JP" altLang="en-US"/>
           </a:p>
@@ -1233,7 +1257,7 @@
           <a:p>
             <a:fld id="{CE8DB2FB-4027-5245-A92E-D8FA8EBA36D2}" type="datetimeFigureOut">
               <a:rPr kumimoji="1" lang="ja-JP" altLang="en-US" smtClean="0"/>
-              <a:t>2025/3/19</a:t>
+              <a:t>2025/3/20</a:t>
             </a:fld>
             <a:endParaRPr kumimoji="1" lang="ja-JP" altLang="en-US"/>
           </a:p>
@@ -1562,7 +1586,7 @@
           <a:p>
             <a:fld id="{CE8DB2FB-4027-5245-A92E-D8FA8EBA36D2}" type="datetimeFigureOut">
               <a:rPr kumimoji="1" lang="ja-JP" altLang="en-US" smtClean="0"/>
-              <a:t>2025/3/19</a:t>
+              <a:t>2025/3/20</a:t>
             </a:fld>
             <a:endParaRPr kumimoji="1" lang="ja-JP" altLang="en-US"/>
           </a:p>
@@ -2038,7 +2062,7 @@
           <a:p>
             <a:fld id="{CE8DB2FB-4027-5245-A92E-D8FA8EBA36D2}" type="datetimeFigureOut">
               <a:rPr kumimoji="1" lang="ja-JP" altLang="en-US" smtClean="0"/>
-              <a:t>2025/3/19</a:t>
+              <a:t>2025/3/20</a:t>
             </a:fld>
             <a:endParaRPr kumimoji="1" lang="ja-JP" altLang="en-US"/>
           </a:p>
@@ -2179,7 +2203,7 @@
           <a:p>
             <a:fld id="{CE8DB2FB-4027-5245-A92E-D8FA8EBA36D2}" type="datetimeFigureOut">
               <a:rPr kumimoji="1" lang="ja-JP" altLang="en-US" smtClean="0"/>
-              <a:t>2025/3/19</a:t>
+              <a:t>2025/3/20</a:t>
             </a:fld>
             <a:endParaRPr kumimoji="1" lang="ja-JP" altLang="en-US"/>
           </a:p>
@@ -2292,7 +2316,7 @@
           <a:p>
             <a:fld id="{CE8DB2FB-4027-5245-A92E-D8FA8EBA36D2}" type="datetimeFigureOut">
               <a:rPr kumimoji="1" lang="ja-JP" altLang="en-US" smtClean="0"/>
-              <a:t>2025/3/19</a:t>
+              <a:t>2025/3/20</a:t>
             </a:fld>
             <a:endParaRPr kumimoji="1" lang="ja-JP" altLang="en-US"/>
           </a:p>
@@ -2635,7 +2659,7 @@
           <a:p>
             <a:fld id="{CE8DB2FB-4027-5245-A92E-D8FA8EBA36D2}" type="datetimeFigureOut">
               <a:rPr kumimoji="1" lang="ja-JP" altLang="en-US" smtClean="0"/>
-              <a:t>2025/3/19</a:t>
+              <a:t>2025/3/20</a:t>
             </a:fld>
             <a:endParaRPr kumimoji="1" lang="ja-JP" altLang="en-US"/>
           </a:p>
@@ -2923,7 +2947,7 @@
           <a:p>
             <a:fld id="{CE8DB2FB-4027-5245-A92E-D8FA8EBA36D2}" type="datetimeFigureOut">
               <a:rPr kumimoji="1" lang="ja-JP" altLang="en-US" smtClean="0"/>
-              <a:t>2025/3/19</a:t>
+              <a:t>2025/3/20</a:t>
             </a:fld>
             <a:endParaRPr kumimoji="1" lang="ja-JP" altLang="en-US"/>
           </a:p>
@@ -3196,7 +3220,7 @@
           <a:p>
             <a:fld id="{CE8DB2FB-4027-5245-A92E-D8FA8EBA36D2}" type="datetimeFigureOut">
               <a:rPr kumimoji="1" lang="ja-JP" altLang="en-US" smtClean="0"/>
-              <a:t>2025/3/19</a:t>
+              <a:t>2025/3/20</a:t>
             </a:fld>
             <a:endParaRPr kumimoji="1" lang="ja-JP" altLang="en-US"/>
           </a:p>
@@ -3689,7 +3713,7 @@
 </p:sld>
 </file>
 
-<file path=ppt/slides/slide2.xml><?xml version="1.0" encoding="utf-8"?>
+<file path=ppt/slides/slide10.xml><?xml version="1.0" encoding="utf-8"?>
 <p:sld xmlns:a="http://schemas.openxmlformats.org/drawingml/2006/main" xmlns:r="http://schemas.openxmlformats.org/officeDocument/2006/relationships" xmlns:p="http://schemas.openxmlformats.org/presentationml/2006/main">
   <p:cSld>
     <p:spTree>
@@ -3711,7 +3735,7 @@
           <p:cNvPr id="2" name="タイトル 1">
             <a:extLst>
               <a:ext uri="{FF2B5EF4-FFF2-40B4-BE49-F238E27FC236}">
-                <a16:creationId xmlns:a16="http://schemas.microsoft.com/office/drawing/2014/main" id="{DC2F9908-DD1D-4171-CA4A-EBB27DC7E990}"/>
+                <a16:creationId xmlns:a16="http://schemas.microsoft.com/office/drawing/2014/main" id="{CC5D064B-0B52-426E-5B2D-68DCE4C46E24}"/>
               </a:ext>
             </a:extLst>
           </p:cNvPr>
@@ -3729,12 +3753,17 @@
           <a:p>
             <a:r>
               <a:rPr kumimoji="1" lang="en-US" altLang="ja-JP" dirty="0"/>
-              <a:t>WRIME</a:t>
-            </a:r>
-            <a:r>
-              <a:rPr kumimoji="1" lang="ja-JP" altLang="en-US"/>
-              <a:t>データセットについて</a:t>
-            </a:r>
+              <a:t>BA</a:t>
+            </a:r>
+            <a:r>
+              <a:rPr kumimoji="1" lang="ja-JP" altLang="en-US" dirty="0"/>
+              <a:t>画面開発について</a:t>
+            </a:r>
+            <a:r>
+              <a:rPr kumimoji="1" lang="en-US" altLang="ja-JP" dirty="0"/>
+              <a:t>6</a:t>
+            </a:r>
+            <a:endParaRPr kumimoji="1" lang="ja-JP" altLang="en-US" dirty="0"/>
           </a:p>
         </p:txBody>
       </p:sp>
@@ -3743,7 +3772,7 @@
           <p:cNvPr id="3" name="コンテンツ プレースホルダー 2">
             <a:extLst>
               <a:ext uri="{FF2B5EF4-FFF2-40B4-BE49-F238E27FC236}">
-                <a16:creationId xmlns:a16="http://schemas.microsoft.com/office/drawing/2014/main" id="{01D783D0-C784-7066-CB80-6DE654647BF0}"/>
+                <a16:creationId xmlns:a16="http://schemas.microsoft.com/office/drawing/2014/main" id="{A2A92108-7B92-A046-1E96-B7E5CF0678F2}"/>
               </a:ext>
             </a:extLst>
           </p:cNvPr>
@@ -3754,405 +3783,151 @@
             <p:ph idx="1"/>
           </p:nvPr>
         </p:nvSpPr>
-        <p:spPr>
-          <a:xfrm>
-            <a:off x="838200" y="1825624"/>
-            <a:ext cx="10515600" cy="4809351"/>
-          </a:xfrm>
-        </p:spPr>
-        <p:txBody>
-          <a:bodyPr>
-            <a:normAutofit lnSpcReduction="10000"/>
-          </a:bodyPr>
+        <p:spPr/>
+        <p:txBody>
+          <a:bodyPr/>
           <a:lstStyle/>
           <a:p>
             <a:r>
-              <a:rPr lang="ja-JP" altLang="en-US" b="1" i="0">
+              <a:rPr kumimoji="1" lang="ja-JP" altLang="en-US" dirty="0"/>
+              <a:t>この画面構想の</a:t>
+            </a:r>
+            <a:r>
+              <a:rPr kumimoji="1" lang="ja-JP" altLang="en-US" dirty="0">
                 <a:solidFill>
-                  <a:srgbClr val="1F2328"/>
+                  <a:srgbClr val="FF0000"/>
+                </a:solidFill>
+              </a:rPr>
+              <a:t>メイン</a:t>
+            </a:r>
+            <a:r>
+              <a:rPr kumimoji="1" lang="ja-JP" altLang="en-US" dirty="0"/>
+              <a:t>は「</a:t>
+            </a:r>
+            <a:r>
+              <a:rPr lang="en-US" altLang="ja-JP" dirty="0"/>
+              <a:t>X –POST</a:t>
+            </a:r>
+            <a:r>
+              <a:rPr lang="ja-JP" altLang="en-US" dirty="0"/>
+              <a:t>データ画面」</a:t>
+            </a:r>
+            <a:endParaRPr kumimoji="1" lang="ja-JP" altLang="en-US" dirty="0"/>
+          </a:p>
+          <a:p>
+            <a:pPr lvl="1"/>
+            <a:r>
+              <a:rPr lang="ja-JP" altLang="en-US" dirty="0"/>
+              <a:t>願えるならば、</a:t>
+            </a:r>
+            <a:r>
+              <a:rPr lang="en-US" altLang="ja-JP" b="0" i="0" dirty="0">
+                <a:solidFill>
+                  <a:srgbClr val="333333"/>
                 </a:solidFill>
                 <a:effectLst/>
-                <a:latin typeface="-apple-system"/>
-              </a:rPr>
-              <a:t>主観と客観の感情分析データセット</a:t>
-            </a:r>
-            <a:endParaRPr lang="en-US" altLang="ja-JP" b="1" i="0" dirty="0">
-              <a:solidFill>
-                <a:srgbClr val="1F2328"/>
-              </a:solidFill>
-              <a:effectLst/>
-              <a:latin typeface="-apple-system"/>
-            </a:endParaRPr>
-          </a:p>
-          <a:p>
-            <a:pPr lvl="1"/>
-            <a:r>
-              <a:rPr lang="ja-JP" altLang="en-US" sz="1800" b="0" i="0">
+                <a:latin typeface="Roboto" panose="020F0502020204030204" pitchFamily="2" charset="0"/>
+              </a:rPr>
+              <a:t>UI/UX</a:t>
+            </a:r>
+            <a:r>
+              <a:rPr lang="ja-JP" altLang="en-US" dirty="0">
                 <a:solidFill>
-                  <a:srgbClr val="181E00"/>
+                  <a:srgbClr val="333333"/>
+                </a:solidFill>
+                <a:latin typeface="Roboto" panose="020F0502020204030204" pitchFamily="2" charset="0"/>
+              </a:rPr>
+              <a:t>の向上を</a:t>
+            </a:r>
+            <a:r>
+              <a:rPr lang="ja-JP" altLang="en-US" b="0" i="0" dirty="0">
+                <a:solidFill>
+                  <a:srgbClr val="333333"/>
                 </a:solidFill>
                 <a:effectLst/>
-                <a:latin typeface="Arial" panose="020B0604020202020204" pitchFamily="34" charset="0"/>
-              </a:rPr>
-              <a:t>ロバート・プルチック</a:t>
-            </a:r>
-            <a:r>
-              <a:rPr lang="en-US" altLang="ja-JP" sz="1800" b="0" i="0" dirty="0">
+                <a:latin typeface="Roboto" panose="020F0502020204030204" pitchFamily="2" charset="0"/>
+              </a:rPr>
+              <a:t>できる限り求めたい</a:t>
+            </a:r>
+            <a:endParaRPr kumimoji="1" lang="en-US" altLang="ja-JP" dirty="0"/>
+          </a:p>
+          <a:p>
+            <a:endParaRPr lang="en-US" altLang="ja-JP" dirty="0"/>
+          </a:p>
+          <a:p>
+            <a:r>
+              <a:rPr kumimoji="1" lang="ja-JP" altLang="en-US" dirty="0"/>
+              <a:t>なぜ、この画面がメイン？？</a:t>
+            </a:r>
+            <a:endParaRPr kumimoji="1" lang="en-US" altLang="ja-JP" dirty="0"/>
+          </a:p>
+          <a:p>
+            <a:pPr lvl="1"/>
+            <a:r>
+              <a:rPr lang="ja-JP" altLang="en-US" dirty="0"/>
+              <a:t>トピックモデルは教師なし学習に相当する</a:t>
+            </a:r>
+            <a:endParaRPr lang="en-US" altLang="ja-JP" dirty="0"/>
+          </a:p>
+          <a:p>
+            <a:pPr lvl="1"/>
+            <a:r>
+              <a:rPr kumimoji="1" lang="ja-JP" altLang="en-US" dirty="0"/>
+              <a:t>未知データに対する予測能力ではなく</a:t>
+            </a:r>
+            <a:br>
+              <a:rPr kumimoji="1" lang="en-US" altLang="ja-JP" dirty="0"/>
+            </a:br>
+            <a:r>
+              <a:rPr kumimoji="1" lang="ja-JP" altLang="en-US" dirty="0"/>
+              <a:t>既知データに対する</a:t>
+            </a:r>
+            <a:r>
+              <a:rPr kumimoji="1" lang="ja-JP" altLang="en-US" dirty="0">
                 <a:solidFill>
-                  <a:srgbClr val="181E00"/>
+                  <a:srgbClr val="FF0000"/>
                 </a:solidFill>
-                <a:effectLst/>
-                <a:latin typeface="Arial" panose="020B0604020202020204" pitchFamily="34" charset="0"/>
-              </a:rPr>
-              <a:t>(</a:t>
-            </a:r>
-            <a:r>
-              <a:rPr lang="en" altLang="ja-JP" sz="1800" b="0" i="0" dirty="0">
-                <a:solidFill>
-                  <a:srgbClr val="474747"/>
-                </a:solidFill>
-                <a:effectLst/>
-                <a:latin typeface="Arial" panose="020B0604020202020204" pitchFamily="34" charset="0"/>
-              </a:rPr>
-              <a:t>Robert </a:t>
-            </a:r>
-            <a:r>
-              <a:rPr lang="en" altLang="ja-JP" sz="1800" b="1" i="0" dirty="0">
-                <a:solidFill>
-                  <a:srgbClr val="767676"/>
-                </a:solidFill>
-                <a:effectLst/>
-                <a:latin typeface="Arial" panose="020B0604020202020204" pitchFamily="34" charset="0"/>
-              </a:rPr>
-              <a:t>Plutchik</a:t>
-            </a:r>
-            <a:r>
-              <a:rPr lang="en-US" altLang="ja-JP" sz="1800" b="0" i="0" dirty="0">
-                <a:solidFill>
-                  <a:srgbClr val="181E00"/>
-                </a:solidFill>
-                <a:effectLst/>
-                <a:latin typeface="Arial" panose="020B0604020202020204" pitchFamily="34" charset="0"/>
-              </a:rPr>
-              <a:t>)</a:t>
-            </a:r>
-            <a:r>
-              <a:rPr lang="ja-JP" altLang="en-US" sz="1800" b="0" i="0">
-                <a:solidFill>
-                  <a:srgbClr val="181E00"/>
-                </a:solidFill>
-                <a:effectLst/>
-                <a:latin typeface="Arial" panose="020B0604020202020204" pitchFamily="34" charset="0"/>
-              </a:rPr>
-              <a:t>による</a:t>
-            </a:r>
-            <a:r>
-              <a:rPr lang="ja-JP" altLang="en-US" sz="1800" b="0" i="0">
-                <a:solidFill>
-                  <a:srgbClr val="1F2328"/>
-                </a:solidFill>
-                <a:effectLst/>
-                <a:latin typeface="-apple-system"/>
-              </a:rPr>
-              <a:t>基本</a:t>
-            </a:r>
-            <a:r>
-              <a:rPr lang="en-US" altLang="ja-JP" sz="1800" b="0" i="0" dirty="0">
-                <a:solidFill>
-                  <a:srgbClr val="1F2328"/>
-                </a:solidFill>
-                <a:effectLst/>
-                <a:latin typeface="-apple-system"/>
-              </a:rPr>
-              <a:t>8</a:t>
-            </a:r>
-            <a:r>
-              <a:rPr lang="ja-JP" altLang="en-US" sz="1800" b="0" i="0">
-                <a:solidFill>
-                  <a:srgbClr val="1F2328"/>
-                </a:solidFill>
-                <a:effectLst/>
-                <a:latin typeface="-apple-system"/>
-              </a:rPr>
-              <a:t>感情を対するラベルデータセット</a:t>
-            </a:r>
-            <a:endParaRPr lang="en-US" altLang="ja-JP" sz="1800" b="0" i="0" dirty="0">
+              </a:rPr>
+              <a:t>クラスタリングがメインの役割</a:t>
+            </a:r>
+            <a:endParaRPr kumimoji="1" lang="en-US" altLang="ja-JP" dirty="0">
               <a:solidFill>
-                <a:srgbClr val="1F2328"/>
+                <a:srgbClr val="FF0000"/>
               </a:solidFill>
-              <a:effectLst/>
-              <a:latin typeface="-apple-system"/>
             </a:endParaRPr>
           </a:p>
           <a:p>
-            <a:pPr lvl="2"/>
-            <a:r>
-              <a:rPr lang="en" altLang="ja-JP" sz="1600" b="0" i="0" dirty="0">
-                <a:solidFill>
-                  <a:srgbClr val="1F2328"/>
-                </a:solidFill>
-                <a:effectLst/>
-                <a:latin typeface="-apple-system"/>
-              </a:rPr>
-              <a:t>Plutchik</a:t>
-            </a:r>
-            <a:r>
-              <a:rPr lang="ja-JP" altLang="en-US" sz="1600" b="0" i="0">
-                <a:solidFill>
-                  <a:srgbClr val="1F2328"/>
-                </a:solidFill>
-                <a:effectLst/>
-                <a:latin typeface="-apple-system"/>
-              </a:rPr>
-              <a:t>の基本</a:t>
-            </a:r>
-            <a:r>
-              <a:rPr lang="en-US" altLang="ja-JP" sz="1600" b="0" i="0" dirty="0">
-                <a:solidFill>
-                  <a:srgbClr val="1F2328"/>
-                </a:solidFill>
-                <a:effectLst/>
-                <a:latin typeface="-apple-system"/>
-              </a:rPr>
-              <a:t>8</a:t>
-            </a:r>
-            <a:r>
-              <a:rPr lang="ja-JP" altLang="en-US" sz="1600" b="0" i="0">
-                <a:solidFill>
-                  <a:srgbClr val="1F2328"/>
-                </a:solidFill>
-                <a:effectLst/>
-                <a:latin typeface="-apple-system"/>
-              </a:rPr>
-              <a:t>感情（喜び、悲しみ、期待、驚き、怒り、恐れ、嫌悪、信頼）</a:t>
-            </a:r>
-            <a:endParaRPr lang="en-US" altLang="ja-JP" sz="1600" b="0" i="0" dirty="0">
-              <a:solidFill>
-                <a:srgbClr val="1F2328"/>
-              </a:solidFill>
-              <a:effectLst/>
-              <a:latin typeface="-apple-system"/>
-            </a:endParaRPr>
-          </a:p>
-          <a:p>
-            <a:pPr lvl="2"/>
-            <a:r>
-              <a:rPr lang="ja-JP" altLang="en-US" sz="1600">
-                <a:solidFill>
-                  <a:srgbClr val="1F2328"/>
-                </a:solidFill>
-                <a:latin typeface="-apple-system"/>
-              </a:rPr>
-              <a:t>各感情の強度が</a:t>
-            </a:r>
-            <a:r>
-              <a:rPr lang="en-US" altLang="ja-JP" sz="1600" b="0" i="0" dirty="0">
-                <a:solidFill>
-                  <a:srgbClr val="1F2328"/>
-                </a:solidFill>
-                <a:effectLst/>
-                <a:latin typeface="-apple-system"/>
-              </a:rPr>
-              <a:t>4</a:t>
-            </a:r>
-            <a:r>
-              <a:rPr lang="ja-JP" altLang="en-US" sz="1600" b="0" i="0">
-                <a:solidFill>
-                  <a:srgbClr val="1F2328"/>
-                </a:solidFill>
-                <a:effectLst/>
-                <a:latin typeface="-apple-system"/>
-              </a:rPr>
-              <a:t>段階（</a:t>
-            </a:r>
-            <a:r>
-              <a:rPr lang="en-US" altLang="ja-JP" sz="1600" b="0" i="0" dirty="0">
-                <a:solidFill>
-                  <a:srgbClr val="1F2328"/>
-                </a:solidFill>
-                <a:effectLst/>
-                <a:latin typeface="-apple-system"/>
-              </a:rPr>
-              <a:t>0:</a:t>
-            </a:r>
-            <a:r>
-              <a:rPr lang="ja-JP" altLang="en-US" sz="1600" b="0" i="0">
-                <a:solidFill>
-                  <a:srgbClr val="1F2328"/>
-                </a:solidFill>
-                <a:effectLst/>
-                <a:latin typeface="-apple-system"/>
-              </a:rPr>
-              <a:t>無、</a:t>
-            </a:r>
-            <a:r>
-              <a:rPr lang="en-US" altLang="ja-JP" sz="1600" b="0" i="0" dirty="0">
-                <a:solidFill>
-                  <a:srgbClr val="1F2328"/>
-                </a:solidFill>
-                <a:effectLst/>
-                <a:latin typeface="-apple-system"/>
-              </a:rPr>
-              <a:t>1:</a:t>
-            </a:r>
-            <a:r>
-              <a:rPr lang="ja-JP" altLang="en-US" sz="1600" b="0" i="0">
-                <a:solidFill>
-                  <a:srgbClr val="1F2328"/>
-                </a:solidFill>
-                <a:effectLst/>
-                <a:latin typeface="-apple-system"/>
-              </a:rPr>
-              <a:t>弱、</a:t>
-            </a:r>
-            <a:r>
-              <a:rPr lang="en-US" altLang="ja-JP" sz="1600" b="0" i="0" dirty="0">
-                <a:solidFill>
-                  <a:srgbClr val="1F2328"/>
-                </a:solidFill>
-                <a:effectLst/>
-                <a:latin typeface="-apple-system"/>
-              </a:rPr>
-              <a:t>2:</a:t>
-            </a:r>
-            <a:r>
-              <a:rPr lang="ja-JP" altLang="en-US" sz="1600" b="0" i="0">
-                <a:solidFill>
-                  <a:srgbClr val="1F2328"/>
-                </a:solidFill>
-                <a:effectLst/>
-                <a:latin typeface="-apple-system"/>
-              </a:rPr>
-              <a:t>中、</a:t>
-            </a:r>
-            <a:r>
-              <a:rPr lang="en-US" altLang="ja-JP" sz="1600" b="0" i="0" dirty="0">
-                <a:solidFill>
-                  <a:srgbClr val="1F2328"/>
-                </a:solidFill>
-                <a:effectLst/>
-                <a:latin typeface="-apple-system"/>
-              </a:rPr>
-              <a:t>3:</a:t>
-            </a:r>
-            <a:r>
-              <a:rPr lang="ja-JP" altLang="en-US" sz="1600" b="0" i="0">
-                <a:solidFill>
-                  <a:srgbClr val="1F2328"/>
-                </a:solidFill>
-                <a:effectLst/>
-                <a:latin typeface="-apple-system"/>
-              </a:rPr>
-              <a:t>強）で設定されている</a:t>
-            </a:r>
-            <a:endParaRPr lang="ja-JP" altLang="en-US" sz="1600" b="1" i="0">
-              <a:solidFill>
-                <a:srgbClr val="1F2328"/>
-              </a:solidFill>
-              <a:effectLst/>
-              <a:latin typeface="-apple-system"/>
-            </a:endParaRPr>
-          </a:p>
-          <a:p>
+            <a:pPr lvl="1"/>
+            <a:endParaRPr lang="en-US" altLang="ja-JP" dirty="0"/>
+          </a:p>
+          <a:p>
+            <a:pPr lvl="1"/>
+            <a:r>
+              <a:rPr kumimoji="1" lang="ja-JP" altLang="en-US" dirty="0"/>
+              <a:t>顧客には、元データに触れてほしい😀</a:t>
+            </a:r>
             <a:endParaRPr kumimoji="1" lang="en-US" altLang="ja-JP" dirty="0"/>
           </a:p>
           <a:p>
-            <a:r>
-              <a:rPr kumimoji="1" lang="ja-JP" altLang="en-US" sz="2400"/>
-              <a:t>例</a:t>
-            </a:r>
-            <a:endParaRPr lang="en-US" altLang="ja-JP" sz="2400" dirty="0"/>
-          </a:p>
-          <a:p>
-            <a:endParaRPr kumimoji="1" lang="en-US" altLang="ja-JP" sz="1400" dirty="0"/>
-          </a:p>
-          <a:p>
-            <a:endParaRPr lang="en-US" altLang="ja-JP" sz="1400" dirty="0"/>
-          </a:p>
-          <a:p>
-            <a:endParaRPr kumimoji="1" lang="en-US" altLang="ja-JP" sz="1400" dirty="0"/>
-          </a:p>
-          <a:p>
-            <a:endParaRPr kumimoji="1" lang="en-US" altLang="ja-JP" sz="1400" dirty="0"/>
-          </a:p>
-          <a:p>
-            <a:endParaRPr lang="en-US" altLang="ja-JP" sz="1400" dirty="0"/>
-          </a:p>
-          <a:p>
-            <a:endParaRPr kumimoji="1" lang="en-US" altLang="ja-JP" sz="1400" dirty="0"/>
-          </a:p>
-          <a:p>
-            <a:endParaRPr lang="en-US" altLang="ja-JP" sz="1400" dirty="0"/>
-          </a:p>
-          <a:p>
-            <a:r>
-              <a:rPr kumimoji="1" lang="ja-JP" altLang="en-US" sz="1400"/>
-              <a:t>各テキストごとに主観・客観それぞれのラベルデータが割り振られる</a:t>
-            </a:r>
-            <a:endParaRPr kumimoji="1" lang="en-US" altLang="ja-JP" sz="1400" dirty="0"/>
-          </a:p>
-          <a:p>
-            <a:pPr marL="0" indent="0">
-              <a:buNone/>
-            </a:pPr>
-            <a:r>
-              <a:rPr lang="ja-JP" altLang="en-US" sz="1000"/>
-              <a:t>参考</a:t>
-            </a:r>
-            <a:r>
-              <a:rPr lang="en-US" altLang="ja-JP" sz="1000" dirty="0"/>
-              <a:t>URL</a:t>
-            </a:r>
-            <a:r>
-              <a:rPr lang="ja-JP" altLang="en-US" sz="1000"/>
-              <a:t>：</a:t>
-            </a:r>
-            <a:r>
-              <a:rPr lang="en" altLang="ja-JP" sz="1000" dirty="0"/>
-              <a:t>https://</a:t>
-            </a:r>
-            <a:r>
-              <a:rPr lang="en" altLang="ja-JP" sz="1000" dirty="0" err="1"/>
-              <a:t>github.com</a:t>
-            </a:r>
-            <a:r>
-              <a:rPr lang="en" altLang="ja-JP" sz="1000" dirty="0"/>
-              <a:t>/ids-cv/</a:t>
-            </a:r>
-            <a:r>
-              <a:rPr lang="en" altLang="ja-JP" sz="1000" dirty="0" err="1"/>
-              <a:t>wrime?tab</a:t>
-            </a:r>
-            <a:r>
-              <a:rPr lang="en" altLang="ja-JP" sz="1000" dirty="0"/>
-              <a:t>=readme-</a:t>
-            </a:r>
-            <a:r>
-              <a:rPr lang="en" altLang="ja-JP" sz="1000" dirty="0" err="1"/>
-              <a:t>ov</a:t>
-            </a:r>
-            <a:r>
-              <a:rPr lang="en" altLang="ja-JP" sz="1000" dirty="0"/>
-              <a:t>-file</a:t>
-            </a:r>
-            <a:endParaRPr kumimoji="1" lang="en-US" altLang="ja-JP" sz="1000" dirty="0"/>
-          </a:p>
-          <a:p>
-            <a:pPr lvl="2"/>
-            <a:endParaRPr lang="en-US" altLang="ja-JP" sz="1400" dirty="0"/>
-          </a:p>
-          <a:p>
-            <a:pPr lvl="2"/>
-            <a:endParaRPr kumimoji="1" lang="ja-JP" altLang="en-US" sz="1400"/>
+            <a:endParaRPr lang="en-US" altLang="ja-JP" dirty="0"/>
+          </a:p>
+          <a:p>
+            <a:endParaRPr kumimoji="1" lang="en-US" altLang="ja-JP" dirty="0"/>
+          </a:p>
+          <a:p>
+            <a:endParaRPr lang="en-US" altLang="ja-JP" dirty="0"/>
+          </a:p>
+          <a:p>
+            <a:endParaRPr kumimoji="1" lang="ja-JP" altLang="en-US" dirty="0"/>
           </a:p>
         </p:txBody>
       </p:sp>
       <p:pic>
         <p:nvPicPr>
-          <p:cNvPr id="5" name="図 4" descr="屋外, 水, 海, 光 が含まれている画像&#10;&#10;AI によって生成されたコンテンツは間違っている可能性があります。">
-            <a:extLst>
-              <a:ext uri="{FF2B5EF4-FFF2-40B4-BE49-F238E27FC236}">
-                <a16:creationId xmlns:a16="http://schemas.microsoft.com/office/drawing/2014/main" id="{00C5FF0D-AB28-CCE2-7D3A-A181DA95F354}"/>
+          <p:cNvPr id="4" name="図 3">
+            <a:extLst>
+              <a:ext uri="{FF2B5EF4-FFF2-40B4-BE49-F238E27FC236}">
+                <a16:creationId xmlns:a16="http://schemas.microsoft.com/office/drawing/2014/main" id="{3207C71E-FA8A-C570-D75C-275879E5BA5A}"/>
               </a:ext>
             </a:extLst>
           </p:cNvPr>
@@ -4169,7 +3944,2002 @@
         </p:blipFill>
         <p:spPr>
           <a:xfrm>
-            <a:off x="1983158" y="3429000"/>
+            <a:off x="8767900" y="2906974"/>
+            <a:ext cx="2996470" cy="2558955"/>
+          </a:xfrm>
+          <a:prstGeom prst="rect">
+            <a:avLst/>
+          </a:prstGeom>
+        </p:spPr>
+      </p:pic>
+      <p:sp>
+        <p:nvSpPr>
+          <p:cNvPr id="5" name="テキスト ボックス 4">
+            <a:extLst>
+              <a:ext uri="{FF2B5EF4-FFF2-40B4-BE49-F238E27FC236}">
+                <a16:creationId xmlns:a16="http://schemas.microsoft.com/office/drawing/2014/main" id="{5DB37F05-91AD-9459-043F-A1182B5B91B6}"/>
+              </a:ext>
+            </a:extLst>
+          </p:cNvPr>
+          <p:cNvSpPr txBox="1"/>
+          <p:nvPr/>
+        </p:nvSpPr>
+        <p:spPr>
+          <a:xfrm>
+            <a:off x="8986264" y="5465929"/>
+            <a:ext cx="2778106" cy="400110"/>
+          </a:xfrm>
+          <a:prstGeom prst="rect">
+            <a:avLst/>
+          </a:prstGeom>
+          <a:noFill/>
+        </p:spPr>
+        <p:txBody>
+          <a:bodyPr wrap="square" rtlCol="0">
+            <a:spAutoFit/>
+          </a:bodyPr>
+          <a:lstStyle/>
+          <a:p>
+            <a:r>
+              <a:rPr kumimoji="1" lang="ja-JP" altLang="en-US" sz="2000" dirty="0"/>
+              <a:t>↑これでは分からない</a:t>
+            </a:r>
+          </a:p>
+        </p:txBody>
+      </p:sp>
+    </p:spTree>
+    <p:extLst>
+      <p:ext uri="{BB962C8B-B14F-4D97-AF65-F5344CB8AC3E}">
+        <p14:creationId xmlns:p14="http://schemas.microsoft.com/office/powerpoint/2010/main" val="2527928013"/>
+      </p:ext>
+    </p:extLst>
+  </p:cSld>
+  <p:clrMapOvr>
+    <a:masterClrMapping/>
+  </p:clrMapOvr>
+</p:sld>
+</file>
+
+<file path=ppt/slides/slide11.xml><?xml version="1.0" encoding="utf-8"?>
+<p:sld xmlns:a="http://schemas.openxmlformats.org/drawingml/2006/main" xmlns:r="http://schemas.openxmlformats.org/officeDocument/2006/relationships" xmlns:p="http://schemas.openxmlformats.org/presentationml/2006/main">
+  <p:cSld>
+    <p:spTree>
+      <p:nvGrpSpPr>
+        <p:cNvPr id="1" name=""/>
+        <p:cNvGrpSpPr/>
+        <p:nvPr/>
+      </p:nvGrpSpPr>
+      <p:grpSpPr>
+        <a:xfrm>
+          <a:off x="0" y="0"/>
+          <a:ext cx="0" cy="0"/>
+          <a:chOff x="0" y="0"/>
+          <a:chExt cx="0" cy="0"/>
+        </a:xfrm>
+      </p:grpSpPr>
+      <p:sp>
+        <p:nvSpPr>
+          <p:cNvPr id="2" name="タイトル 1">
+            <a:extLst>
+              <a:ext uri="{FF2B5EF4-FFF2-40B4-BE49-F238E27FC236}">
+                <a16:creationId xmlns:a16="http://schemas.microsoft.com/office/drawing/2014/main" id="{FCFFC986-97F3-8AFE-3BB7-E973BD6BEA33}"/>
+              </a:ext>
+            </a:extLst>
+          </p:cNvPr>
+          <p:cNvSpPr>
+            <a:spLocks noGrp="1"/>
+          </p:cNvSpPr>
+          <p:nvPr>
+            <p:ph type="title"/>
+          </p:nvPr>
+        </p:nvSpPr>
+        <p:spPr/>
+        <p:txBody>
+          <a:bodyPr/>
+          <a:lstStyle/>
+          <a:p>
+            <a:r>
+              <a:rPr kumimoji="1" lang="ja-JP" altLang="en-US" dirty="0"/>
+              <a:t>現在の構想の問題点について</a:t>
+            </a:r>
+          </a:p>
+        </p:txBody>
+      </p:sp>
+      <p:sp>
+        <p:nvSpPr>
+          <p:cNvPr id="3" name="コンテンツ プレースホルダー 2">
+            <a:extLst>
+              <a:ext uri="{FF2B5EF4-FFF2-40B4-BE49-F238E27FC236}">
+                <a16:creationId xmlns:a16="http://schemas.microsoft.com/office/drawing/2014/main" id="{6A1C6BC3-1BC6-80CD-4F99-ABA7207360B7}"/>
+              </a:ext>
+            </a:extLst>
+          </p:cNvPr>
+          <p:cNvSpPr>
+            <a:spLocks noGrp="1"/>
+          </p:cNvSpPr>
+          <p:nvPr>
+            <p:ph idx="1"/>
+          </p:nvPr>
+        </p:nvSpPr>
+        <p:spPr/>
+        <p:txBody>
+          <a:bodyPr/>
+          <a:lstStyle/>
+          <a:p>
+            <a:r>
+              <a:rPr kumimoji="1" lang="ja-JP" altLang="en-US" dirty="0"/>
+              <a:t>今後の方向性について</a:t>
+            </a:r>
+            <a:endParaRPr kumimoji="1" lang="en-US" altLang="ja-JP" dirty="0"/>
+          </a:p>
+          <a:p>
+            <a:pPr lvl="1"/>
+            <a:r>
+              <a:rPr lang="ja-JP" altLang="en-US" dirty="0"/>
+              <a:t>おそらくはユーザーグループ画面を顧客に</a:t>
+            </a:r>
+            <a:br>
+              <a:rPr lang="en-US" altLang="ja-JP" dirty="0"/>
+            </a:br>
+            <a:r>
+              <a:rPr lang="ja-JP" altLang="en-US" dirty="0"/>
+              <a:t>分かりやすく示すことは困難😴</a:t>
+            </a:r>
+            <a:endParaRPr lang="en-US" altLang="ja-JP" dirty="0"/>
+          </a:p>
+          <a:p>
+            <a:pPr marL="457200" lvl="1" indent="0">
+              <a:buNone/>
+            </a:pPr>
+            <a:r>
+              <a:rPr kumimoji="1" lang="ja-JP" altLang="en-US" dirty="0"/>
+              <a:t>　↓</a:t>
+            </a:r>
+            <a:endParaRPr kumimoji="1" lang="en-US" altLang="ja-JP" dirty="0"/>
+          </a:p>
+          <a:p>
+            <a:pPr lvl="1"/>
+            <a:r>
+              <a:rPr kumimoji="1" lang="en-US" altLang="ja-JP" dirty="0"/>
+              <a:t>AI</a:t>
+            </a:r>
+            <a:r>
+              <a:rPr kumimoji="1" lang="ja-JP" altLang="en-US" dirty="0"/>
+              <a:t>エージェントによるイメージ画像をグループごとに生成したい</a:t>
+            </a:r>
+            <a:endParaRPr kumimoji="1" lang="en-US" altLang="ja-JP" dirty="0"/>
+          </a:p>
+          <a:p>
+            <a:pPr lvl="2"/>
+            <a:r>
+              <a:rPr kumimoji="1" lang="ja-JP" altLang="en-US" dirty="0"/>
+              <a:t>グループごとのポストの</a:t>
+            </a:r>
+            <a:r>
+              <a:rPr kumimoji="1" lang="ja-JP" altLang="en-US"/>
+              <a:t>内容・</a:t>
+            </a:r>
+            <a:r>
+              <a:rPr lang="ja-JP" altLang="en-US"/>
+              <a:t>頻出</a:t>
+            </a:r>
+            <a:r>
+              <a:rPr kumimoji="1" lang="ja-JP" altLang="en-US"/>
+              <a:t>単語</a:t>
+            </a:r>
+            <a:r>
+              <a:rPr kumimoji="1" lang="ja-JP" altLang="en-US" dirty="0"/>
+              <a:t>は特定済みである</a:t>
+            </a:r>
+            <a:endParaRPr kumimoji="1" lang="en-US" altLang="ja-JP" dirty="0"/>
+          </a:p>
+          <a:p>
+            <a:pPr lvl="2"/>
+            <a:r>
+              <a:rPr lang="ja-JP" altLang="en-US" dirty="0"/>
+              <a:t>理論的には問題ないはず。。。？</a:t>
+            </a:r>
+            <a:endParaRPr lang="en-US" altLang="ja-JP" dirty="0"/>
+          </a:p>
+          <a:p>
+            <a:pPr lvl="2"/>
+            <a:endParaRPr kumimoji="1" lang="en-US" altLang="ja-JP" dirty="0"/>
+          </a:p>
+          <a:p>
+            <a:endParaRPr lang="en-US" altLang="ja-JP" dirty="0"/>
+          </a:p>
+          <a:p>
+            <a:r>
+              <a:rPr kumimoji="1" lang="ja-JP" altLang="en-US" dirty="0"/>
+              <a:t>平子さん、</a:t>
+            </a:r>
+            <a:r>
+              <a:rPr kumimoji="1" lang="en-US" altLang="ja-JP" dirty="0"/>
+              <a:t>AI</a:t>
+            </a:r>
+            <a:r>
+              <a:rPr kumimoji="1" lang="ja-JP" altLang="en-US" dirty="0"/>
+              <a:t>エージェントやりましょう！！！😜</a:t>
+            </a:r>
+          </a:p>
+        </p:txBody>
+      </p:sp>
+    </p:spTree>
+    <p:extLst>
+      <p:ext uri="{BB962C8B-B14F-4D97-AF65-F5344CB8AC3E}">
+        <p14:creationId xmlns:p14="http://schemas.microsoft.com/office/powerpoint/2010/main" val="486561516"/>
+      </p:ext>
+    </p:extLst>
+  </p:cSld>
+  <p:clrMapOvr>
+    <a:masterClrMapping/>
+  </p:clrMapOvr>
+</p:sld>
+</file>
+
+<file path=ppt/slides/slide12.xml><?xml version="1.0" encoding="utf-8"?>
+<p:sld xmlns:a="http://schemas.openxmlformats.org/drawingml/2006/main" xmlns:r="http://schemas.openxmlformats.org/officeDocument/2006/relationships" xmlns:p="http://schemas.openxmlformats.org/presentationml/2006/main">
+  <p:cSld>
+    <p:spTree>
+      <p:nvGrpSpPr>
+        <p:cNvPr id="1" name=""/>
+        <p:cNvGrpSpPr/>
+        <p:nvPr/>
+      </p:nvGrpSpPr>
+      <p:grpSpPr>
+        <a:xfrm>
+          <a:off x="0" y="0"/>
+          <a:ext cx="0" cy="0"/>
+          <a:chOff x="0" y="0"/>
+          <a:chExt cx="0" cy="0"/>
+        </a:xfrm>
+      </p:grpSpPr>
+      <p:sp>
+        <p:nvSpPr>
+          <p:cNvPr id="2" name="タイトル 1">
+            <a:extLst>
+              <a:ext uri="{FF2B5EF4-FFF2-40B4-BE49-F238E27FC236}">
+                <a16:creationId xmlns:a16="http://schemas.microsoft.com/office/drawing/2014/main" id="{E3EA7CB2-F515-999A-7EB5-42BA2832529F}"/>
+              </a:ext>
+            </a:extLst>
+          </p:cNvPr>
+          <p:cNvSpPr>
+            <a:spLocks noGrp="1"/>
+          </p:cNvSpPr>
+          <p:nvPr>
+            <p:ph type="title"/>
+          </p:nvPr>
+        </p:nvSpPr>
+        <p:spPr/>
+        <p:txBody>
+          <a:bodyPr/>
+          <a:lstStyle/>
+          <a:p>
+            <a:r>
+              <a:rPr kumimoji="1" lang="ja-JP" altLang="en-US" dirty="0"/>
+              <a:t>現在の構想の問題点について</a:t>
+            </a:r>
+            <a:r>
+              <a:rPr kumimoji="1" lang="en-US" altLang="ja-JP" dirty="0"/>
+              <a:t>2</a:t>
+            </a:r>
+            <a:endParaRPr kumimoji="1" lang="ja-JP" altLang="en-US" dirty="0"/>
+          </a:p>
+        </p:txBody>
+      </p:sp>
+      <p:sp>
+        <p:nvSpPr>
+          <p:cNvPr id="3" name="コンテンツ プレースホルダー 2">
+            <a:extLst>
+              <a:ext uri="{FF2B5EF4-FFF2-40B4-BE49-F238E27FC236}">
+                <a16:creationId xmlns:a16="http://schemas.microsoft.com/office/drawing/2014/main" id="{5BBA5D5B-7FA3-50A9-4843-8D20200249AD}"/>
+              </a:ext>
+            </a:extLst>
+          </p:cNvPr>
+          <p:cNvSpPr>
+            <a:spLocks noGrp="1"/>
+          </p:cNvSpPr>
+          <p:nvPr>
+            <p:ph idx="1"/>
+          </p:nvPr>
+        </p:nvSpPr>
+        <p:spPr/>
+        <p:txBody>
+          <a:bodyPr>
+            <a:normAutofit lnSpcReduction="10000"/>
+          </a:bodyPr>
+          <a:lstStyle/>
+          <a:p>
+            <a:r>
+              <a:rPr kumimoji="1" lang="ja-JP" altLang="en-US" dirty="0"/>
+              <a:t>ゴリゴリの変分推論を行っているため</a:t>
+            </a:r>
+            <a:br>
+              <a:rPr kumimoji="1" lang="en-US" altLang="ja-JP" dirty="0"/>
+            </a:br>
+            <a:r>
+              <a:rPr kumimoji="1" lang="ja-JP" altLang="en-US" dirty="0"/>
+              <a:t>独自トピックモデルの</a:t>
+            </a:r>
+            <a:br>
+              <a:rPr kumimoji="1" lang="en-US" altLang="ja-JP" dirty="0"/>
+            </a:br>
+            <a:r>
+              <a:rPr kumimoji="1" lang="ja-JP" altLang="en-US" dirty="0">
+                <a:solidFill>
+                  <a:srgbClr val="FF0000"/>
+                </a:solidFill>
+              </a:rPr>
+              <a:t>「出力結果は信頼可能😤」</a:t>
+            </a:r>
+            <a:r>
+              <a:rPr kumimoji="1" lang="ja-JP" altLang="en-US" strike="dblStrike" dirty="0"/>
+              <a:t>←言い過ぎ</a:t>
+            </a:r>
+            <a:endParaRPr kumimoji="1" lang="en-US" altLang="ja-JP" strike="dblStrike" dirty="0"/>
+          </a:p>
+          <a:p>
+            <a:endParaRPr lang="en-US" altLang="ja-JP" dirty="0"/>
+          </a:p>
+          <a:p>
+            <a:r>
+              <a:rPr kumimoji="1" lang="ja-JP" altLang="en-US" dirty="0"/>
+              <a:t>一方、学習済モデルの</a:t>
+            </a:r>
+            <a:r>
+              <a:rPr kumimoji="1" lang="ja-JP" altLang="en-US" dirty="0">
+                <a:solidFill>
+                  <a:srgbClr val="0070C0"/>
+                </a:solidFill>
+              </a:rPr>
+              <a:t>信頼性が低い</a:t>
+            </a:r>
+            <a:endParaRPr kumimoji="1" lang="en-US" altLang="ja-JP" dirty="0">
+              <a:solidFill>
+                <a:srgbClr val="0070C0"/>
+              </a:solidFill>
+            </a:endParaRPr>
+          </a:p>
+          <a:p>
+            <a:pPr lvl="1"/>
+            <a:r>
+              <a:rPr lang="ja-JP" altLang="en-US" dirty="0"/>
+              <a:t>ラベル付けを間違える場合がある😵</a:t>
+            </a:r>
+            <a:endParaRPr lang="en-US" altLang="ja-JP" dirty="0"/>
+          </a:p>
+          <a:p>
+            <a:endParaRPr kumimoji="1" lang="en-US" altLang="ja-JP" dirty="0"/>
+          </a:p>
+          <a:p>
+            <a:r>
+              <a:rPr lang="ja-JP" altLang="en-US" dirty="0"/>
+              <a:t>せめてもの改善案は</a:t>
+            </a:r>
+            <a:r>
+              <a:rPr lang="en-US" altLang="ja-JP" dirty="0"/>
+              <a:t>LLM</a:t>
+            </a:r>
+            <a:r>
+              <a:rPr lang="ja-JP" altLang="en-US" dirty="0"/>
+              <a:t>を使うこと</a:t>
+            </a:r>
+            <a:endParaRPr lang="en-US" altLang="ja-JP" dirty="0"/>
+          </a:p>
+          <a:p>
+            <a:pPr marL="0" indent="0">
+              <a:buNone/>
+            </a:pPr>
+            <a:r>
+              <a:rPr lang="ja-JP" altLang="en-US" dirty="0"/>
+              <a:t>　↓</a:t>
+            </a:r>
+            <a:endParaRPr lang="en-US" altLang="ja-JP" dirty="0"/>
+          </a:p>
+          <a:p>
+            <a:r>
+              <a:rPr kumimoji="1" lang="ja-JP" altLang="en-US" dirty="0"/>
+              <a:t>平子さん、</a:t>
+            </a:r>
+            <a:r>
+              <a:rPr kumimoji="1" lang="en-US" altLang="ja-JP" dirty="0"/>
+              <a:t>AI</a:t>
+            </a:r>
+            <a:r>
+              <a:rPr kumimoji="1" lang="ja-JP" altLang="en-US" dirty="0"/>
+              <a:t>エージェントやりましょう！！！😜</a:t>
+            </a:r>
+          </a:p>
+          <a:p>
+            <a:endParaRPr lang="en-US" altLang="ja-JP" dirty="0"/>
+          </a:p>
+          <a:p>
+            <a:endParaRPr kumimoji="1" lang="ja-JP" altLang="en-US" dirty="0"/>
+          </a:p>
+        </p:txBody>
+      </p:sp>
+      <p:grpSp>
+        <p:nvGrpSpPr>
+          <p:cNvPr id="19" name="グループ化 18">
+            <a:extLst>
+              <a:ext uri="{FF2B5EF4-FFF2-40B4-BE49-F238E27FC236}">
+                <a16:creationId xmlns:a16="http://schemas.microsoft.com/office/drawing/2014/main" id="{0A8AA9FB-E929-EF0F-FC2E-D41133155810}"/>
+              </a:ext>
+            </a:extLst>
+          </p:cNvPr>
+          <p:cNvGrpSpPr/>
+          <p:nvPr/>
+        </p:nvGrpSpPr>
+        <p:grpSpPr>
+          <a:xfrm>
+            <a:off x="8134066" y="1415170"/>
+            <a:ext cx="3737201" cy="4027659"/>
+            <a:chOff x="7498309" y="1980045"/>
+            <a:chExt cx="4386605" cy="4708927"/>
+          </a:xfrm>
+        </p:grpSpPr>
+        <p:sp>
+          <p:nvSpPr>
+            <p:cNvPr id="4" name="正方形/長方形 3">
+              <a:extLst>
+                <a:ext uri="{FF2B5EF4-FFF2-40B4-BE49-F238E27FC236}">
+                  <a16:creationId xmlns:a16="http://schemas.microsoft.com/office/drawing/2014/main" id="{4D3371E9-0F4D-BADA-9806-6A3CE1692AE8}"/>
+                </a:ext>
+              </a:extLst>
+            </p:cNvPr>
+            <p:cNvSpPr/>
+            <p:nvPr/>
+          </p:nvSpPr>
+          <p:spPr>
+            <a:xfrm>
+              <a:off x="7498309" y="4010000"/>
+              <a:ext cx="2163163" cy="2678972"/>
+            </a:xfrm>
+            <a:prstGeom prst="rect">
+              <a:avLst/>
+            </a:prstGeom>
+            <a:solidFill>
+              <a:schemeClr val="accent6">
+                <a:lumMod val="40000"/>
+                <a:lumOff val="60000"/>
+              </a:schemeClr>
+            </a:solidFill>
+            <a:ln>
+              <a:noFill/>
+            </a:ln>
+          </p:spPr>
+          <p:style>
+            <a:lnRef idx="2">
+              <a:schemeClr val="accent1">
+                <a:shade val="15000"/>
+              </a:schemeClr>
+            </a:lnRef>
+            <a:fillRef idx="1">
+              <a:schemeClr val="accent1"/>
+            </a:fillRef>
+            <a:effectRef idx="0">
+              <a:schemeClr val="accent1"/>
+            </a:effectRef>
+            <a:fontRef idx="minor">
+              <a:schemeClr val="lt1"/>
+            </a:fontRef>
+          </p:style>
+          <p:txBody>
+            <a:bodyPr rtlCol="0" anchor="t"/>
+            <a:lstStyle/>
+            <a:p>
+              <a:pPr algn="ctr"/>
+              <a:endParaRPr kumimoji="1" lang="ja-JP" altLang="en-US" dirty="0">
+                <a:solidFill>
+                  <a:schemeClr val="tx1"/>
+                </a:solidFill>
+              </a:endParaRPr>
+            </a:p>
+          </p:txBody>
+        </p:sp>
+        <p:sp>
+          <p:nvSpPr>
+            <p:cNvPr id="5" name="正方形/長方形 4">
+              <a:extLst>
+                <a:ext uri="{FF2B5EF4-FFF2-40B4-BE49-F238E27FC236}">
+                  <a16:creationId xmlns:a16="http://schemas.microsoft.com/office/drawing/2014/main" id="{26C8B4F4-9FDE-0A7E-7808-5A2CB163A425}"/>
+                </a:ext>
+              </a:extLst>
+            </p:cNvPr>
+            <p:cNvSpPr/>
+            <p:nvPr/>
+          </p:nvSpPr>
+          <p:spPr>
+            <a:xfrm>
+              <a:off x="7502857" y="1980045"/>
+              <a:ext cx="2163163" cy="2018720"/>
+            </a:xfrm>
+            <a:prstGeom prst="rect">
+              <a:avLst/>
+            </a:prstGeom>
+            <a:solidFill>
+              <a:schemeClr val="accent2">
+                <a:lumMod val="60000"/>
+                <a:lumOff val="40000"/>
+              </a:schemeClr>
+            </a:solidFill>
+            <a:ln>
+              <a:noFill/>
+            </a:ln>
+          </p:spPr>
+          <p:style>
+            <a:lnRef idx="2">
+              <a:schemeClr val="accent1">
+                <a:shade val="15000"/>
+              </a:schemeClr>
+            </a:lnRef>
+            <a:fillRef idx="1">
+              <a:schemeClr val="accent1"/>
+            </a:fillRef>
+            <a:effectRef idx="0">
+              <a:schemeClr val="accent1"/>
+            </a:effectRef>
+            <a:fontRef idx="minor">
+              <a:schemeClr val="lt1"/>
+            </a:fontRef>
+          </p:style>
+          <p:txBody>
+            <a:bodyPr rtlCol="0" anchor="t"/>
+            <a:lstStyle/>
+            <a:p>
+              <a:pPr algn="ctr"/>
+              <a:r>
+                <a:rPr kumimoji="1" lang="ja-JP" altLang="en-US" dirty="0">
+                  <a:solidFill>
+                    <a:schemeClr val="tx1"/>
+                  </a:solidFill>
+                </a:rPr>
+                <a:t>ネット公開情報</a:t>
+              </a:r>
+            </a:p>
+          </p:txBody>
+        </p:sp>
+        <p:sp>
+          <p:nvSpPr>
+            <p:cNvPr id="6" name="正方形/長方形 5">
+              <a:extLst>
+                <a:ext uri="{FF2B5EF4-FFF2-40B4-BE49-F238E27FC236}">
+                  <a16:creationId xmlns:a16="http://schemas.microsoft.com/office/drawing/2014/main" id="{654F965D-6931-05D4-5F33-B0A650150FA7}"/>
+                </a:ext>
+              </a:extLst>
+            </p:cNvPr>
+            <p:cNvSpPr/>
+            <p:nvPr/>
+          </p:nvSpPr>
+          <p:spPr>
+            <a:xfrm>
+              <a:off x="9721751" y="1980045"/>
+              <a:ext cx="2163163" cy="2626241"/>
+            </a:xfrm>
+            <a:prstGeom prst="rect">
+              <a:avLst/>
+            </a:prstGeom>
+            <a:solidFill>
+              <a:schemeClr val="accent2">
+                <a:lumMod val="60000"/>
+                <a:lumOff val="40000"/>
+              </a:schemeClr>
+            </a:solidFill>
+            <a:ln>
+              <a:noFill/>
+            </a:ln>
+          </p:spPr>
+          <p:style>
+            <a:lnRef idx="2">
+              <a:schemeClr val="accent1">
+                <a:shade val="15000"/>
+              </a:schemeClr>
+            </a:lnRef>
+            <a:fillRef idx="1">
+              <a:schemeClr val="accent1"/>
+            </a:fillRef>
+            <a:effectRef idx="0">
+              <a:schemeClr val="accent1"/>
+            </a:effectRef>
+            <a:fontRef idx="minor">
+              <a:schemeClr val="lt1"/>
+            </a:fontRef>
+          </p:style>
+          <p:txBody>
+            <a:bodyPr rtlCol="0" anchor="t"/>
+            <a:lstStyle/>
+            <a:p>
+              <a:pPr algn="ctr"/>
+              <a:r>
+                <a:rPr kumimoji="1" lang="ja-JP" altLang="en-US" dirty="0">
+                  <a:solidFill>
+                    <a:schemeClr val="tx1"/>
+                  </a:solidFill>
+                </a:rPr>
+                <a:t>ネット公開情報</a:t>
+              </a:r>
+            </a:p>
+          </p:txBody>
+        </p:sp>
+        <p:sp>
+          <p:nvSpPr>
+            <p:cNvPr id="7" name="正方形/長方形 6">
+              <a:extLst>
+                <a:ext uri="{FF2B5EF4-FFF2-40B4-BE49-F238E27FC236}">
+                  <a16:creationId xmlns:a16="http://schemas.microsoft.com/office/drawing/2014/main" id="{31E55CB8-91A4-6BD0-EF64-4CFAF81E93B7}"/>
+                </a:ext>
+              </a:extLst>
+            </p:cNvPr>
+            <p:cNvSpPr/>
+            <p:nvPr/>
+          </p:nvSpPr>
+          <p:spPr>
+            <a:xfrm>
+              <a:off x="7738281" y="2492054"/>
+              <a:ext cx="1692323" cy="600501"/>
+            </a:xfrm>
+            <a:prstGeom prst="rect">
+              <a:avLst/>
+            </a:prstGeom>
+          </p:spPr>
+          <p:style>
+            <a:lnRef idx="2">
+              <a:schemeClr val="accent1">
+                <a:shade val="15000"/>
+              </a:schemeClr>
+            </a:lnRef>
+            <a:fillRef idx="1">
+              <a:schemeClr val="accent1"/>
+            </a:fillRef>
+            <a:effectRef idx="0">
+              <a:schemeClr val="accent1"/>
+            </a:effectRef>
+            <a:fontRef idx="minor">
+              <a:schemeClr val="lt1"/>
+            </a:fontRef>
+          </p:style>
+          <p:txBody>
+            <a:bodyPr rtlCol="0" anchor="ctr"/>
+            <a:lstStyle/>
+            <a:p>
+              <a:pPr algn="ctr"/>
+              <a:r>
+                <a:rPr kumimoji="1" lang="en-US" altLang="ja-JP" sz="1400" dirty="0"/>
+                <a:t>X</a:t>
+              </a:r>
+              <a:r>
+                <a:rPr kumimoji="1" lang="ja-JP" altLang="en-US" sz="1400" dirty="0"/>
+                <a:t>ポスト</a:t>
+              </a:r>
+              <a:br>
+                <a:rPr kumimoji="1" lang="en-US" altLang="ja-JP" sz="1400" dirty="0"/>
+              </a:br>
+              <a:r>
+                <a:rPr kumimoji="1" lang="ja-JP" altLang="en-US" sz="1400" dirty="0"/>
+                <a:t>データ</a:t>
+              </a:r>
+              <a:endParaRPr kumimoji="1" lang="en-US" altLang="ja-JP" sz="1400" dirty="0"/>
+            </a:p>
+          </p:txBody>
+        </p:sp>
+        <p:sp>
+          <p:nvSpPr>
+            <p:cNvPr id="8" name="正方形/長方形 7">
+              <a:extLst>
+                <a:ext uri="{FF2B5EF4-FFF2-40B4-BE49-F238E27FC236}">
+                  <a16:creationId xmlns:a16="http://schemas.microsoft.com/office/drawing/2014/main" id="{23E92640-A7E3-EC85-88BA-4B04E51052E8}"/>
+                </a:ext>
+              </a:extLst>
+            </p:cNvPr>
+            <p:cNvSpPr/>
+            <p:nvPr/>
+          </p:nvSpPr>
+          <p:spPr>
+            <a:xfrm>
+              <a:off x="7738280" y="3668835"/>
+              <a:ext cx="1692323" cy="600501"/>
+            </a:xfrm>
+            <a:prstGeom prst="rect">
+              <a:avLst/>
+            </a:prstGeom>
+          </p:spPr>
+          <p:style>
+            <a:lnRef idx="2">
+              <a:schemeClr val="accent1">
+                <a:shade val="15000"/>
+              </a:schemeClr>
+            </a:lnRef>
+            <a:fillRef idx="1">
+              <a:schemeClr val="accent1"/>
+            </a:fillRef>
+            <a:effectRef idx="0">
+              <a:schemeClr val="accent1"/>
+            </a:effectRef>
+            <a:fontRef idx="minor">
+              <a:schemeClr val="lt1"/>
+            </a:fontRef>
+          </p:style>
+          <p:txBody>
+            <a:bodyPr rtlCol="0" anchor="ctr"/>
+            <a:lstStyle/>
+            <a:p>
+              <a:pPr algn="ctr"/>
+              <a:r>
+                <a:rPr lang="ja-JP" altLang="en-US" sz="1400" dirty="0"/>
+                <a:t>トピック分析部</a:t>
+              </a:r>
+              <a:endParaRPr kumimoji="1" lang="en-US" altLang="ja-JP" sz="1400" dirty="0"/>
+            </a:p>
+          </p:txBody>
+        </p:sp>
+        <p:sp>
+          <p:nvSpPr>
+            <p:cNvPr id="9" name="正方形/長方形 8">
+              <a:extLst>
+                <a:ext uri="{FF2B5EF4-FFF2-40B4-BE49-F238E27FC236}">
+                  <a16:creationId xmlns:a16="http://schemas.microsoft.com/office/drawing/2014/main" id="{8014E845-0D07-27D8-02B0-D3362135FFD6}"/>
+                </a:ext>
+              </a:extLst>
+            </p:cNvPr>
+            <p:cNvSpPr/>
+            <p:nvPr/>
+          </p:nvSpPr>
+          <p:spPr>
+            <a:xfrm>
+              <a:off x="7738277" y="4787613"/>
+              <a:ext cx="1692323" cy="600501"/>
+            </a:xfrm>
+            <a:prstGeom prst="rect">
+              <a:avLst/>
+            </a:prstGeom>
+          </p:spPr>
+          <p:style>
+            <a:lnRef idx="2">
+              <a:schemeClr val="accent1">
+                <a:shade val="15000"/>
+              </a:schemeClr>
+            </a:lnRef>
+            <a:fillRef idx="1">
+              <a:schemeClr val="accent1"/>
+            </a:fillRef>
+            <a:effectRef idx="0">
+              <a:schemeClr val="accent1"/>
+            </a:effectRef>
+            <a:fontRef idx="minor">
+              <a:schemeClr val="lt1"/>
+            </a:fontRef>
+          </p:style>
+          <p:txBody>
+            <a:bodyPr rtlCol="0" anchor="ctr"/>
+            <a:lstStyle/>
+            <a:p>
+              <a:pPr algn="ctr"/>
+              <a:r>
+                <a:rPr lang="ja-JP" altLang="en-US" sz="1400" dirty="0"/>
+                <a:t>感情分析部</a:t>
+              </a:r>
+              <a:endParaRPr kumimoji="1" lang="en-US" altLang="ja-JP" sz="1400" dirty="0"/>
+            </a:p>
+          </p:txBody>
+        </p:sp>
+        <p:sp>
+          <p:nvSpPr>
+            <p:cNvPr id="10" name="正方形/長方形 9">
+              <a:extLst>
+                <a:ext uri="{FF2B5EF4-FFF2-40B4-BE49-F238E27FC236}">
+                  <a16:creationId xmlns:a16="http://schemas.microsoft.com/office/drawing/2014/main" id="{5964F00B-21C6-C696-C6E0-B864BA1E5819}"/>
+                </a:ext>
+              </a:extLst>
+            </p:cNvPr>
+            <p:cNvSpPr/>
+            <p:nvPr/>
+          </p:nvSpPr>
+          <p:spPr>
+            <a:xfrm>
+              <a:off x="7738278" y="5892374"/>
+              <a:ext cx="1692323" cy="600501"/>
+            </a:xfrm>
+            <a:prstGeom prst="rect">
+              <a:avLst/>
+            </a:prstGeom>
+          </p:spPr>
+          <p:style>
+            <a:lnRef idx="2">
+              <a:schemeClr val="accent1">
+                <a:shade val="15000"/>
+              </a:schemeClr>
+            </a:lnRef>
+            <a:fillRef idx="1">
+              <a:schemeClr val="accent1"/>
+            </a:fillRef>
+            <a:effectRef idx="0">
+              <a:schemeClr val="accent1"/>
+            </a:effectRef>
+            <a:fontRef idx="minor">
+              <a:schemeClr val="lt1"/>
+            </a:fontRef>
+          </p:style>
+          <p:txBody>
+            <a:bodyPr rtlCol="0" anchor="ctr"/>
+            <a:lstStyle/>
+            <a:p>
+              <a:pPr algn="ctr"/>
+              <a:r>
+                <a:rPr lang="ja-JP" altLang="en-US" sz="1400" dirty="0"/>
+                <a:t>単語分析部</a:t>
+              </a:r>
+              <a:endParaRPr kumimoji="1" lang="en-US" altLang="ja-JP" sz="1400" dirty="0"/>
+            </a:p>
+          </p:txBody>
+        </p:sp>
+        <p:sp>
+          <p:nvSpPr>
+            <p:cNvPr id="11" name="正方形/長方形 10">
+              <a:extLst>
+                <a:ext uri="{FF2B5EF4-FFF2-40B4-BE49-F238E27FC236}">
+                  <a16:creationId xmlns:a16="http://schemas.microsoft.com/office/drawing/2014/main" id="{CD6C584A-DB89-3C22-ECA1-B8D5F954648D}"/>
+                </a:ext>
+              </a:extLst>
+            </p:cNvPr>
+            <p:cNvSpPr/>
+            <p:nvPr/>
+          </p:nvSpPr>
+          <p:spPr>
+            <a:xfrm>
+              <a:off x="9957180" y="2492054"/>
+              <a:ext cx="1692323" cy="600501"/>
+            </a:xfrm>
+            <a:prstGeom prst="rect">
+              <a:avLst/>
+            </a:prstGeom>
+          </p:spPr>
+          <p:style>
+            <a:lnRef idx="2">
+              <a:schemeClr val="accent1">
+                <a:shade val="15000"/>
+              </a:schemeClr>
+            </a:lnRef>
+            <a:fillRef idx="1">
+              <a:schemeClr val="accent1"/>
+            </a:fillRef>
+            <a:effectRef idx="0">
+              <a:schemeClr val="accent1"/>
+            </a:effectRef>
+            <a:fontRef idx="minor">
+              <a:schemeClr val="lt1"/>
+            </a:fontRef>
+          </p:style>
+          <p:txBody>
+            <a:bodyPr rtlCol="0" anchor="ctr"/>
+            <a:lstStyle/>
+            <a:p>
+              <a:pPr algn="ctr"/>
+              <a:r>
+                <a:rPr lang="en-US" altLang="ja-JP" sz="1400" dirty="0"/>
+                <a:t>WRIME</a:t>
+              </a:r>
+              <a:br>
+                <a:rPr lang="en-US" altLang="ja-JP" sz="1400" dirty="0"/>
+              </a:br>
+              <a:r>
+                <a:rPr kumimoji="1" lang="ja-JP" altLang="en-US" sz="1400" dirty="0"/>
+                <a:t>データ</a:t>
+              </a:r>
+              <a:endParaRPr kumimoji="1" lang="en-US" altLang="ja-JP" sz="1400" dirty="0"/>
+            </a:p>
+          </p:txBody>
+        </p:sp>
+        <p:sp>
+          <p:nvSpPr>
+            <p:cNvPr id="12" name="正方形/長方形 11">
+              <a:extLst>
+                <a:ext uri="{FF2B5EF4-FFF2-40B4-BE49-F238E27FC236}">
+                  <a16:creationId xmlns:a16="http://schemas.microsoft.com/office/drawing/2014/main" id="{2DF5AAEA-C593-07A2-A5EA-9D484A5707BC}"/>
+                </a:ext>
+              </a:extLst>
+            </p:cNvPr>
+            <p:cNvSpPr/>
+            <p:nvPr/>
+          </p:nvSpPr>
+          <p:spPr>
+            <a:xfrm>
+              <a:off x="9957175" y="3675493"/>
+              <a:ext cx="1692323" cy="600501"/>
+            </a:xfrm>
+            <a:prstGeom prst="rect">
+              <a:avLst/>
+            </a:prstGeom>
+          </p:spPr>
+          <p:style>
+            <a:lnRef idx="2">
+              <a:schemeClr val="accent1">
+                <a:shade val="15000"/>
+              </a:schemeClr>
+            </a:lnRef>
+            <a:fillRef idx="1">
+              <a:schemeClr val="accent1"/>
+            </a:fillRef>
+            <a:effectRef idx="0">
+              <a:schemeClr val="accent1"/>
+            </a:effectRef>
+            <a:fontRef idx="minor">
+              <a:schemeClr val="lt1"/>
+            </a:fontRef>
+          </p:style>
+          <p:txBody>
+            <a:bodyPr rtlCol="0" anchor="ctr"/>
+            <a:lstStyle/>
+            <a:p>
+              <a:pPr algn="ctr"/>
+              <a:r>
+                <a:rPr kumimoji="1" lang="ja-JP" altLang="en-US" sz="1400" dirty="0"/>
+                <a:t>学習済モデル</a:t>
+              </a:r>
+              <a:endParaRPr kumimoji="1" lang="en-US" altLang="ja-JP" sz="1400" dirty="0"/>
+            </a:p>
+          </p:txBody>
+        </p:sp>
+        <p:cxnSp>
+          <p:nvCxnSpPr>
+            <p:cNvPr id="13" name="直線矢印コネクタ 12">
+              <a:extLst>
+                <a:ext uri="{FF2B5EF4-FFF2-40B4-BE49-F238E27FC236}">
+                  <a16:creationId xmlns:a16="http://schemas.microsoft.com/office/drawing/2014/main" id="{35BEB121-C6D5-8F19-D922-F0B0379B5FC1}"/>
+                </a:ext>
+              </a:extLst>
+            </p:cNvPr>
+            <p:cNvCxnSpPr>
+              <a:cxnSpLocks/>
+              <a:stCxn id="7" idx="2"/>
+              <a:endCxn id="8" idx="0"/>
+            </p:cNvCxnSpPr>
+            <p:nvPr/>
+          </p:nvCxnSpPr>
+          <p:spPr>
+            <a:xfrm flipH="1">
+              <a:off x="8584442" y="3092555"/>
+              <a:ext cx="1" cy="576280"/>
+            </a:xfrm>
+            <a:prstGeom prst="straightConnector1">
+              <a:avLst/>
+            </a:prstGeom>
+            <a:ln w="63500">
+              <a:tailEnd type="triangle"/>
+            </a:ln>
+          </p:spPr>
+          <p:style>
+            <a:lnRef idx="2">
+              <a:schemeClr val="accent1"/>
+            </a:lnRef>
+            <a:fillRef idx="0">
+              <a:schemeClr val="accent1"/>
+            </a:fillRef>
+            <a:effectRef idx="1">
+              <a:schemeClr val="accent1"/>
+            </a:effectRef>
+            <a:fontRef idx="minor">
+              <a:schemeClr val="tx1"/>
+            </a:fontRef>
+          </p:style>
+        </p:cxnSp>
+        <p:cxnSp>
+          <p:nvCxnSpPr>
+            <p:cNvPr id="14" name="直線矢印コネクタ 13">
+              <a:extLst>
+                <a:ext uri="{FF2B5EF4-FFF2-40B4-BE49-F238E27FC236}">
+                  <a16:creationId xmlns:a16="http://schemas.microsoft.com/office/drawing/2014/main" id="{CFAEDBC2-3AB6-EF8D-E07E-CFE23FC2964C}"/>
+                </a:ext>
+              </a:extLst>
+            </p:cNvPr>
+            <p:cNvCxnSpPr>
+              <a:cxnSpLocks/>
+              <a:stCxn id="8" idx="2"/>
+              <a:endCxn id="9" idx="0"/>
+            </p:cNvCxnSpPr>
+            <p:nvPr/>
+          </p:nvCxnSpPr>
+          <p:spPr>
+            <a:xfrm flipH="1">
+              <a:off x="8584439" y="4269336"/>
+              <a:ext cx="3" cy="518277"/>
+            </a:xfrm>
+            <a:prstGeom prst="straightConnector1">
+              <a:avLst/>
+            </a:prstGeom>
+            <a:ln w="63500">
+              <a:tailEnd type="triangle"/>
+            </a:ln>
+          </p:spPr>
+          <p:style>
+            <a:lnRef idx="2">
+              <a:schemeClr val="accent1"/>
+            </a:lnRef>
+            <a:fillRef idx="0">
+              <a:schemeClr val="accent1"/>
+            </a:fillRef>
+            <a:effectRef idx="1">
+              <a:schemeClr val="accent1"/>
+            </a:effectRef>
+            <a:fontRef idx="minor">
+              <a:schemeClr val="tx1"/>
+            </a:fontRef>
+          </p:style>
+        </p:cxnSp>
+        <p:cxnSp>
+          <p:nvCxnSpPr>
+            <p:cNvPr id="15" name="直線矢印コネクタ 14">
+              <a:extLst>
+                <a:ext uri="{FF2B5EF4-FFF2-40B4-BE49-F238E27FC236}">
+                  <a16:creationId xmlns:a16="http://schemas.microsoft.com/office/drawing/2014/main" id="{72F265E3-0803-8630-EBC8-3F01609E9C6A}"/>
+                </a:ext>
+              </a:extLst>
+            </p:cNvPr>
+            <p:cNvCxnSpPr>
+              <a:cxnSpLocks/>
+              <a:stCxn id="9" idx="2"/>
+              <a:endCxn id="10" idx="0"/>
+            </p:cNvCxnSpPr>
+            <p:nvPr/>
+          </p:nvCxnSpPr>
+          <p:spPr>
+            <a:xfrm>
+              <a:off x="8584439" y="5388114"/>
+              <a:ext cx="1" cy="504260"/>
+            </a:xfrm>
+            <a:prstGeom prst="straightConnector1">
+              <a:avLst/>
+            </a:prstGeom>
+            <a:ln w="63500">
+              <a:tailEnd type="triangle"/>
+            </a:ln>
+          </p:spPr>
+          <p:style>
+            <a:lnRef idx="2">
+              <a:schemeClr val="accent1"/>
+            </a:lnRef>
+            <a:fillRef idx="0">
+              <a:schemeClr val="accent1"/>
+            </a:fillRef>
+            <a:effectRef idx="1">
+              <a:schemeClr val="accent1"/>
+            </a:effectRef>
+            <a:fontRef idx="minor">
+              <a:schemeClr val="tx1"/>
+            </a:fontRef>
+          </p:style>
+        </p:cxnSp>
+        <p:cxnSp>
+          <p:nvCxnSpPr>
+            <p:cNvPr id="16" name="直線矢印コネクタ 15">
+              <a:extLst>
+                <a:ext uri="{FF2B5EF4-FFF2-40B4-BE49-F238E27FC236}">
+                  <a16:creationId xmlns:a16="http://schemas.microsoft.com/office/drawing/2014/main" id="{27042949-5CAA-D4C6-6C6E-2F1ADFD636E8}"/>
+                </a:ext>
+              </a:extLst>
+            </p:cNvPr>
+            <p:cNvCxnSpPr>
+              <a:cxnSpLocks/>
+              <a:stCxn id="11" idx="2"/>
+              <a:endCxn id="12" idx="0"/>
+            </p:cNvCxnSpPr>
+            <p:nvPr/>
+          </p:nvCxnSpPr>
+          <p:spPr>
+            <a:xfrm flipH="1">
+              <a:off x="10803337" y="3092555"/>
+              <a:ext cx="5" cy="582938"/>
+            </a:xfrm>
+            <a:prstGeom prst="straightConnector1">
+              <a:avLst/>
+            </a:prstGeom>
+            <a:ln w="63500">
+              <a:tailEnd type="triangle"/>
+            </a:ln>
+          </p:spPr>
+          <p:style>
+            <a:lnRef idx="2">
+              <a:schemeClr val="accent1"/>
+            </a:lnRef>
+            <a:fillRef idx="0">
+              <a:schemeClr val="accent1"/>
+            </a:fillRef>
+            <a:effectRef idx="1">
+              <a:schemeClr val="accent1"/>
+            </a:effectRef>
+            <a:fontRef idx="minor">
+              <a:schemeClr val="tx1"/>
+            </a:fontRef>
+          </p:style>
+        </p:cxnSp>
+        <p:cxnSp>
+          <p:nvCxnSpPr>
+            <p:cNvPr id="17" name="直線矢印コネクタ 16">
+              <a:extLst>
+                <a:ext uri="{FF2B5EF4-FFF2-40B4-BE49-F238E27FC236}">
+                  <a16:creationId xmlns:a16="http://schemas.microsoft.com/office/drawing/2014/main" id="{0A67F32F-07D6-1DA0-CCCD-5D3EF8C2C93D}"/>
+                </a:ext>
+              </a:extLst>
+            </p:cNvPr>
+            <p:cNvCxnSpPr>
+              <a:cxnSpLocks/>
+              <a:stCxn id="12" idx="1"/>
+              <a:endCxn id="9" idx="3"/>
+            </p:cNvCxnSpPr>
+            <p:nvPr/>
+          </p:nvCxnSpPr>
+          <p:spPr>
+            <a:xfrm flipH="1">
+              <a:off x="9430600" y="3975744"/>
+              <a:ext cx="526575" cy="1112120"/>
+            </a:xfrm>
+            <a:prstGeom prst="straightConnector1">
+              <a:avLst/>
+            </a:prstGeom>
+            <a:ln w="63500">
+              <a:tailEnd type="triangle"/>
+            </a:ln>
+          </p:spPr>
+          <p:style>
+            <a:lnRef idx="2">
+              <a:schemeClr val="accent1"/>
+            </a:lnRef>
+            <a:fillRef idx="0">
+              <a:schemeClr val="accent1"/>
+            </a:fillRef>
+            <a:effectRef idx="1">
+              <a:schemeClr val="accent1"/>
+            </a:effectRef>
+            <a:fontRef idx="minor">
+              <a:schemeClr val="tx1"/>
+            </a:fontRef>
+          </p:style>
+        </p:cxnSp>
+        <p:cxnSp>
+          <p:nvCxnSpPr>
+            <p:cNvPr id="18" name="直線矢印コネクタ 17">
+              <a:extLst>
+                <a:ext uri="{FF2B5EF4-FFF2-40B4-BE49-F238E27FC236}">
+                  <a16:creationId xmlns:a16="http://schemas.microsoft.com/office/drawing/2014/main" id="{39F35971-267A-8D07-5F27-051E7BAB99D2}"/>
+                </a:ext>
+              </a:extLst>
+            </p:cNvPr>
+            <p:cNvCxnSpPr>
+              <a:cxnSpLocks/>
+              <a:stCxn id="12" idx="1"/>
+              <a:endCxn id="8" idx="3"/>
+            </p:cNvCxnSpPr>
+            <p:nvPr/>
+          </p:nvCxnSpPr>
+          <p:spPr>
+            <a:xfrm flipH="1" flipV="1">
+              <a:off x="9430603" y="3969086"/>
+              <a:ext cx="526572" cy="6658"/>
+            </a:xfrm>
+            <a:prstGeom prst="straightConnector1">
+              <a:avLst/>
+            </a:prstGeom>
+            <a:ln w="63500">
+              <a:tailEnd type="triangle"/>
+            </a:ln>
+          </p:spPr>
+          <p:style>
+            <a:lnRef idx="2">
+              <a:schemeClr val="accent1"/>
+            </a:lnRef>
+            <a:fillRef idx="0">
+              <a:schemeClr val="accent1"/>
+            </a:fillRef>
+            <a:effectRef idx="1">
+              <a:schemeClr val="accent1"/>
+            </a:effectRef>
+            <a:fontRef idx="minor">
+              <a:schemeClr val="tx1"/>
+            </a:fontRef>
+          </p:style>
+        </p:cxnSp>
+      </p:grpSp>
+    </p:spTree>
+    <p:extLst>
+      <p:ext uri="{BB962C8B-B14F-4D97-AF65-F5344CB8AC3E}">
+        <p14:creationId xmlns:p14="http://schemas.microsoft.com/office/powerpoint/2010/main" val="3515127393"/>
+      </p:ext>
+    </p:extLst>
+  </p:cSld>
+  <p:clrMapOvr>
+    <a:masterClrMapping/>
+  </p:clrMapOvr>
+</p:sld>
+</file>
+
+<file path=ppt/slides/slide13.xml><?xml version="1.0" encoding="utf-8"?>
+<p:sld xmlns:a="http://schemas.openxmlformats.org/drawingml/2006/main" xmlns:r="http://schemas.openxmlformats.org/officeDocument/2006/relationships" xmlns:p="http://schemas.openxmlformats.org/presentationml/2006/main">
+  <p:cSld>
+    <p:spTree>
+      <p:nvGrpSpPr>
+        <p:cNvPr id="1" name=""/>
+        <p:cNvGrpSpPr/>
+        <p:nvPr/>
+      </p:nvGrpSpPr>
+      <p:grpSpPr>
+        <a:xfrm>
+          <a:off x="0" y="0"/>
+          <a:ext cx="0" cy="0"/>
+          <a:chOff x="0" y="0"/>
+          <a:chExt cx="0" cy="0"/>
+        </a:xfrm>
+      </p:grpSpPr>
+      <p:sp>
+        <p:nvSpPr>
+          <p:cNvPr id="2" name="タイトル 1">
+            <a:extLst>
+              <a:ext uri="{FF2B5EF4-FFF2-40B4-BE49-F238E27FC236}">
+                <a16:creationId xmlns:a16="http://schemas.microsoft.com/office/drawing/2014/main" id="{1FF54FDD-7D66-ADF0-F8F4-3095AADF5F1B}"/>
+              </a:ext>
+            </a:extLst>
+          </p:cNvPr>
+          <p:cNvSpPr>
+            <a:spLocks noGrp="1"/>
+          </p:cNvSpPr>
+          <p:nvPr>
+            <p:ph type="title"/>
+          </p:nvPr>
+        </p:nvSpPr>
+        <p:spPr/>
+        <p:txBody>
+          <a:bodyPr/>
+          <a:lstStyle/>
+          <a:p>
+            <a:r>
+              <a:rPr kumimoji="1" lang="ja-JP" altLang="en-US" dirty="0"/>
+              <a:t>現在の構想の問題点について</a:t>
+            </a:r>
+            <a:r>
+              <a:rPr lang="en-US" altLang="ja-JP" dirty="0"/>
+              <a:t>3</a:t>
+            </a:r>
+            <a:endParaRPr kumimoji="1" lang="ja-JP" altLang="en-US" dirty="0"/>
+          </a:p>
+        </p:txBody>
+      </p:sp>
+      <p:sp>
+        <p:nvSpPr>
+          <p:cNvPr id="3" name="コンテンツ プレースホルダー 2">
+            <a:extLst>
+              <a:ext uri="{FF2B5EF4-FFF2-40B4-BE49-F238E27FC236}">
+                <a16:creationId xmlns:a16="http://schemas.microsoft.com/office/drawing/2014/main" id="{5C42A79F-8FB7-3047-BA1C-5DC2E9F935E3}"/>
+              </a:ext>
+            </a:extLst>
+          </p:cNvPr>
+          <p:cNvSpPr>
+            <a:spLocks noGrp="1"/>
+          </p:cNvSpPr>
+          <p:nvPr>
+            <p:ph idx="1"/>
+          </p:nvPr>
+        </p:nvSpPr>
+        <p:spPr/>
+        <p:txBody>
+          <a:bodyPr>
+            <a:normAutofit fontScale="92500" lnSpcReduction="10000"/>
+          </a:bodyPr>
+          <a:lstStyle/>
+          <a:p>
+            <a:r>
+              <a:rPr kumimoji="1" lang="ja-JP" altLang="en-US" strike="dblStrike" dirty="0"/>
+              <a:t>ちょっと誇張しすぎかも・・・・</a:t>
+            </a:r>
+            <a:endParaRPr lang="en-US" altLang="ja-JP" dirty="0"/>
+          </a:p>
+          <a:p>
+            <a:r>
+              <a:rPr kumimoji="1" lang="ja-JP" altLang="en-US" dirty="0"/>
+              <a:t>別に感情に</a:t>
+            </a:r>
+            <a:r>
+              <a:rPr kumimoji="1" lang="ja-JP" altLang="en-US" dirty="0">
+                <a:solidFill>
+                  <a:srgbClr val="FF0000"/>
+                </a:solidFill>
+              </a:rPr>
+              <a:t>こだわる必要ない</a:t>
+            </a:r>
+            <a:endParaRPr kumimoji="1" lang="en-US" altLang="ja-JP" dirty="0">
+              <a:solidFill>
+                <a:srgbClr val="FF0000"/>
+              </a:solidFill>
+            </a:endParaRPr>
+          </a:p>
+          <a:p>
+            <a:pPr lvl="1"/>
+            <a:r>
+              <a:rPr lang="ja-JP" altLang="en-US" dirty="0"/>
+              <a:t>「コラボ・接客・商品品質・商品デザイン・企業サービス」等々</a:t>
+            </a:r>
+            <a:endParaRPr lang="en-US" altLang="ja-JP" dirty="0"/>
+          </a:p>
+          <a:p>
+            <a:pPr lvl="1"/>
+            <a:r>
+              <a:rPr kumimoji="1" lang="ja-JP" altLang="en-US" dirty="0"/>
+              <a:t>クラスタリングの軸は事前に決められる</a:t>
+            </a:r>
+            <a:endParaRPr kumimoji="1" lang="en-US" altLang="ja-JP" dirty="0"/>
+          </a:p>
+          <a:p>
+            <a:pPr lvl="1"/>
+            <a:r>
+              <a:rPr lang="ja-JP" altLang="en-US" dirty="0"/>
+              <a:t>学習済モデルが</a:t>
+            </a:r>
+            <a:r>
+              <a:rPr lang="ja-JP" altLang="en-US" dirty="0">
+                <a:solidFill>
+                  <a:srgbClr val="FF0000"/>
+                </a:solidFill>
+              </a:rPr>
+              <a:t>感情ラベルを生成するから</a:t>
+            </a:r>
+            <a:r>
+              <a:rPr lang="ja-JP" altLang="en-US" dirty="0"/>
+              <a:t>「感情分析部」になるだけ</a:t>
+            </a:r>
+            <a:endParaRPr kumimoji="1" lang="en-US" altLang="ja-JP" dirty="0"/>
+          </a:p>
+          <a:p>
+            <a:pPr lvl="1"/>
+            <a:endParaRPr kumimoji="1" lang="en-US" altLang="ja-JP" dirty="0"/>
+          </a:p>
+          <a:p>
+            <a:pPr lvl="1"/>
+            <a:r>
+              <a:rPr kumimoji="1" lang="ja-JP" altLang="en-US" dirty="0"/>
+              <a:t>一方で、こちらに都合の良い学習済モデルはなかなか存在しない</a:t>
+            </a:r>
+            <a:br>
+              <a:rPr kumimoji="1" lang="en-US" altLang="ja-JP" dirty="0"/>
+            </a:br>
+            <a:r>
+              <a:rPr kumimoji="1" lang="ja-JP" altLang="en-US" dirty="0"/>
+              <a:t>↓</a:t>
+            </a:r>
+            <a:endParaRPr kumimoji="1" lang="en-US" altLang="ja-JP" dirty="0"/>
+          </a:p>
+          <a:p>
+            <a:pPr marL="0" indent="0">
+              <a:buNone/>
+            </a:pPr>
+            <a:r>
+              <a:rPr lang="ja-JP" altLang="en-US" dirty="0"/>
+              <a:t>　　↓</a:t>
+            </a:r>
+            <a:endParaRPr lang="en-US" altLang="ja-JP" dirty="0"/>
+          </a:p>
+          <a:p>
+            <a:pPr marL="0" indent="0">
+              <a:buNone/>
+            </a:pPr>
+            <a:r>
+              <a:rPr kumimoji="1" lang="ja-JP" altLang="en-US" dirty="0"/>
+              <a:t>　　↓</a:t>
+            </a:r>
+            <a:endParaRPr kumimoji="1" lang="en-US" altLang="ja-JP" dirty="0"/>
+          </a:p>
+          <a:p>
+            <a:r>
+              <a:rPr kumimoji="1" lang="ja-JP" altLang="en-US" dirty="0"/>
+              <a:t>平子さん、</a:t>
+            </a:r>
+            <a:r>
+              <a:rPr kumimoji="1" lang="en-US" altLang="ja-JP" dirty="0"/>
+              <a:t>AI</a:t>
+            </a:r>
+            <a:r>
+              <a:rPr kumimoji="1" lang="ja-JP" altLang="en-US" dirty="0"/>
+              <a:t>エージェントやりましょう！！！😜</a:t>
+            </a:r>
+          </a:p>
+        </p:txBody>
+      </p:sp>
+    </p:spTree>
+    <p:extLst>
+      <p:ext uri="{BB962C8B-B14F-4D97-AF65-F5344CB8AC3E}">
+        <p14:creationId xmlns:p14="http://schemas.microsoft.com/office/powerpoint/2010/main" val="3797763502"/>
+      </p:ext>
+    </p:extLst>
+  </p:cSld>
+  <p:clrMapOvr>
+    <a:masterClrMapping/>
+  </p:clrMapOvr>
+</p:sld>
+</file>
+
+<file path=ppt/slides/slide14.xml><?xml version="1.0" encoding="utf-8"?>
+<p:sld xmlns:a="http://schemas.openxmlformats.org/drawingml/2006/main" xmlns:r="http://schemas.openxmlformats.org/officeDocument/2006/relationships" xmlns:p="http://schemas.openxmlformats.org/presentationml/2006/main">
+  <p:cSld>
+    <p:spTree>
+      <p:nvGrpSpPr>
+        <p:cNvPr id="1" name=""/>
+        <p:cNvGrpSpPr/>
+        <p:nvPr/>
+      </p:nvGrpSpPr>
+      <p:grpSpPr>
+        <a:xfrm>
+          <a:off x="0" y="0"/>
+          <a:ext cx="0" cy="0"/>
+          <a:chOff x="0" y="0"/>
+          <a:chExt cx="0" cy="0"/>
+        </a:xfrm>
+      </p:grpSpPr>
+      <p:sp>
+        <p:nvSpPr>
+          <p:cNvPr id="2" name="タイトル 1">
+            <a:extLst>
+              <a:ext uri="{FF2B5EF4-FFF2-40B4-BE49-F238E27FC236}">
+                <a16:creationId xmlns:a16="http://schemas.microsoft.com/office/drawing/2014/main" id="{7D9578D3-44B4-111D-B755-58BDE5ADC96A}"/>
+              </a:ext>
+            </a:extLst>
+          </p:cNvPr>
+          <p:cNvSpPr>
+            <a:spLocks noGrp="1"/>
+          </p:cNvSpPr>
+          <p:nvPr>
+            <p:ph type="title"/>
+          </p:nvPr>
+        </p:nvSpPr>
+        <p:spPr/>
+        <p:txBody>
+          <a:bodyPr/>
+          <a:lstStyle/>
+          <a:p>
+            <a:r>
+              <a:rPr kumimoji="1" lang="ja-JP" altLang="en-US" dirty="0"/>
+              <a:t>競合の存在について</a:t>
+            </a:r>
+          </a:p>
+        </p:txBody>
+      </p:sp>
+      <p:sp>
+        <p:nvSpPr>
+          <p:cNvPr id="3" name="コンテンツ プレースホルダー 2">
+            <a:extLst>
+              <a:ext uri="{FF2B5EF4-FFF2-40B4-BE49-F238E27FC236}">
+                <a16:creationId xmlns:a16="http://schemas.microsoft.com/office/drawing/2014/main" id="{41E7DDE8-73DB-A4DA-8CE0-68101903CDCF}"/>
+              </a:ext>
+            </a:extLst>
+          </p:cNvPr>
+          <p:cNvSpPr>
+            <a:spLocks noGrp="1"/>
+          </p:cNvSpPr>
+          <p:nvPr>
+            <p:ph idx="1"/>
+          </p:nvPr>
+        </p:nvSpPr>
+        <p:spPr/>
+        <p:txBody>
+          <a:bodyPr/>
+          <a:lstStyle/>
+          <a:p>
+            <a:r>
+              <a:rPr kumimoji="1" lang="ja-JP" altLang="en-US" dirty="0"/>
+              <a:t>冒頭で「競争優位性がある」と豪語</a:t>
+            </a:r>
+            <a:endParaRPr kumimoji="1" lang="en-US" altLang="ja-JP" dirty="0"/>
+          </a:p>
+          <a:p>
+            <a:pPr lvl="1"/>
+            <a:r>
+              <a:rPr lang="ja-JP" altLang="en-US" dirty="0"/>
+              <a:t>競合他社がいないわけではない</a:t>
+            </a:r>
+            <a:endParaRPr lang="en-US" altLang="ja-JP" dirty="0"/>
+          </a:p>
+          <a:p>
+            <a:endParaRPr kumimoji="1" lang="en-US" altLang="ja-JP" dirty="0"/>
+          </a:p>
+          <a:p>
+            <a:endParaRPr lang="en-US" altLang="ja-JP" dirty="0"/>
+          </a:p>
+          <a:p>
+            <a:endParaRPr kumimoji="1" lang="en-US" altLang="ja-JP" dirty="0"/>
+          </a:p>
+          <a:p>
+            <a:endParaRPr lang="en-US" altLang="ja-JP" dirty="0"/>
+          </a:p>
+          <a:p>
+            <a:endParaRPr kumimoji="1" lang="ja-JP" altLang="en-US" dirty="0"/>
+          </a:p>
+        </p:txBody>
+      </p:sp>
+    </p:spTree>
+    <p:extLst>
+      <p:ext uri="{BB962C8B-B14F-4D97-AF65-F5344CB8AC3E}">
+        <p14:creationId xmlns:p14="http://schemas.microsoft.com/office/powerpoint/2010/main" val="2299961890"/>
+      </p:ext>
+    </p:extLst>
+  </p:cSld>
+  <p:clrMapOvr>
+    <a:masterClrMapping/>
+  </p:clrMapOvr>
+</p:sld>
+</file>
+
+<file path=ppt/slides/slide15.xml><?xml version="1.0" encoding="utf-8"?>
+<p:sld xmlns:a="http://schemas.openxmlformats.org/drawingml/2006/main" xmlns:r="http://schemas.openxmlformats.org/officeDocument/2006/relationships" xmlns:p="http://schemas.openxmlformats.org/presentationml/2006/main">
+  <p:cSld>
+    <p:spTree>
+      <p:nvGrpSpPr>
+        <p:cNvPr id="1" name=""/>
+        <p:cNvGrpSpPr/>
+        <p:nvPr/>
+      </p:nvGrpSpPr>
+      <p:grpSpPr>
+        <a:xfrm>
+          <a:off x="0" y="0"/>
+          <a:ext cx="0" cy="0"/>
+          <a:chOff x="0" y="0"/>
+          <a:chExt cx="0" cy="0"/>
+        </a:xfrm>
+      </p:grpSpPr>
+      <p:sp>
+        <p:nvSpPr>
+          <p:cNvPr id="2" name="タイトル 1">
+            <a:extLst>
+              <a:ext uri="{FF2B5EF4-FFF2-40B4-BE49-F238E27FC236}">
+                <a16:creationId xmlns:a16="http://schemas.microsoft.com/office/drawing/2014/main" id="{DC2F9908-DD1D-4171-CA4A-EBB27DC7E990}"/>
+              </a:ext>
+            </a:extLst>
+          </p:cNvPr>
+          <p:cNvSpPr>
+            <a:spLocks noGrp="1"/>
+          </p:cNvSpPr>
+          <p:nvPr>
+            <p:ph type="title"/>
+          </p:nvPr>
+        </p:nvSpPr>
+        <p:spPr/>
+        <p:txBody>
+          <a:bodyPr/>
+          <a:lstStyle/>
+          <a:p>
+            <a:r>
+              <a:rPr kumimoji="1" lang="en-US" altLang="ja-JP" dirty="0">
+                <a:latin typeface="源ノ角ゴシック Code JP N" panose="020B0400000000000000" pitchFamily="34" charset="-128"/>
+                <a:ea typeface="源ノ角ゴシック Code JP N" panose="020B0400000000000000" pitchFamily="34" charset="-128"/>
+              </a:rPr>
+              <a:t>WRIME</a:t>
+            </a:r>
+            <a:r>
+              <a:rPr kumimoji="1" lang="ja-JP" altLang="en-US" dirty="0">
+                <a:latin typeface="源ノ角ゴシック Code JP N" panose="020B0400000000000000" pitchFamily="34" charset="-128"/>
+                <a:ea typeface="源ノ角ゴシック Code JP N" panose="020B0400000000000000" pitchFamily="34" charset="-128"/>
+              </a:rPr>
+              <a:t>データセットについて</a:t>
+            </a:r>
+          </a:p>
+        </p:txBody>
+      </p:sp>
+      <p:sp>
+        <p:nvSpPr>
+          <p:cNvPr id="3" name="コンテンツ プレースホルダー 2">
+            <a:extLst>
+              <a:ext uri="{FF2B5EF4-FFF2-40B4-BE49-F238E27FC236}">
+                <a16:creationId xmlns:a16="http://schemas.microsoft.com/office/drawing/2014/main" id="{01D783D0-C784-7066-CB80-6DE654647BF0}"/>
+              </a:ext>
+            </a:extLst>
+          </p:cNvPr>
+          <p:cNvSpPr>
+            <a:spLocks noGrp="1"/>
+          </p:cNvSpPr>
+          <p:nvPr>
+            <p:ph idx="1"/>
+          </p:nvPr>
+        </p:nvSpPr>
+        <p:spPr>
+          <a:xfrm>
+            <a:off x="838200" y="1825624"/>
+            <a:ext cx="10515600" cy="4809351"/>
+          </a:xfrm>
+        </p:spPr>
+        <p:txBody>
+          <a:bodyPr>
+            <a:normAutofit fontScale="92500" lnSpcReduction="10000"/>
+          </a:bodyPr>
+          <a:lstStyle/>
+          <a:p>
+            <a:r>
+              <a:rPr lang="ja-JP" altLang="en-US" i="0" dirty="0">
+                <a:effectLst/>
+                <a:latin typeface="源ノ角ゴシック Code JP N" panose="020B0400000000000000" pitchFamily="34" charset="-128"/>
+                <a:ea typeface="源ノ角ゴシック Code JP N" panose="020B0400000000000000" pitchFamily="34" charset="-128"/>
+              </a:rPr>
+              <a:t>主観と客観の感情分析データセット</a:t>
+            </a:r>
+            <a:endParaRPr lang="en-US" altLang="ja-JP" i="0" dirty="0">
+              <a:effectLst/>
+              <a:latin typeface="源ノ角ゴシック Code JP N" panose="020B0400000000000000" pitchFamily="34" charset="-128"/>
+              <a:ea typeface="源ノ角ゴシック Code JP N" panose="020B0400000000000000" pitchFamily="34" charset="-128"/>
+            </a:endParaRPr>
+          </a:p>
+          <a:p>
+            <a:pPr lvl="1"/>
+            <a:r>
+              <a:rPr lang="ja-JP" altLang="en-US" sz="1800" i="0" dirty="0">
+                <a:effectLst/>
+                <a:latin typeface="源ノ角ゴシック Code JP N" panose="020B0400000000000000" pitchFamily="34" charset="-128"/>
+                <a:ea typeface="源ノ角ゴシック Code JP N" panose="020B0400000000000000" pitchFamily="34" charset="-128"/>
+              </a:rPr>
+              <a:t>ロバート・プルチック</a:t>
+            </a:r>
+            <a:r>
+              <a:rPr lang="en-US" altLang="ja-JP" sz="1800" i="0" dirty="0">
+                <a:effectLst/>
+                <a:latin typeface="源ノ角ゴシック Code JP N" panose="020B0400000000000000" pitchFamily="34" charset="-128"/>
+                <a:ea typeface="源ノ角ゴシック Code JP N" panose="020B0400000000000000" pitchFamily="34" charset="-128"/>
+              </a:rPr>
+              <a:t>(</a:t>
+            </a:r>
+            <a:r>
+              <a:rPr lang="en" altLang="ja-JP" sz="1800" i="0" dirty="0">
+                <a:effectLst/>
+                <a:latin typeface="源ノ角ゴシック Code JP N" panose="020B0400000000000000" pitchFamily="34" charset="-128"/>
+                <a:ea typeface="源ノ角ゴシック Code JP N" panose="020B0400000000000000" pitchFamily="34" charset="-128"/>
+              </a:rPr>
+              <a:t>Robert Plutchik</a:t>
+            </a:r>
+            <a:r>
+              <a:rPr lang="en-US" altLang="ja-JP" sz="1800" i="0" dirty="0">
+                <a:effectLst/>
+                <a:latin typeface="源ノ角ゴシック Code JP N" panose="020B0400000000000000" pitchFamily="34" charset="-128"/>
+                <a:ea typeface="源ノ角ゴシック Code JP N" panose="020B0400000000000000" pitchFamily="34" charset="-128"/>
+              </a:rPr>
+              <a:t>)</a:t>
+            </a:r>
+            <a:r>
+              <a:rPr lang="ja-JP" altLang="en-US" sz="1800" i="0" dirty="0">
+                <a:effectLst/>
+                <a:latin typeface="源ノ角ゴシック Code JP N" panose="020B0400000000000000" pitchFamily="34" charset="-128"/>
+                <a:ea typeface="源ノ角ゴシック Code JP N" panose="020B0400000000000000" pitchFamily="34" charset="-128"/>
+              </a:rPr>
+              <a:t>による基本</a:t>
+            </a:r>
+            <a:r>
+              <a:rPr lang="en-US" altLang="ja-JP" sz="1800" i="0" dirty="0">
+                <a:effectLst/>
+                <a:latin typeface="源ノ角ゴシック Code JP N" panose="020B0400000000000000" pitchFamily="34" charset="-128"/>
+                <a:ea typeface="源ノ角ゴシック Code JP N" panose="020B0400000000000000" pitchFamily="34" charset="-128"/>
+              </a:rPr>
+              <a:t>8</a:t>
+            </a:r>
+            <a:r>
+              <a:rPr lang="ja-JP" altLang="en-US" sz="1800" i="0" dirty="0">
+                <a:effectLst/>
+                <a:latin typeface="源ノ角ゴシック Code JP N" panose="020B0400000000000000" pitchFamily="34" charset="-128"/>
+                <a:ea typeface="源ノ角ゴシック Code JP N" panose="020B0400000000000000" pitchFamily="34" charset="-128"/>
+              </a:rPr>
+              <a:t>感情を対するラベルデータセット</a:t>
+            </a:r>
+            <a:endParaRPr lang="en-US" altLang="ja-JP" sz="1800" i="0" dirty="0">
+              <a:effectLst/>
+              <a:latin typeface="源ノ角ゴシック Code JP N" panose="020B0400000000000000" pitchFamily="34" charset="-128"/>
+              <a:ea typeface="源ノ角ゴシック Code JP N" panose="020B0400000000000000" pitchFamily="34" charset="-128"/>
+            </a:endParaRPr>
+          </a:p>
+          <a:p>
+            <a:pPr lvl="2"/>
+            <a:r>
+              <a:rPr lang="en" altLang="ja-JP" sz="1600" i="0" dirty="0">
+                <a:effectLst/>
+                <a:latin typeface="源ノ角ゴシック Code JP N" panose="020B0400000000000000" pitchFamily="34" charset="-128"/>
+                <a:ea typeface="源ノ角ゴシック Code JP N" panose="020B0400000000000000" pitchFamily="34" charset="-128"/>
+              </a:rPr>
+              <a:t>Plutchik</a:t>
+            </a:r>
+            <a:r>
+              <a:rPr lang="ja-JP" altLang="en-US" sz="1600" i="0" dirty="0">
+                <a:effectLst/>
+                <a:latin typeface="源ノ角ゴシック Code JP N" panose="020B0400000000000000" pitchFamily="34" charset="-128"/>
+                <a:ea typeface="源ノ角ゴシック Code JP N" panose="020B0400000000000000" pitchFamily="34" charset="-128"/>
+              </a:rPr>
+              <a:t>の基本</a:t>
+            </a:r>
+            <a:r>
+              <a:rPr lang="en-US" altLang="ja-JP" sz="1600" i="0" dirty="0">
+                <a:effectLst/>
+                <a:latin typeface="源ノ角ゴシック Code JP N" panose="020B0400000000000000" pitchFamily="34" charset="-128"/>
+                <a:ea typeface="源ノ角ゴシック Code JP N" panose="020B0400000000000000" pitchFamily="34" charset="-128"/>
+              </a:rPr>
+              <a:t>8</a:t>
+            </a:r>
+            <a:r>
+              <a:rPr lang="ja-JP" altLang="en-US" sz="1600" i="0" dirty="0">
+                <a:effectLst/>
+                <a:latin typeface="源ノ角ゴシック Code JP N" panose="020B0400000000000000" pitchFamily="34" charset="-128"/>
+                <a:ea typeface="源ノ角ゴシック Code JP N" panose="020B0400000000000000" pitchFamily="34" charset="-128"/>
+              </a:rPr>
+              <a:t>感情（喜び、悲しみ、期待、驚き、怒り、恐れ、嫌悪、信頼）</a:t>
+            </a:r>
+            <a:endParaRPr lang="en-US" altLang="ja-JP" sz="1600" i="0" dirty="0">
+              <a:effectLst/>
+              <a:latin typeface="源ノ角ゴシック Code JP N" panose="020B0400000000000000" pitchFamily="34" charset="-128"/>
+              <a:ea typeface="源ノ角ゴシック Code JP N" panose="020B0400000000000000" pitchFamily="34" charset="-128"/>
+            </a:endParaRPr>
+          </a:p>
+          <a:p>
+            <a:pPr lvl="2"/>
+            <a:r>
+              <a:rPr lang="ja-JP" altLang="en-US" sz="1600" dirty="0">
+                <a:latin typeface="源ノ角ゴシック Code JP N" panose="020B0400000000000000" pitchFamily="34" charset="-128"/>
+                <a:ea typeface="源ノ角ゴシック Code JP N" panose="020B0400000000000000" pitchFamily="34" charset="-128"/>
+              </a:rPr>
+              <a:t>各感情の強度が</a:t>
+            </a:r>
+            <a:r>
+              <a:rPr lang="en-US" altLang="ja-JP" sz="1600" i="0" dirty="0">
+                <a:effectLst/>
+                <a:latin typeface="源ノ角ゴシック Code JP N" panose="020B0400000000000000" pitchFamily="34" charset="-128"/>
+                <a:ea typeface="源ノ角ゴシック Code JP N" panose="020B0400000000000000" pitchFamily="34" charset="-128"/>
+              </a:rPr>
+              <a:t>4</a:t>
+            </a:r>
+            <a:r>
+              <a:rPr lang="ja-JP" altLang="en-US" sz="1600" i="0" dirty="0">
+                <a:effectLst/>
+                <a:latin typeface="源ノ角ゴシック Code JP N" panose="020B0400000000000000" pitchFamily="34" charset="-128"/>
+                <a:ea typeface="源ノ角ゴシック Code JP N" panose="020B0400000000000000" pitchFamily="34" charset="-128"/>
+              </a:rPr>
+              <a:t>段階（</a:t>
+            </a:r>
+            <a:r>
+              <a:rPr lang="en-US" altLang="ja-JP" sz="1600" i="0" dirty="0">
+                <a:effectLst/>
+                <a:latin typeface="源ノ角ゴシック Code JP N" panose="020B0400000000000000" pitchFamily="34" charset="-128"/>
+                <a:ea typeface="源ノ角ゴシック Code JP N" panose="020B0400000000000000" pitchFamily="34" charset="-128"/>
+              </a:rPr>
+              <a:t>0:</a:t>
+            </a:r>
+            <a:r>
+              <a:rPr lang="ja-JP" altLang="en-US" sz="1600" i="0" dirty="0">
+                <a:effectLst/>
+                <a:latin typeface="源ノ角ゴシック Code JP N" panose="020B0400000000000000" pitchFamily="34" charset="-128"/>
+                <a:ea typeface="源ノ角ゴシック Code JP N" panose="020B0400000000000000" pitchFamily="34" charset="-128"/>
+              </a:rPr>
+              <a:t>無、</a:t>
+            </a:r>
+            <a:r>
+              <a:rPr lang="en-US" altLang="ja-JP" sz="1600" i="0" dirty="0">
+                <a:effectLst/>
+                <a:latin typeface="源ノ角ゴシック Code JP N" panose="020B0400000000000000" pitchFamily="34" charset="-128"/>
+                <a:ea typeface="源ノ角ゴシック Code JP N" panose="020B0400000000000000" pitchFamily="34" charset="-128"/>
+              </a:rPr>
+              <a:t>1:</a:t>
+            </a:r>
+            <a:r>
+              <a:rPr lang="ja-JP" altLang="en-US" sz="1600" i="0" dirty="0">
+                <a:effectLst/>
+                <a:latin typeface="源ノ角ゴシック Code JP N" panose="020B0400000000000000" pitchFamily="34" charset="-128"/>
+                <a:ea typeface="源ノ角ゴシック Code JP N" panose="020B0400000000000000" pitchFamily="34" charset="-128"/>
+              </a:rPr>
+              <a:t>弱、</a:t>
+            </a:r>
+            <a:r>
+              <a:rPr lang="en-US" altLang="ja-JP" sz="1600" i="0" dirty="0">
+                <a:effectLst/>
+                <a:latin typeface="源ノ角ゴシック Code JP N" panose="020B0400000000000000" pitchFamily="34" charset="-128"/>
+                <a:ea typeface="源ノ角ゴシック Code JP N" panose="020B0400000000000000" pitchFamily="34" charset="-128"/>
+              </a:rPr>
+              <a:t>2:</a:t>
+            </a:r>
+            <a:r>
+              <a:rPr lang="ja-JP" altLang="en-US" sz="1600" i="0" dirty="0">
+                <a:effectLst/>
+                <a:latin typeface="源ノ角ゴシック Code JP N" panose="020B0400000000000000" pitchFamily="34" charset="-128"/>
+                <a:ea typeface="源ノ角ゴシック Code JP N" panose="020B0400000000000000" pitchFamily="34" charset="-128"/>
+              </a:rPr>
+              <a:t>中、</a:t>
+            </a:r>
+            <a:r>
+              <a:rPr lang="en-US" altLang="ja-JP" sz="1600" i="0" dirty="0">
+                <a:effectLst/>
+                <a:latin typeface="源ノ角ゴシック Code JP N" panose="020B0400000000000000" pitchFamily="34" charset="-128"/>
+                <a:ea typeface="源ノ角ゴシック Code JP N" panose="020B0400000000000000" pitchFamily="34" charset="-128"/>
+              </a:rPr>
+              <a:t>3:</a:t>
+            </a:r>
+            <a:r>
+              <a:rPr lang="ja-JP" altLang="en-US" sz="1600" i="0" dirty="0">
+                <a:effectLst/>
+                <a:latin typeface="源ノ角ゴシック Code JP N" panose="020B0400000000000000" pitchFamily="34" charset="-128"/>
+                <a:ea typeface="源ノ角ゴシック Code JP N" panose="020B0400000000000000" pitchFamily="34" charset="-128"/>
+              </a:rPr>
+              <a:t>強）で設定されている</a:t>
+            </a:r>
+          </a:p>
+          <a:p>
+            <a:endParaRPr kumimoji="1" lang="en-US" altLang="ja-JP" dirty="0">
+              <a:latin typeface="源ノ角ゴシック Code JP N" panose="020B0400000000000000" pitchFamily="34" charset="-128"/>
+              <a:ea typeface="源ノ角ゴシック Code JP N" panose="020B0400000000000000" pitchFamily="34" charset="-128"/>
+            </a:endParaRPr>
+          </a:p>
+          <a:p>
+            <a:r>
+              <a:rPr kumimoji="1" lang="ja-JP" altLang="en-US" sz="2400" dirty="0">
+                <a:latin typeface="源ノ角ゴシック Code JP N" panose="020B0400000000000000" pitchFamily="34" charset="-128"/>
+                <a:ea typeface="源ノ角ゴシック Code JP N" panose="020B0400000000000000" pitchFamily="34" charset="-128"/>
+              </a:rPr>
+              <a:t>例</a:t>
+            </a:r>
+            <a:endParaRPr lang="en-US" altLang="ja-JP" sz="2400" dirty="0">
+              <a:latin typeface="源ノ角ゴシック Code JP N" panose="020B0400000000000000" pitchFamily="34" charset="-128"/>
+              <a:ea typeface="源ノ角ゴシック Code JP N" panose="020B0400000000000000" pitchFamily="34" charset="-128"/>
+            </a:endParaRPr>
+          </a:p>
+          <a:p>
+            <a:endParaRPr kumimoji="1" lang="en-US" altLang="ja-JP" sz="1400" dirty="0">
+              <a:latin typeface="源ノ角ゴシック Code JP N" panose="020B0400000000000000" pitchFamily="34" charset="-128"/>
+              <a:ea typeface="源ノ角ゴシック Code JP N" panose="020B0400000000000000" pitchFamily="34" charset="-128"/>
+            </a:endParaRPr>
+          </a:p>
+          <a:p>
+            <a:endParaRPr lang="en-US" altLang="ja-JP" sz="1400" dirty="0">
+              <a:latin typeface="源ノ角ゴシック Code JP N" panose="020B0400000000000000" pitchFamily="34" charset="-128"/>
+              <a:ea typeface="源ノ角ゴシック Code JP N" panose="020B0400000000000000" pitchFamily="34" charset="-128"/>
+            </a:endParaRPr>
+          </a:p>
+          <a:p>
+            <a:endParaRPr kumimoji="1" lang="en-US" altLang="ja-JP" sz="1400" dirty="0">
+              <a:latin typeface="源ノ角ゴシック Code JP N" panose="020B0400000000000000" pitchFamily="34" charset="-128"/>
+              <a:ea typeface="源ノ角ゴシック Code JP N" panose="020B0400000000000000" pitchFamily="34" charset="-128"/>
+            </a:endParaRPr>
+          </a:p>
+          <a:p>
+            <a:endParaRPr kumimoji="1" lang="en-US" altLang="ja-JP" sz="1400" dirty="0">
+              <a:latin typeface="源ノ角ゴシック Code JP N" panose="020B0400000000000000" pitchFamily="34" charset="-128"/>
+              <a:ea typeface="源ノ角ゴシック Code JP N" panose="020B0400000000000000" pitchFamily="34" charset="-128"/>
+            </a:endParaRPr>
+          </a:p>
+          <a:p>
+            <a:endParaRPr lang="en-US" altLang="ja-JP" sz="1400" dirty="0">
+              <a:latin typeface="源ノ角ゴシック Code JP N" panose="020B0400000000000000" pitchFamily="34" charset="-128"/>
+              <a:ea typeface="源ノ角ゴシック Code JP N" panose="020B0400000000000000" pitchFamily="34" charset="-128"/>
+            </a:endParaRPr>
+          </a:p>
+          <a:p>
+            <a:endParaRPr kumimoji="1" lang="en-US" altLang="ja-JP" sz="1400" dirty="0">
+              <a:latin typeface="源ノ角ゴシック Code JP N" panose="020B0400000000000000" pitchFamily="34" charset="-128"/>
+              <a:ea typeface="源ノ角ゴシック Code JP N" panose="020B0400000000000000" pitchFamily="34" charset="-128"/>
+            </a:endParaRPr>
+          </a:p>
+          <a:p>
+            <a:endParaRPr lang="en-US" altLang="ja-JP" sz="1400" dirty="0">
+              <a:latin typeface="源ノ角ゴシック Code JP N" panose="020B0400000000000000" pitchFamily="34" charset="-128"/>
+              <a:ea typeface="源ノ角ゴシック Code JP N" panose="020B0400000000000000" pitchFamily="34" charset="-128"/>
+            </a:endParaRPr>
+          </a:p>
+          <a:p>
+            <a:r>
+              <a:rPr kumimoji="1" lang="ja-JP" altLang="en-US" sz="1400" dirty="0">
+                <a:latin typeface="源ノ角ゴシック Code JP N" panose="020B0400000000000000" pitchFamily="34" charset="-128"/>
+                <a:ea typeface="源ノ角ゴシック Code JP N" panose="020B0400000000000000" pitchFamily="34" charset="-128"/>
+              </a:rPr>
+              <a:t>各テキストごとに主観・客観それぞれのラベルデータが割り振られる</a:t>
+            </a:r>
+            <a:endParaRPr kumimoji="1" lang="en-US" altLang="ja-JP" sz="1400" dirty="0">
+              <a:latin typeface="源ノ角ゴシック Code JP N" panose="020B0400000000000000" pitchFamily="34" charset="-128"/>
+              <a:ea typeface="源ノ角ゴシック Code JP N" panose="020B0400000000000000" pitchFamily="34" charset="-128"/>
+            </a:endParaRPr>
+          </a:p>
+          <a:p>
+            <a:pPr marL="0" indent="0">
+              <a:buNone/>
+            </a:pPr>
+            <a:r>
+              <a:rPr lang="ja-JP" altLang="en-US" sz="1000" dirty="0">
+                <a:latin typeface="源ノ角ゴシック Code JP N" panose="020B0400000000000000" pitchFamily="34" charset="-128"/>
+                <a:ea typeface="源ノ角ゴシック Code JP N" panose="020B0400000000000000" pitchFamily="34" charset="-128"/>
+              </a:rPr>
+              <a:t>参考</a:t>
+            </a:r>
+            <a:r>
+              <a:rPr lang="en-US" altLang="ja-JP" sz="1000" dirty="0">
+                <a:latin typeface="源ノ角ゴシック Code JP N" panose="020B0400000000000000" pitchFamily="34" charset="-128"/>
+                <a:ea typeface="源ノ角ゴシック Code JP N" panose="020B0400000000000000" pitchFamily="34" charset="-128"/>
+              </a:rPr>
+              <a:t>URL</a:t>
+            </a:r>
+            <a:r>
+              <a:rPr lang="ja-JP" altLang="en-US" sz="1000" dirty="0">
+                <a:latin typeface="源ノ角ゴシック Code JP N" panose="020B0400000000000000" pitchFamily="34" charset="-128"/>
+                <a:ea typeface="源ノ角ゴシック Code JP N" panose="020B0400000000000000" pitchFamily="34" charset="-128"/>
+              </a:rPr>
+              <a:t>：</a:t>
+            </a:r>
+            <a:r>
+              <a:rPr lang="en" altLang="ja-JP" sz="1000" dirty="0">
+                <a:latin typeface="源ノ角ゴシック Code JP N" panose="020B0400000000000000" pitchFamily="34" charset="-128"/>
+                <a:ea typeface="源ノ角ゴシック Code JP N" panose="020B0400000000000000" pitchFamily="34" charset="-128"/>
+              </a:rPr>
+              <a:t>https://</a:t>
+            </a:r>
+            <a:r>
+              <a:rPr lang="en" altLang="ja-JP" sz="1000" dirty="0" err="1">
+                <a:latin typeface="源ノ角ゴシック Code JP N" panose="020B0400000000000000" pitchFamily="34" charset="-128"/>
+                <a:ea typeface="源ノ角ゴシック Code JP N" panose="020B0400000000000000" pitchFamily="34" charset="-128"/>
+              </a:rPr>
+              <a:t>github.com</a:t>
+            </a:r>
+            <a:r>
+              <a:rPr lang="en" altLang="ja-JP" sz="1000" dirty="0">
+                <a:latin typeface="源ノ角ゴシック Code JP N" panose="020B0400000000000000" pitchFamily="34" charset="-128"/>
+                <a:ea typeface="源ノ角ゴシック Code JP N" panose="020B0400000000000000" pitchFamily="34" charset="-128"/>
+              </a:rPr>
+              <a:t>/ids-cv/</a:t>
+            </a:r>
+            <a:r>
+              <a:rPr lang="en" altLang="ja-JP" sz="1000" dirty="0" err="1">
+                <a:latin typeface="源ノ角ゴシック Code JP N" panose="020B0400000000000000" pitchFamily="34" charset="-128"/>
+                <a:ea typeface="源ノ角ゴシック Code JP N" panose="020B0400000000000000" pitchFamily="34" charset="-128"/>
+              </a:rPr>
+              <a:t>wrime?tab</a:t>
+            </a:r>
+            <a:r>
+              <a:rPr lang="en" altLang="ja-JP" sz="1000" dirty="0">
+                <a:latin typeface="源ノ角ゴシック Code JP N" panose="020B0400000000000000" pitchFamily="34" charset="-128"/>
+                <a:ea typeface="源ノ角ゴシック Code JP N" panose="020B0400000000000000" pitchFamily="34" charset="-128"/>
+              </a:rPr>
+              <a:t>=readme-</a:t>
+            </a:r>
+            <a:r>
+              <a:rPr lang="en" altLang="ja-JP" sz="1000" dirty="0" err="1">
+                <a:latin typeface="源ノ角ゴシック Code JP N" panose="020B0400000000000000" pitchFamily="34" charset="-128"/>
+                <a:ea typeface="源ノ角ゴシック Code JP N" panose="020B0400000000000000" pitchFamily="34" charset="-128"/>
+              </a:rPr>
+              <a:t>ov</a:t>
+            </a:r>
+            <a:r>
+              <a:rPr lang="en" altLang="ja-JP" sz="1000" dirty="0">
+                <a:latin typeface="源ノ角ゴシック Code JP N" panose="020B0400000000000000" pitchFamily="34" charset="-128"/>
+                <a:ea typeface="源ノ角ゴシック Code JP N" panose="020B0400000000000000" pitchFamily="34" charset="-128"/>
+              </a:rPr>
+              <a:t>-file</a:t>
+            </a:r>
+            <a:endParaRPr kumimoji="1" lang="en-US" altLang="ja-JP" sz="1000" dirty="0">
+              <a:latin typeface="源ノ角ゴシック Code JP N" panose="020B0400000000000000" pitchFamily="34" charset="-128"/>
+              <a:ea typeface="源ノ角ゴシック Code JP N" panose="020B0400000000000000" pitchFamily="34" charset="-128"/>
+            </a:endParaRPr>
+          </a:p>
+          <a:p>
+            <a:pPr lvl="2"/>
+            <a:endParaRPr lang="en-US" altLang="ja-JP" sz="1400" dirty="0"/>
+          </a:p>
+          <a:p>
+            <a:pPr lvl="2"/>
+            <a:endParaRPr kumimoji="1" lang="ja-JP" altLang="en-US" sz="1400" dirty="0"/>
+          </a:p>
+        </p:txBody>
+      </p:sp>
+      <p:pic>
+        <p:nvPicPr>
+          <p:cNvPr id="5" name="図 4" descr="屋外, 水, 海, 光 が含まれている画像&#10;&#10;AI によって生成されたコンテンツは間違っている可能性があります。">
+            <a:extLst>
+              <a:ext uri="{FF2B5EF4-FFF2-40B4-BE49-F238E27FC236}">
+                <a16:creationId xmlns:a16="http://schemas.microsoft.com/office/drawing/2014/main" id="{00C5FF0D-AB28-CCE2-7D3A-A181DA95F354}"/>
+              </a:ext>
+            </a:extLst>
+          </p:cNvPr>
+          <p:cNvPicPr>
+            <a:picLocks noChangeAspect="1"/>
+          </p:cNvPicPr>
+          <p:nvPr/>
+        </p:nvPicPr>
+        <p:blipFill>
+          <a:blip r:embed="rId2"/>
+          <a:stretch>
+            <a:fillRect/>
+          </a:stretch>
+        </p:blipFill>
+        <p:spPr>
+          <a:xfrm>
+            <a:off x="2153487" y="3258671"/>
             <a:ext cx="7276756" cy="2564587"/>
           </a:xfrm>
           <a:prstGeom prst="rect">
@@ -4190,7 +5960,7 @@
 </p:sld>
 </file>
 
-<file path=ppt/slides/slide3.xml><?xml version="1.0" encoding="utf-8"?>
+<file path=ppt/slides/slide16.xml><?xml version="1.0" encoding="utf-8"?>
 <p:sld xmlns:a="http://schemas.openxmlformats.org/drawingml/2006/main" xmlns:r="http://schemas.openxmlformats.org/officeDocument/2006/relationships" xmlns:p="http://schemas.openxmlformats.org/presentationml/2006/main">
   <p:cSld>
     <p:spTree>
@@ -4266,7 +6036,7 @@
           <a:lstStyle/>
           <a:p>
             <a:r>
-              <a:rPr lang="ja-JP" altLang="en-US"/>
+              <a:rPr lang="ja-JP" altLang="en-US" dirty="0"/>
               <a:t>このデータセットを作った人</a:t>
             </a:r>
             <a:endParaRPr lang="en-US" altLang="ja-JP" dirty="0"/>
@@ -4274,7 +6044,7 @@
           <a:p>
             <a:pPr lvl="1"/>
             <a:r>
-              <a:rPr kumimoji="1" lang="ja-JP" altLang="en-US" sz="1800"/>
+              <a:rPr kumimoji="1" lang="ja-JP" altLang="en-US" sz="1800" dirty="0"/>
               <a:t>やたら頭のいい人たち</a:t>
             </a:r>
             <a:endParaRPr kumimoji="1" lang="en-US" altLang="ja-JP" sz="1800" dirty="0"/>
@@ -4282,7 +6052,15 @@
           <a:p>
             <a:pPr lvl="1"/>
             <a:r>
-              <a:rPr kumimoji="1" lang="ja-JP" altLang="en-US" sz="1800"/>
+              <a:rPr lang="ja-JP" altLang="en-US" sz="1800" dirty="0"/>
+              <a:t>雲の上の方々</a:t>
+            </a:r>
+            <a:endParaRPr kumimoji="1" lang="en-US" altLang="ja-JP" sz="1800" dirty="0"/>
+          </a:p>
+          <a:p>
+            <a:pPr lvl="1"/>
+            <a:r>
+              <a:rPr kumimoji="1" lang="ja-JP" altLang="en-US" sz="1800" dirty="0"/>
               <a:t>主観感情と客観感情があるらしいです</a:t>
             </a:r>
             <a:endParaRPr lang="en-US" altLang="ja-JP" sz="1800" dirty="0"/>
@@ -4296,7 +6074,7 @@
           </a:p>
           <a:p>
             <a:r>
-              <a:rPr kumimoji="1" lang="ja-JP" altLang="en-US" sz="1800"/>
+              <a:rPr kumimoji="1" lang="ja-JP" altLang="en-US" sz="1800" dirty="0"/>
               <a:t>私自身よくわからないので、</a:t>
             </a:r>
             <a:endParaRPr kumimoji="1" lang="en-US" altLang="ja-JP" sz="1800" dirty="0"/>
@@ -4310,7 +6088,7 @@
               <a:t>	</a:t>
             </a:r>
             <a:r>
-              <a:rPr kumimoji="1" lang="ja-JP" altLang="en-US" sz="1800"/>
+              <a:rPr kumimoji="1" lang="ja-JP" altLang="en-US" sz="1800" dirty="0"/>
               <a:t>利用だけさせていただきましょう</a:t>
             </a:r>
             <a:endParaRPr kumimoji="1" lang="en-US" altLang="ja-JP" sz="1800" dirty="0"/>
@@ -4594,7 +6372,7 @@
 </p:sld>
 </file>
 
-<file path=ppt/slides/slide4.xml><?xml version="1.0" encoding="utf-8"?>
+<file path=ppt/slides/slide17.xml><?xml version="1.0" encoding="utf-8"?>
 <p:sld xmlns:a="http://schemas.openxmlformats.org/drawingml/2006/main" xmlns:r="http://schemas.openxmlformats.org/officeDocument/2006/relationships" xmlns:p="http://schemas.openxmlformats.org/presentationml/2006/main">
   <p:cSld>
     <p:spTree>
@@ -4769,7 +6547,7 @@
 </p:sld>
 </file>
 
-<file path=ppt/slides/slide5.xml><?xml version="1.0" encoding="utf-8"?>
+<file path=ppt/slides/slide18.xml><?xml version="1.0" encoding="utf-8"?>
 <p:sld xmlns:a="http://schemas.openxmlformats.org/drawingml/2006/main" xmlns:r="http://schemas.openxmlformats.org/officeDocument/2006/relationships" xmlns:p="http://schemas.openxmlformats.org/presentationml/2006/main">
   <p:cSld>
     <p:spTree>
@@ -4812,14 +6590,14 @@
               <a:t>Hugging Face</a:t>
             </a:r>
             <a:r>
-              <a:rPr kumimoji="1" lang="ja-JP" altLang="en-US"/>
+              <a:rPr kumimoji="1" lang="ja-JP" altLang="en-US" dirty="0"/>
               <a:t>について</a:t>
             </a:r>
             <a:r>
               <a:rPr kumimoji="1" lang="en-US" altLang="ja-JP" dirty="0"/>
               <a:t>2</a:t>
             </a:r>
-            <a:endParaRPr kumimoji="1" lang="ja-JP" altLang="en-US"/>
+            <a:endParaRPr kumimoji="1" lang="ja-JP" altLang="en-US" dirty="0"/>
           </a:p>
         </p:txBody>
       </p:sp>
@@ -4845,8 +6623,15 @@
           <a:lstStyle/>
           <a:p>
             <a:r>
-              <a:rPr kumimoji="1" lang="ja-JP" altLang="en-US"/>
-              <a:t>事前学習済モデルを利用するなら、ここから拝借するのが手っ取り早い</a:t>
+              <a:rPr kumimoji="1" lang="ja-JP" altLang="en-US" dirty="0"/>
+              <a:t>事前学習済モデルを利用するなら、ここから拝借するのが</a:t>
+            </a:r>
+            <a:br>
+              <a:rPr kumimoji="1" lang="en-US" altLang="ja-JP" dirty="0"/>
+            </a:br>
+            <a:r>
+              <a:rPr kumimoji="1" lang="ja-JP" altLang="en-US" dirty="0"/>
+              <a:t>手っ取り早い</a:t>
             </a:r>
             <a:endParaRPr kumimoji="1" lang="en-US" altLang="ja-JP" dirty="0"/>
           </a:p>
@@ -4859,21 +6644,21 @@
               <a:t>WRIME</a:t>
             </a:r>
             <a:r>
-              <a:rPr kumimoji="1" lang="ja-JP" altLang="en-US" sz="1800"/>
+              <a:rPr kumimoji="1" lang="ja-JP" altLang="en-US" sz="1800" dirty="0"/>
               <a:t>データセットに対する</a:t>
             </a:r>
             <a:br>
               <a:rPr kumimoji="1" lang="en-US" altLang="ja-JP" sz="1800" dirty="0"/>
             </a:br>
             <a:r>
-              <a:rPr kumimoji="1" lang="ja-JP" altLang="en-US" sz="1800"/>
+              <a:rPr kumimoji="1" lang="ja-JP" altLang="en-US" sz="1800" dirty="0"/>
               <a:t>学習済モデルも</a:t>
             </a:r>
             <a:br>
               <a:rPr kumimoji="1" lang="en-US" altLang="ja-JP" sz="1800" dirty="0"/>
             </a:br>
             <a:r>
-              <a:rPr kumimoji="1" lang="ja-JP" altLang="en-US" sz="1800"/>
+              <a:rPr kumimoji="1" lang="ja-JP" altLang="en-US" sz="1800" dirty="0"/>
               <a:t>多数用意されている</a:t>
             </a:r>
           </a:p>
@@ -4964,6 +6749,5882 @@
     <p:extLst>
       <p:ext uri="{BB962C8B-B14F-4D97-AF65-F5344CB8AC3E}">
         <p14:creationId xmlns:p14="http://schemas.microsoft.com/office/powerpoint/2010/main" val="458128447"/>
+      </p:ext>
+    </p:extLst>
+  </p:cSld>
+  <p:clrMapOvr>
+    <a:masterClrMapping/>
+  </p:clrMapOvr>
+</p:sld>
+</file>
+
+<file path=ppt/slides/slide19.xml><?xml version="1.0" encoding="utf-8"?>
+<p:sld xmlns:a="http://schemas.openxmlformats.org/drawingml/2006/main" xmlns:r="http://schemas.openxmlformats.org/officeDocument/2006/relationships" xmlns:p="http://schemas.openxmlformats.org/presentationml/2006/main">
+  <p:cSld>
+    <p:spTree>
+      <p:nvGrpSpPr>
+        <p:cNvPr id="1" name=""/>
+        <p:cNvGrpSpPr/>
+        <p:nvPr/>
+      </p:nvGrpSpPr>
+      <p:grpSpPr>
+        <a:xfrm>
+          <a:off x="0" y="0"/>
+          <a:ext cx="0" cy="0"/>
+          <a:chOff x="0" y="0"/>
+          <a:chExt cx="0" cy="0"/>
+        </a:xfrm>
+      </p:grpSpPr>
+      <p:sp>
+        <p:nvSpPr>
+          <p:cNvPr id="2" name="タイトル 1">
+            <a:extLst>
+              <a:ext uri="{FF2B5EF4-FFF2-40B4-BE49-F238E27FC236}">
+                <a16:creationId xmlns:a16="http://schemas.microsoft.com/office/drawing/2014/main" id="{B62057C7-E2C1-F6E7-4551-6D88929FE8E0}"/>
+              </a:ext>
+            </a:extLst>
+          </p:cNvPr>
+          <p:cNvSpPr>
+            <a:spLocks noGrp="1"/>
+          </p:cNvSpPr>
+          <p:nvPr>
+            <p:ph type="title"/>
+          </p:nvPr>
+        </p:nvSpPr>
+        <p:spPr/>
+        <p:txBody>
+          <a:bodyPr/>
+          <a:lstStyle/>
+          <a:p>
+            <a:r>
+              <a:rPr kumimoji="1" lang="en-US" altLang="ja-JP" dirty="0"/>
+              <a:t>Hugging Face</a:t>
+            </a:r>
+            <a:r>
+              <a:rPr kumimoji="1" lang="ja-JP" altLang="en-US" dirty="0"/>
+              <a:t>について</a:t>
+            </a:r>
+            <a:r>
+              <a:rPr lang="en-US" altLang="ja-JP" dirty="0"/>
+              <a:t>3</a:t>
+            </a:r>
+            <a:endParaRPr kumimoji="1" lang="ja-JP" altLang="en-US" dirty="0"/>
+          </a:p>
+        </p:txBody>
+      </p:sp>
+      <p:sp>
+        <p:nvSpPr>
+          <p:cNvPr id="3" name="コンテンツ プレースホルダー 2">
+            <a:extLst>
+              <a:ext uri="{FF2B5EF4-FFF2-40B4-BE49-F238E27FC236}">
+                <a16:creationId xmlns:a16="http://schemas.microsoft.com/office/drawing/2014/main" id="{4BE4BF2A-EF24-A384-4837-545445D6AA85}"/>
+              </a:ext>
+            </a:extLst>
+          </p:cNvPr>
+          <p:cNvSpPr>
+            <a:spLocks noGrp="1"/>
+          </p:cNvSpPr>
+          <p:nvPr>
+            <p:ph idx="1"/>
+          </p:nvPr>
+        </p:nvSpPr>
+        <p:spPr/>
+        <p:txBody>
+          <a:bodyPr/>
+          <a:lstStyle/>
+          <a:p>
+            <a:r>
+              <a:rPr kumimoji="1" lang="ja-JP" altLang="en-US" dirty="0"/>
+              <a:t>検索にヒットした中から今回の要件に合致しそうなものを選出</a:t>
+            </a:r>
+            <a:endParaRPr kumimoji="1" lang="en-US" altLang="ja-JP" dirty="0"/>
+          </a:p>
+          <a:p>
+            <a:pPr lvl="1"/>
+            <a:r>
+              <a:rPr kumimoji="1" lang="en-US" altLang="ja-JP" dirty="0" err="1"/>
+              <a:t>patrickramos</a:t>
+            </a:r>
+            <a:r>
+              <a:rPr kumimoji="1" lang="en-US" altLang="ja-JP" dirty="0"/>
+              <a:t>/bert-base-japanese-v2-wrime-fine-tune</a:t>
+            </a:r>
+          </a:p>
+          <a:p>
+            <a:pPr lvl="2"/>
+            <a:r>
+              <a:rPr lang="ja-JP" altLang="en-US" dirty="0"/>
+              <a:t>パトリックラモス？さん、ありがとう😘</a:t>
+            </a:r>
+            <a:endParaRPr lang="en-US" altLang="ja-JP" dirty="0"/>
+          </a:p>
+          <a:p>
+            <a:pPr lvl="2"/>
+            <a:r>
+              <a:rPr kumimoji="1" lang="ja-JP" altLang="en-US" dirty="0"/>
+              <a:t>かの有名な</a:t>
+            </a:r>
+            <a:r>
+              <a:rPr kumimoji="1" lang="en-US" altLang="ja-JP" dirty="0"/>
+              <a:t>BERT</a:t>
+            </a:r>
+            <a:r>
+              <a:rPr kumimoji="1" lang="ja-JP" altLang="en-US" dirty="0"/>
+              <a:t>をベースに</a:t>
+            </a:r>
+            <a:r>
+              <a:rPr kumimoji="1" lang="en-US" altLang="ja-JP" dirty="0"/>
+              <a:t>WRIME</a:t>
+            </a:r>
+            <a:r>
+              <a:rPr kumimoji="1" lang="ja-JP" altLang="en-US" dirty="0"/>
+              <a:t>用にチューニングされている</a:t>
+            </a:r>
+            <a:endParaRPr kumimoji="1" lang="en-US" altLang="ja-JP" dirty="0"/>
+          </a:p>
+          <a:p>
+            <a:pPr lvl="2"/>
+            <a:r>
+              <a:rPr kumimoji="1" lang="ja-JP" altLang="en-US" dirty="0"/>
+              <a:t>主観</a:t>
+            </a:r>
+            <a:r>
+              <a:rPr kumimoji="1" lang="en-US" altLang="ja-JP" dirty="0"/>
+              <a:t>8</a:t>
+            </a:r>
+            <a:r>
+              <a:rPr kumimoji="1" lang="ja-JP" altLang="en-US" dirty="0"/>
+              <a:t>感情</a:t>
+            </a:r>
+            <a:r>
+              <a:rPr lang="en-US" altLang="ja-JP" dirty="0"/>
+              <a:t>+</a:t>
+            </a:r>
+            <a:r>
+              <a:rPr lang="ja-JP" altLang="en-US" dirty="0"/>
+              <a:t>客観</a:t>
+            </a:r>
+            <a:r>
+              <a:rPr lang="en-US" altLang="ja-JP" dirty="0"/>
+              <a:t>8</a:t>
+            </a:r>
+            <a:r>
+              <a:rPr lang="ja-JP" altLang="en-US" dirty="0"/>
+              <a:t>感情の</a:t>
+            </a:r>
+            <a:r>
+              <a:rPr lang="en-US" altLang="ja-JP" dirty="0"/>
+              <a:t>16</a:t>
+            </a:r>
+            <a:r>
+              <a:rPr lang="ja-JP" altLang="en-US" dirty="0"/>
+              <a:t>個の出力を行ってくれる</a:t>
+            </a:r>
+            <a:endParaRPr lang="en-US" altLang="ja-JP" dirty="0"/>
+          </a:p>
+          <a:p>
+            <a:pPr lvl="2"/>
+            <a:r>
+              <a:rPr lang="ja-JP" altLang="en-US" dirty="0"/>
+              <a:t>今回は主観</a:t>
+            </a:r>
+            <a:r>
+              <a:rPr lang="en-US" altLang="ja-JP" dirty="0"/>
+              <a:t>8</a:t>
+            </a:r>
+            <a:r>
+              <a:rPr lang="ja-JP" altLang="en-US" dirty="0"/>
+              <a:t>感情を利用することにした</a:t>
+            </a:r>
+            <a:endParaRPr lang="en-US" altLang="ja-JP" dirty="0"/>
+          </a:p>
+          <a:p>
+            <a:endParaRPr kumimoji="1" lang="en-US" altLang="ja-JP" dirty="0"/>
+          </a:p>
+          <a:p>
+            <a:r>
+              <a:rPr lang="ja-JP" altLang="en-US" dirty="0">
+                <a:solidFill>
+                  <a:srgbClr val="FF0000"/>
+                </a:solidFill>
+              </a:rPr>
+              <a:t>デメリット</a:t>
+            </a:r>
+            <a:endParaRPr lang="en-US" altLang="ja-JP" dirty="0">
+              <a:solidFill>
+                <a:srgbClr val="FF0000"/>
+              </a:solidFill>
+            </a:endParaRPr>
+          </a:p>
+          <a:p>
+            <a:pPr lvl="1"/>
+            <a:r>
+              <a:rPr lang="ja-JP" altLang="en-US" dirty="0"/>
+              <a:t>残念ながらいろいろとかゆい部分があります。。。😣</a:t>
+            </a:r>
+            <a:endParaRPr kumimoji="1" lang="ja-JP" altLang="en-US" dirty="0"/>
+          </a:p>
+        </p:txBody>
+      </p:sp>
+    </p:spTree>
+    <p:extLst>
+      <p:ext uri="{BB962C8B-B14F-4D97-AF65-F5344CB8AC3E}">
+        <p14:creationId xmlns:p14="http://schemas.microsoft.com/office/powerpoint/2010/main" val="2660225514"/>
+      </p:ext>
+    </p:extLst>
+  </p:cSld>
+  <p:clrMapOvr>
+    <a:masterClrMapping/>
+  </p:clrMapOvr>
+</p:sld>
+</file>
+
+<file path=ppt/slides/slide2.xml><?xml version="1.0" encoding="utf-8"?>
+<p:sld xmlns:a="http://schemas.openxmlformats.org/drawingml/2006/main" xmlns:r="http://schemas.openxmlformats.org/officeDocument/2006/relationships" xmlns:p="http://schemas.openxmlformats.org/presentationml/2006/main">
+  <p:cSld>
+    <p:spTree>
+      <p:nvGrpSpPr>
+        <p:cNvPr id="1" name=""/>
+        <p:cNvGrpSpPr/>
+        <p:nvPr/>
+      </p:nvGrpSpPr>
+      <p:grpSpPr>
+        <a:xfrm>
+          <a:off x="0" y="0"/>
+          <a:ext cx="0" cy="0"/>
+          <a:chOff x="0" y="0"/>
+          <a:chExt cx="0" cy="0"/>
+        </a:xfrm>
+      </p:grpSpPr>
+      <p:sp>
+        <p:nvSpPr>
+          <p:cNvPr id="2" name="タイトル 1">
+            <a:extLst>
+              <a:ext uri="{FF2B5EF4-FFF2-40B4-BE49-F238E27FC236}">
+                <a16:creationId xmlns:a16="http://schemas.microsoft.com/office/drawing/2014/main" id="{C95D7749-5B65-B4B4-44E7-48A79628D2B6}"/>
+              </a:ext>
+            </a:extLst>
+          </p:cNvPr>
+          <p:cNvSpPr>
+            <a:spLocks noGrp="1"/>
+          </p:cNvSpPr>
+          <p:nvPr>
+            <p:ph type="title"/>
+          </p:nvPr>
+        </p:nvSpPr>
+        <p:spPr/>
+        <p:txBody>
+          <a:bodyPr/>
+          <a:lstStyle/>
+          <a:p>
+            <a:r>
+              <a:rPr kumimoji="1" lang="ja-JP" altLang="en-US" dirty="0"/>
+              <a:t>感情分析モデルについて</a:t>
+            </a:r>
+          </a:p>
+        </p:txBody>
+      </p:sp>
+      <p:sp>
+        <p:nvSpPr>
+          <p:cNvPr id="3" name="コンテンツ プレースホルダー 2">
+            <a:extLst>
+              <a:ext uri="{FF2B5EF4-FFF2-40B4-BE49-F238E27FC236}">
+                <a16:creationId xmlns:a16="http://schemas.microsoft.com/office/drawing/2014/main" id="{34047C04-0BDC-9B15-9DF5-1C6BB7644613}"/>
+              </a:ext>
+            </a:extLst>
+          </p:cNvPr>
+          <p:cNvSpPr>
+            <a:spLocks noGrp="1"/>
+          </p:cNvSpPr>
+          <p:nvPr>
+            <p:ph idx="1"/>
+          </p:nvPr>
+        </p:nvSpPr>
+        <p:spPr/>
+        <p:txBody>
+          <a:bodyPr/>
+          <a:lstStyle/>
+          <a:p>
+            <a:r>
+              <a:rPr kumimoji="1" lang="ja-JP" altLang="en-US" dirty="0"/>
+              <a:t>ベイズ統計学をゴリゴリに応用して</a:t>
+            </a:r>
+            <a:br>
+              <a:rPr kumimoji="1" lang="en-US" altLang="ja-JP" dirty="0"/>
+            </a:br>
+            <a:r>
+              <a:rPr kumimoji="1" lang="ja-JP" altLang="en-US" dirty="0"/>
+              <a:t>アドインテ独自のトピックモデルを構築</a:t>
+            </a:r>
+            <a:endParaRPr kumimoji="1" lang="en-US" altLang="ja-JP" dirty="0"/>
+          </a:p>
+          <a:p>
+            <a:endParaRPr kumimoji="1" lang="ja-JP" altLang="en-US" dirty="0"/>
+          </a:p>
+        </p:txBody>
+      </p:sp>
+      <p:sp>
+        <p:nvSpPr>
+          <p:cNvPr id="4" name="正方形/長方形 3">
+            <a:extLst>
+              <a:ext uri="{FF2B5EF4-FFF2-40B4-BE49-F238E27FC236}">
+                <a16:creationId xmlns:a16="http://schemas.microsoft.com/office/drawing/2014/main" id="{B195FA8C-F4ED-63D8-32A1-B1A01708B1D0}"/>
+              </a:ext>
+            </a:extLst>
+          </p:cNvPr>
+          <p:cNvSpPr/>
+          <p:nvPr/>
+        </p:nvSpPr>
+        <p:spPr>
+          <a:xfrm>
+            <a:off x="838200" y="3429000"/>
+            <a:ext cx="1378424" cy="2053799"/>
+          </a:xfrm>
+          <a:prstGeom prst="rect">
+            <a:avLst/>
+          </a:prstGeom>
+        </p:spPr>
+        <p:style>
+          <a:lnRef idx="2">
+            <a:schemeClr val="accent1">
+              <a:shade val="15000"/>
+            </a:schemeClr>
+          </a:lnRef>
+          <a:fillRef idx="1">
+            <a:schemeClr val="accent1"/>
+          </a:fillRef>
+          <a:effectRef idx="0">
+            <a:schemeClr val="accent1"/>
+          </a:effectRef>
+          <a:fontRef idx="minor">
+            <a:schemeClr val="lt1"/>
+          </a:fontRef>
+        </p:style>
+        <p:txBody>
+          <a:bodyPr rtlCol="0" anchor="ctr"/>
+          <a:lstStyle/>
+          <a:p>
+            <a:pPr algn="ctr"/>
+            <a:r>
+              <a:rPr kumimoji="1" lang="ja-JP" altLang="en-US" dirty="0"/>
+              <a:t>単語分布</a:t>
+            </a:r>
+          </a:p>
+        </p:txBody>
+      </p:sp>
+      <p:sp>
+        <p:nvSpPr>
+          <p:cNvPr id="5" name="正方形/長方形 4">
+            <a:extLst>
+              <a:ext uri="{FF2B5EF4-FFF2-40B4-BE49-F238E27FC236}">
+                <a16:creationId xmlns:a16="http://schemas.microsoft.com/office/drawing/2014/main" id="{E8B276A2-ECF4-873F-40D3-FD9D5DED1C62}"/>
+              </a:ext>
+            </a:extLst>
+          </p:cNvPr>
+          <p:cNvSpPr/>
+          <p:nvPr/>
+        </p:nvSpPr>
+        <p:spPr>
+          <a:xfrm>
+            <a:off x="3853219" y="3428999"/>
+            <a:ext cx="1378424" cy="2053799"/>
+          </a:xfrm>
+          <a:prstGeom prst="rect">
+            <a:avLst/>
+          </a:prstGeom>
+        </p:spPr>
+        <p:style>
+          <a:lnRef idx="2">
+            <a:schemeClr val="accent1">
+              <a:shade val="15000"/>
+            </a:schemeClr>
+          </a:lnRef>
+          <a:fillRef idx="1">
+            <a:schemeClr val="accent1"/>
+          </a:fillRef>
+          <a:effectRef idx="0">
+            <a:schemeClr val="accent1"/>
+          </a:effectRef>
+          <a:fontRef idx="minor">
+            <a:schemeClr val="lt1"/>
+          </a:fontRef>
+        </p:style>
+        <p:txBody>
+          <a:bodyPr rtlCol="0" anchor="ctr"/>
+          <a:lstStyle/>
+          <a:p>
+            <a:pPr algn="ctr"/>
+            <a:r>
+              <a:rPr lang="ja-JP" altLang="en-US" dirty="0"/>
+              <a:t>感情分布</a:t>
+            </a:r>
+            <a:endParaRPr kumimoji="1" lang="ja-JP" altLang="en-US" dirty="0"/>
+          </a:p>
+        </p:txBody>
+      </p:sp>
+      <p:sp>
+        <p:nvSpPr>
+          <p:cNvPr id="6" name="正方形/長方形 5">
+            <a:extLst>
+              <a:ext uri="{FF2B5EF4-FFF2-40B4-BE49-F238E27FC236}">
+                <a16:creationId xmlns:a16="http://schemas.microsoft.com/office/drawing/2014/main" id="{FD1281F0-4E66-E7C9-E441-1C8A4E54BB03}"/>
+              </a:ext>
+            </a:extLst>
+          </p:cNvPr>
+          <p:cNvSpPr/>
+          <p:nvPr/>
+        </p:nvSpPr>
+        <p:spPr>
+          <a:xfrm>
+            <a:off x="6868238" y="3428999"/>
+            <a:ext cx="1378424" cy="2053799"/>
+          </a:xfrm>
+          <a:prstGeom prst="rect">
+            <a:avLst/>
+          </a:prstGeom>
+        </p:spPr>
+        <p:style>
+          <a:lnRef idx="2">
+            <a:schemeClr val="accent1">
+              <a:shade val="15000"/>
+            </a:schemeClr>
+          </a:lnRef>
+          <a:fillRef idx="1">
+            <a:schemeClr val="accent1"/>
+          </a:fillRef>
+          <a:effectRef idx="0">
+            <a:schemeClr val="accent1"/>
+          </a:effectRef>
+          <a:fontRef idx="minor">
+            <a:schemeClr val="lt1"/>
+          </a:fontRef>
+        </p:style>
+        <p:txBody>
+          <a:bodyPr rtlCol="0" anchor="ctr"/>
+          <a:lstStyle/>
+          <a:p>
+            <a:pPr algn="ctr"/>
+            <a:r>
+              <a:rPr kumimoji="1" lang="ja-JP" altLang="en-US" dirty="0"/>
+              <a:t>トピック</a:t>
+            </a:r>
+            <a:br>
+              <a:rPr kumimoji="1" lang="en-US" altLang="ja-JP" dirty="0"/>
+            </a:br>
+            <a:r>
+              <a:rPr kumimoji="1" lang="ja-JP" altLang="en-US" dirty="0"/>
+              <a:t>分布</a:t>
+            </a:r>
+          </a:p>
+        </p:txBody>
+      </p:sp>
+      <p:sp>
+        <p:nvSpPr>
+          <p:cNvPr id="7" name="正方形/長方形 6">
+            <a:extLst>
+              <a:ext uri="{FF2B5EF4-FFF2-40B4-BE49-F238E27FC236}">
+                <a16:creationId xmlns:a16="http://schemas.microsoft.com/office/drawing/2014/main" id="{39EF3C50-8F06-9636-435C-E266D44C84CB}"/>
+              </a:ext>
+            </a:extLst>
+          </p:cNvPr>
+          <p:cNvSpPr/>
+          <p:nvPr/>
+        </p:nvSpPr>
+        <p:spPr>
+          <a:xfrm>
+            <a:off x="9883257" y="3428999"/>
+            <a:ext cx="1378424" cy="2053799"/>
+          </a:xfrm>
+          <a:prstGeom prst="rect">
+            <a:avLst/>
+          </a:prstGeom>
+        </p:spPr>
+        <p:style>
+          <a:lnRef idx="2">
+            <a:schemeClr val="accent1">
+              <a:shade val="15000"/>
+            </a:schemeClr>
+          </a:lnRef>
+          <a:fillRef idx="1">
+            <a:schemeClr val="accent1"/>
+          </a:fillRef>
+          <a:effectRef idx="0">
+            <a:schemeClr val="accent1"/>
+          </a:effectRef>
+          <a:fontRef idx="minor">
+            <a:schemeClr val="lt1"/>
+          </a:fontRef>
+        </p:style>
+        <p:txBody>
+          <a:bodyPr rtlCol="0" anchor="ctr"/>
+          <a:lstStyle/>
+          <a:p>
+            <a:pPr algn="ctr"/>
+            <a:r>
+              <a:rPr kumimoji="1" lang="en-US" altLang="ja-JP" dirty="0"/>
+              <a:t>X</a:t>
+            </a:r>
+            <a:r>
+              <a:rPr kumimoji="1" lang="ja-JP" altLang="en-US" dirty="0"/>
+              <a:t>ポスト</a:t>
+            </a:r>
+            <a:br>
+              <a:rPr kumimoji="1" lang="en-US" altLang="ja-JP" dirty="0"/>
+            </a:br>
+            <a:r>
+              <a:rPr kumimoji="1" lang="ja-JP" altLang="en-US" dirty="0"/>
+              <a:t>データ</a:t>
+            </a:r>
+            <a:endParaRPr kumimoji="1" lang="en-US" altLang="ja-JP" dirty="0"/>
+          </a:p>
+        </p:txBody>
+      </p:sp>
+      <p:cxnSp>
+        <p:nvCxnSpPr>
+          <p:cNvPr id="9" name="直線矢印コネクタ 8">
+            <a:extLst>
+              <a:ext uri="{FF2B5EF4-FFF2-40B4-BE49-F238E27FC236}">
+                <a16:creationId xmlns:a16="http://schemas.microsoft.com/office/drawing/2014/main" id="{7969CCAF-2880-24DC-497A-FEF7D9A3BEB5}"/>
+              </a:ext>
+            </a:extLst>
+          </p:cNvPr>
+          <p:cNvCxnSpPr/>
+          <p:nvPr/>
+        </p:nvCxnSpPr>
+        <p:spPr>
+          <a:xfrm>
+            <a:off x="2216624" y="4001294"/>
+            <a:ext cx="1636595" cy="0"/>
+          </a:xfrm>
+          <a:prstGeom prst="straightConnector1">
+            <a:avLst/>
+          </a:prstGeom>
+          <a:ln w="127000">
+            <a:tailEnd type="triangle"/>
+          </a:ln>
+        </p:spPr>
+        <p:style>
+          <a:lnRef idx="2">
+            <a:schemeClr val="accent1"/>
+          </a:lnRef>
+          <a:fillRef idx="0">
+            <a:schemeClr val="accent1"/>
+          </a:fillRef>
+          <a:effectRef idx="1">
+            <a:schemeClr val="accent1"/>
+          </a:effectRef>
+          <a:fontRef idx="minor">
+            <a:schemeClr val="tx1"/>
+          </a:fontRef>
+        </p:style>
+      </p:cxnSp>
+      <p:cxnSp>
+        <p:nvCxnSpPr>
+          <p:cNvPr id="10" name="直線矢印コネクタ 9">
+            <a:extLst>
+              <a:ext uri="{FF2B5EF4-FFF2-40B4-BE49-F238E27FC236}">
+                <a16:creationId xmlns:a16="http://schemas.microsoft.com/office/drawing/2014/main" id="{312AB06C-437F-0875-89E9-E0D8D1EB7C7A}"/>
+              </a:ext>
+            </a:extLst>
+          </p:cNvPr>
+          <p:cNvCxnSpPr/>
+          <p:nvPr/>
+        </p:nvCxnSpPr>
+        <p:spPr>
+          <a:xfrm>
+            <a:off x="2216623" y="4945264"/>
+            <a:ext cx="1636595" cy="0"/>
+          </a:xfrm>
+          <a:prstGeom prst="straightConnector1">
+            <a:avLst/>
+          </a:prstGeom>
+          <a:ln w="127000">
+            <a:headEnd type="triangle"/>
+            <a:tailEnd type="none"/>
+          </a:ln>
+        </p:spPr>
+        <p:style>
+          <a:lnRef idx="2">
+            <a:schemeClr val="accent1"/>
+          </a:lnRef>
+          <a:fillRef idx="0">
+            <a:schemeClr val="accent1"/>
+          </a:fillRef>
+          <a:effectRef idx="1">
+            <a:schemeClr val="accent1"/>
+          </a:effectRef>
+          <a:fontRef idx="minor">
+            <a:schemeClr val="tx1"/>
+          </a:fontRef>
+        </p:style>
+      </p:cxnSp>
+      <p:cxnSp>
+        <p:nvCxnSpPr>
+          <p:cNvPr id="11" name="直線矢印コネクタ 10">
+            <a:extLst>
+              <a:ext uri="{FF2B5EF4-FFF2-40B4-BE49-F238E27FC236}">
+                <a16:creationId xmlns:a16="http://schemas.microsoft.com/office/drawing/2014/main" id="{E7943D8C-F279-414D-6C45-320BE40A98DC}"/>
+              </a:ext>
+            </a:extLst>
+          </p:cNvPr>
+          <p:cNvCxnSpPr/>
+          <p:nvPr/>
+        </p:nvCxnSpPr>
+        <p:spPr>
+          <a:xfrm>
+            <a:off x="5231643" y="4001294"/>
+            <a:ext cx="1636595" cy="0"/>
+          </a:xfrm>
+          <a:prstGeom prst="straightConnector1">
+            <a:avLst/>
+          </a:prstGeom>
+          <a:ln w="127000">
+            <a:tailEnd type="triangle"/>
+          </a:ln>
+        </p:spPr>
+        <p:style>
+          <a:lnRef idx="2">
+            <a:schemeClr val="accent1"/>
+          </a:lnRef>
+          <a:fillRef idx="0">
+            <a:schemeClr val="accent1"/>
+          </a:fillRef>
+          <a:effectRef idx="1">
+            <a:schemeClr val="accent1"/>
+          </a:effectRef>
+          <a:fontRef idx="minor">
+            <a:schemeClr val="tx1"/>
+          </a:fontRef>
+        </p:style>
+      </p:cxnSp>
+      <p:cxnSp>
+        <p:nvCxnSpPr>
+          <p:cNvPr id="12" name="直線矢印コネクタ 11">
+            <a:extLst>
+              <a:ext uri="{FF2B5EF4-FFF2-40B4-BE49-F238E27FC236}">
+                <a16:creationId xmlns:a16="http://schemas.microsoft.com/office/drawing/2014/main" id="{407C589B-9722-0D3E-B9FE-08D828D6F50D}"/>
+              </a:ext>
+            </a:extLst>
+          </p:cNvPr>
+          <p:cNvCxnSpPr/>
+          <p:nvPr/>
+        </p:nvCxnSpPr>
+        <p:spPr>
+          <a:xfrm>
+            <a:off x="5231642" y="4945264"/>
+            <a:ext cx="1636595" cy="0"/>
+          </a:xfrm>
+          <a:prstGeom prst="straightConnector1">
+            <a:avLst/>
+          </a:prstGeom>
+          <a:ln w="127000">
+            <a:headEnd type="triangle"/>
+            <a:tailEnd type="none"/>
+          </a:ln>
+        </p:spPr>
+        <p:style>
+          <a:lnRef idx="2">
+            <a:schemeClr val="accent1"/>
+          </a:lnRef>
+          <a:fillRef idx="0">
+            <a:schemeClr val="accent1"/>
+          </a:fillRef>
+          <a:effectRef idx="1">
+            <a:schemeClr val="accent1"/>
+          </a:effectRef>
+          <a:fontRef idx="minor">
+            <a:schemeClr val="tx1"/>
+          </a:fontRef>
+        </p:style>
+      </p:cxnSp>
+      <p:cxnSp>
+        <p:nvCxnSpPr>
+          <p:cNvPr id="13" name="直線矢印コネクタ 12">
+            <a:extLst>
+              <a:ext uri="{FF2B5EF4-FFF2-40B4-BE49-F238E27FC236}">
+                <a16:creationId xmlns:a16="http://schemas.microsoft.com/office/drawing/2014/main" id="{8E899812-AADB-37D8-17FB-5D8B1E0EE2C5}"/>
+              </a:ext>
+            </a:extLst>
+          </p:cNvPr>
+          <p:cNvCxnSpPr/>
+          <p:nvPr/>
+        </p:nvCxnSpPr>
+        <p:spPr>
+          <a:xfrm>
+            <a:off x="8246662" y="4001294"/>
+            <a:ext cx="1636595" cy="0"/>
+          </a:xfrm>
+          <a:prstGeom prst="straightConnector1">
+            <a:avLst/>
+          </a:prstGeom>
+          <a:ln w="127000">
+            <a:tailEnd type="triangle"/>
+          </a:ln>
+        </p:spPr>
+        <p:style>
+          <a:lnRef idx="2">
+            <a:schemeClr val="accent1"/>
+          </a:lnRef>
+          <a:fillRef idx="0">
+            <a:schemeClr val="accent1"/>
+          </a:fillRef>
+          <a:effectRef idx="1">
+            <a:schemeClr val="accent1"/>
+          </a:effectRef>
+          <a:fontRef idx="minor">
+            <a:schemeClr val="tx1"/>
+          </a:fontRef>
+        </p:style>
+      </p:cxnSp>
+      <p:cxnSp>
+        <p:nvCxnSpPr>
+          <p:cNvPr id="14" name="直線矢印コネクタ 13">
+            <a:extLst>
+              <a:ext uri="{FF2B5EF4-FFF2-40B4-BE49-F238E27FC236}">
+                <a16:creationId xmlns:a16="http://schemas.microsoft.com/office/drawing/2014/main" id="{CA56D519-8CE9-CCDF-065D-7297CBFE51FF}"/>
+              </a:ext>
+            </a:extLst>
+          </p:cNvPr>
+          <p:cNvCxnSpPr/>
+          <p:nvPr/>
+        </p:nvCxnSpPr>
+        <p:spPr>
+          <a:xfrm>
+            <a:off x="8246661" y="4945264"/>
+            <a:ext cx="1636595" cy="0"/>
+          </a:xfrm>
+          <a:prstGeom prst="straightConnector1">
+            <a:avLst/>
+          </a:prstGeom>
+          <a:ln w="127000">
+            <a:headEnd type="triangle"/>
+            <a:tailEnd type="none"/>
+          </a:ln>
+        </p:spPr>
+        <p:style>
+          <a:lnRef idx="2">
+            <a:schemeClr val="accent1"/>
+          </a:lnRef>
+          <a:fillRef idx="0">
+            <a:schemeClr val="accent1"/>
+          </a:fillRef>
+          <a:effectRef idx="1">
+            <a:schemeClr val="accent1"/>
+          </a:effectRef>
+          <a:fontRef idx="minor">
+            <a:schemeClr val="tx1"/>
+          </a:fontRef>
+        </p:style>
+      </p:cxnSp>
+      <p:sp>
+        <p:nvSpPr>
+          <p:cNvPr id="15" name="テキスト ボックス 14">
+            <a:extLst>
+              <a:ext uri="{FF2B5EF4-FFF2-40B4-BE49-F238E27FC236}">
+                <a16:creationId xmlns:a16="http://schemas.microsoft.com/office/drawing/2014/main" id="{328AE4CC-1014-8A24-07E4-62FBA2CA6049}"/>
+              </a:ext>
+            </a:extLst>
+          </p:cNvPr>
+          <p:cNvSpPr txBox="1"/>
+          <p:nvPr/>
+        </p:nvSpPr>
+        <p:spPr>
+          <a:xfrm>
+            <a:off x="9883256" y="2210375"/>
+            <a:ext cx="2308744" cy="646331"/>
+          </a:xfrm>
+          <a:prstGeom prst="rect">
+            <a:avLst/>
+          </a:prstGeom>
+          <a:noFill/>
+        </p:spPr>
+        <p:txBody>
+          <a:bodyPr wrap="square" rtlCol="0">
+            <a:spAutoFit/>
+          </a:bodyPr>
+          <a:lstStyle/>
+          <a:p>
+            <a:r>
+              <a:rPr kumimoji="1" lang="ja-JP" altLang="en-US" dirty="0"/>
+              <a:t>筒井さんが</a:t>
+            </a:r>
+            <a:br>
+              <a:rPr kumimoji="1" lang="en-US" altLang="ja-JP" dirty="0"/>
+            </a:br>
+            <a:r>
+              <a:rPr kumimoji="1" lang="ja-JP" altLang="en-US" dirty="0"/>
+              <a:t>集めてくれたデータ</a:t>
+            </a:r>
+          </a:p>
+        </p:txBody>
+      </p:sp>
+      <p:cxnSp>
+        <p:nvCxnSpPr>
+          <p:cNvPr id="17" name="コネクタ: 曲線 16">
+            <a:extLst>
+              <a:ext uri="{FF2B5EF4-FFF2-40B4-BE49-F238E27FC236}">
+                <a16:creationId xmlns:a16="http://schemas.microsoft.com/office/drawing/2014/main" id="{8F2E2F25-2812-AA16-1B78-80061C785D0B}"/>
+              </a:ext>
+            </a:extLst>
+          </p:cNvPr>
+          <p:cNvCxnSpPr>
+            <a:stCxn id="15" idx="1"/>
+            <a:endCxn id="7" idx="0"/>
+          </p:cNvCxnSpPr>
+          <p:nvPr/>
+        </p:nvCxnSpPr>
+        <p:spPr>
+          <a:xfrm rot="10800000" flipH="1" flipV="1">
+            <a:off x="9883255" y="2533541"/>
+            <a:ext cx="689213" cy="895458"/>
+          </a:xfrm>
+          <a:prstGeom prst="curvedConnector4">
+            <a:avLst>
+              <a:gd name="adj1" fmla="val -33168"/>
+              <a:gd name="adj2" fmla="val 68045"/>
+            </a:avLst>
+          </a:prstGeom>
+          <a:ln w="76200">
+            <a:tailEnd type="triangle"/>
+          </a:ln>
+        </p:spPr>
+        <p:style>
+          <a:lnRef idx="2">
+            <a:schemeClr val="accent1"/>
+          </a:lnRef>
+          <a:fillRef idx="0">
+            <a:schemeClr val="accent1"/>
+          </a:fillRef>
+          <a:effectRef idx="1">
+            <a:schemeClr val="accent1"/>
+          </a:effectRef>
+          <a:fontRef idx="minor">
+            <a:schemeClr val="tx1"/>
+          </a:fontRef>
+        </p:style>
+      </p:cxnSp>
+      <p:sp>
+        <p:nvSpPr>
+          <p:cNvPr id="18" name="テキスト ボックス 17">
+            <a:extLst>
+              <a:ext uri="{FF2B5EF4-FFF2-40B4-BE49-F238E27FC236}">
+                <a16:creationId xmlns:a16="http://schemas.microsoft.com/office/drawing/2014/main" id="{C5BB7B13-2D16-690F-51CA-EAEE3A645FF9}"/>
+              </a:ext>
+            </a:extLst>
+          </p:cNvPr>
+          <p:cNvSpPr txBox="1"/>
+          <p:nvPr/>
+        </p:nvSpPr>
+        <p:spPr>
+          <a:xfrm>
+            <a:off x="4660710" y="5853797"/>
+            <a:ext cx="2797791" cy="646331"/>
+          </a:xfrm>
+          <a:prstGeom prst="rect">
+            <a:avLst/>
+          </a:prstGeom>
+          <a:noFill/>
+        </p:spPr>
+        <p:txBody>
+          <a:bodyPr wrap="square" rtlCol="0">
+            <a:spAutoFit/>
+          </a:bodyPr>
+          <a:lstStyle/>
+          <a:p>
+            <a:r>
+              <a:rPr kumimoji="1" lang="ja-JP" altLang="en-US" dirty="0"/>
+              <a:t>独自トピックモデルの</a:t>
+            </a:r>
+            <a:br>
+              <a:rPr kumimoji="1" lang="en-US" altLang="ja-JP" dirty="0"/>
+            </a:br>
+            <a:r>
+              <a:rPr kumimoji="1" lang="ja-JP" altLang="en-US" dirty="0"/>
+              <a:t>イメージ図</a:t>
+            </a:r>
+          </a:p>
+        </p:txBody>
+      </p:sp>
+      <p:sp>
+        <p:nvSpPr>
+          <p:cNvPr id="19" name="テキスト ボックス 18">
+            <a:extLst>
+              <a:ext uri="{FF2B5EF4-FFF2-40B4-BE49-F238E27FC236}">
+                <a16:creationId xmlns:a16="http://schemas.microsoft.com/office/drawing/2014/main" id="{CA460B7F-F60A-97E7-38AD-6190C2B1414F}"/>
+              </a:ext>
+            </a:extLst>
+          </p:cNvPr>
+          <p:cNvSpPr txBox="1"/>
+          <p:nvPr/>
+        </p:nvSpPr>
+        <p:spPr>
+          <a:xfrm>
+            <a:off x="5001904" y="2674322"/>
+            <a:ext cx="3022980" cy="646331"/>
+          </a:xfrm>
+          <a:prstGeom prst="rect">
+            <a:avLst/>
+          </a:prstGeom>
+          <a:noFill/>
+        </p:spPr>
+        <p:txBody>
+          <a:bodyPr wrap="square" rtlCol="0">
+            <a:spAutoFit/>
+          </a:bodyPr>
+          <a:lstStyle/>
+          <a:p>
+            <a:r>
+              <a:rPr kumimoji="1" lang="ja-JP" altLang="en-US" dirty="0"/>
+              <a:t>新しく感情分布ブロック</a:t>
+            </a:r>
+            <a:br>
+              <a:rPr kumimoji="1" lang="en-US" altLang="ja-JP" dirty="0"/>
+            </a:br>
+            <a:r>
+              <a:rPr kumimoji="1" lang="ja-JP" altLang="en-US" dirty="0"/>
+              <a:t>を導入した</a:t>
+            </a:r>
+          </a:p>
+        </p:txBody>
+      </p:sp>
+      <p:cxnSp>
+        <p:nvCxnSpPr>
+          <p:cNvPr id="20" name="コネクタ: 曲線 19">
+            <a:extLst>
+              <a:ext uri="{FF2B5EF4-FFF2-40B4-BE49-F238E27FC236}">
+                <a16:creationId xmlns:a16="http://schemas.microsoft.com/office/drawing/2014/main" id="{8625384F-F9BE-7672-7F0E-845FFB03821A}"/>
+              </a:ext>
+            </a:extLst>
+          </p:cNvPr>
+          <p:cNvCxnSpPr>
+            <a:cxnSpLocks/>
+            <a:stCxn id="19" idx="1"/>
+            <a:endCxn id="5" idx="0"/>
+          </p:cNvCxnSpPr>
+          <p:nvPr/>
+        </p:nvCxnSpPr>
+        <p:spPr>
+          <a:xfrm rot="10800000" flipV="1">
+            <a:off x="4542432" y="2997487"/>
+            <a:ext cx="459473" cy="431511"/>
+          </a:xfrm>
+          <a:prstGeom prst="curvedConnector2">
+            <a:avLst/>
+          </a:prstGeom>
+          <a:ln w="76200">
+            <a:tailEnd type="triangle"/>
+          </a:ln>
+        </p:spPr>
+        <p:style>
+          <a:lnRef idx="2">
+            <a:schemeClr val="accent1"/>
+          </a:lnRef>
+          <a:fillRef idx="0">
+            <a:schemeClr val="accent1"/>
+          </a:fillRef>
+          <a:effectRef idx="1">
+            <a:schemeClr val="accent1"/>
+          </a:effectRef>
+          <a:fontRef idx="minor">
+            <a:schemeClr val="tx1"/>
+          </a:fontRef>
+        </p:style>
+      </p:cxnSp>
+    </p:spTree>
+    <p:extLst>
+      <p:ext uri="{BB962C8B-B14F-4D97-AF65-F5344CB8AC3E}">
+        <p14:creationId xmlns:p14="http://schemas.microsoft.com/office/powerpoint/2010/main" val="68456729"/>
+      </p:ext>
+    </p:extLst>
+  </p:cSld>
+  <p:clrMapOvr>
+    <a:masterClrMapping/>
+  </p:clrMapOvr>
+</p:sld>
+</file>
+
+<file path=ppt/slides/slide20.xml><?xml version="1.0" encoding="utf-8"?>
+<p:sld xmlns:a="http://schemas.openxmlformats.org/drawingml/2006/main" xmlns:r="http://schemas.openxmlformats.org/officeDocument/2006/relationships" xmlns:p="http://schemas.openxmlformats.org/presentationml/2006/main">
+  <p:cSld>
+    <p:spTree>
+      <p:nvGrpSpPr>
+        <p:cNvPr id="1" name=""/>
+        <p:cNvGrpSpPr/>
+        <p:nvPr/>
+      </p:nvGrpSpPr>
+      <p:grpSpPr>
+        <a:xfrm>
+          <a:off x="0" y="0"/>
+          <a:ext cx="0" cy="0"/>
+          <a:chOff x="0" y="0"/>
+          <a:chExt cx="0" cy="0"/>
+        </a:xfrm>
+      </p:grpSpPr>
+      <p:sp>
+        <p:nvSpPr>
+          <p:cNvPr id="2" name="タイトル 1">
+            <a:extLst>
+              <a:ext uri="{FF2B5EF4-FFF2-40B4-BE49-F238E27FC236}">
+                <a16:creationId xmlns:a16="http://schemas.microsoft.com/office/drawing/2014/main" id="{AECFCE46-6174-0EE3-F326-FAC5756BDB72}"/>
+              </a:ext>
+            </a:extLst>
+          </p:cNvPr>
+          <p:cNvSpPr>
+            <a:spLocks noGrp="1"/>
+          </p:cNvSpPr>
+          <p:nvPr>
+            <p:ph type="title"/>
+          </p:nvPr>
+        </p:nvSpPr>
+        <p:spPr/>
+        <p:txBody>
+          <a:bodyPr/>
+          <a:lstStyle/>
+          <a:p>
+            <a:r>
+              <a:rPr kumimoji="1" lang="en-US" altLang="ja-JP" dirty="0"/>
+              <a:t>Hugging Face</a:t>
+            </a:r>
+            <a:r>
+              <a:rPr kumimoji="1" lang="ja-JP" altLang="en-US" dirty="0"/>
+              <a:t>について</a:t>
+            </a:r>
+            <a:r>
+              <a:rPr kumimoji="1" lang="en-US" altLang="ja-JP" dirty="0"/>
+              <a:t>4</a:t>
+            </a:r>
+            <a:endParaRPr kumimoji="1" lang="ja-JP" altLang="en-US" dirty="0"/>
+          </a:p>
+        </p:txBody>
+      </p:sp>
+      <p:sp>
+        <p:nvSpPr>
+          <p:cNvPr id="3" name="コンテンツ プレースホルダー 2">
+            <a:extLst>
+              <a:ext uri="{FF2B5EF4-FFF2-40B4-BE49-F238E27FC236}">
+                <a16:creationId xmlns:a16="http://schemas.microsoft.com/office/drawing/2014/main" id="{6C0CD9CC-07A5-3629-917B-FCDF457A41F1}"/>
+              </a:ext>
+            </a:extLst>
+          </p:cNvPr>
+          <p:cNvSpPr>
+            <a:spLocks noGrp="1"/>
+          </p:cNvSpPr>
+          <p:nvPr>
+            <p:ph idx="1"/>
+          </p:nvPr>
+        </p:nvSpPr>
+        <p:spPr/>
+        <p:txBody>
+          <a:bodyPr/>
+          <a:lstStyle/>
+          <a:p>
+            <a:r>
+              <a:rPr kumimoji="1" lang="ja-JP" altLang="en-US" dirty="0"/>
+              <a:t>以下、デメリット一覧です😇</a:t>
+            </a:r>
+            <a:endParaRPr kumimoji="1" lang="en-US" altLang="ja-JP" dirty="0"/>
+          </a:p>
+          <a:p>
+            <a:pPr lvl="1"/>
+            <a:r>
+              <a:rPr kumimoji="1" lang="ja-JP" altLang="en-US" dirty="0"/>
+              <a:t>デメリット１　精度が低い</a:t>
+            </a:r>
+            <a:endParaRPr kumimoji="1" lang="en-US" altLang="ja-JP" dirty="0"/>
+          </a:p>
+          <a:p>
+            <a:pPr lvl="1"/>
+            <a:r>
+              <a:rPr lang="ja-JP" altLang="en-US" dirty="0"/>
+              <a:t>デメリット２　内部のトークナイザが</a:t>
+            </a:r>
+            <a:r>
+              <a:rPr lang="en-US" altLang="ja-JP" dirty="0" err="1"/>
+              <a:t>mecab</a:t>
+            </a:r>
+            <a:endParaRPr kumimoji="1" lang="en-US" altLang="ja-JP" dirty="0"/>
+          </a:p>
+          <a:p>
+            <a:pPr lvl="1"/>
+            <a:r>
+              <a:rPr lang="ja-JP" altLang="en-US" dirty="0"/>
+              <a:t>デメリット３　</a:t>
+            </a:r>
+            <a:r>
+              <a:rPr lang="en-US" altLang="ja-JP" dirty="0" err="1"/>
+              <a:t>mecab</a:t>
+            </a:r>
+            <a:r>
+              <a:rPr lang="ja-JP" altLang="en-US" dirty="0"/>
+              <a:t>の使用辞書が</a:t>
+            </a:r>
+            <a:r>
+              <a:rPr lang="en-US" altLang="ja-JP" dirty="0" err="1"/>
+              <a:t>unidic</a:t>
+            </a:r>
+            <a:r>
+              <a:rPr lang="en-US" altLang="ja-JP" dirty="0"/>
+              <a:t>-lite</a:t>
+            </a:r>
+          </a:p>
+          <a:p>
+            <a:pPr lvl="1"/>
+            <a:r>
+              <a:rPr kumimoji="1" lang="ja-JP" altLang="en-US" dirty="0"/>
+              <a:t>デメリット４</a:t>
+            </a:r>
+            <a:r>
+              <a:rPr lang="ja-JP" altLang="en-US" dirty="0"/>
+              <a:t>　ライセンスの制約が強い</a:t>
+            </a:r>
+          </a:p>
+          <a:p>
+            <a:pPr lvl="1"/>
+            <a:r>
+              <a:rPr kumimoji="1" lang="ja-JP" altLang="en-US" dirty="0"/>
+              <a:t>デメリット５　処理が重たい</a:t>
+            </a:r>
+          </a:p>
+          <a:p>
+            <a:pPr lvl="1"/>
+            <a:r>
+              <a:rPr lang="ja-JP" altLang="en-US" dirty="0"/>
+              <a:t>デメリット６　競合他社との比較優位性がない</a:t>
+            </a:r>
+            <a:endParaRPr lang="en-US" altLang="ja-JP" dirty="0"/>
+          </a:p>
+          <a:p>
+            <a:pPr lvl="1"/>
+            <a:endParaRPr kumimoji="1" lang="en-US" altLang="ja-JP" dirty="0"/>
+          </a:p>
+          <a:p>
+            <a:pPr lvl="1"/>
+            <a:r>
+              <a:rPr lang="en-US" altLang="ja-JP" dirty="0"/>
+              <a:t>5</a:t>
+            </a:r>
+            <a:r>
+              <a:rPr lang="ja-JP" altLang="en-US" dirty="0"/>
+              <a:t>、</a:t>
+            </a:r>
+            <a:r>
+              <a:rPr lang="en-US" altLang="ja-JP" dirty="0"/>
+              <a:t>6</a:t>
+            </a:r>
+            <a:r>
+              <a:rPr lang="ja-JP" altLang="en-US" dirty="0"/>
+              <a:t>は自明のため省略します</a:t>
+            </a:r>
+            <a:endParaRPr kumimoji="1" lang="ja-JP" altLang="en-US" dirty="0"/>
+          </a:p>
+        </p:txBody>
+      </p:sp>
+    </p:spTree>
+    <p:extLst>
+      <p:ext uri="{BB962C8B-B14F-4D97-AF65-F5344CB8AC3E}">
+        <p14:creationId xmlns:p14="http://schemas.microsoft.com/office/powerpoint/2010/main" val="2784948081"/>
+      </p:ext>
+    </p:extLst>
+  </p:cSld>
+  <p:clrMapOvr>
+    <a:masterClrMapping/>
+  </p:clrMapOvr>
+</p:sld>
+</file>
+
+<file path=ppt/slides/slide21.xml><?xml version="1.0" encoding="utf-8"?>
+<p:sld xmlns:a="http://schemas.openxmlformats.org/drawingml/2006/main" xmlns:r="http://schemas.openxmlformats.org/officeDocument/2006/relationships" xmlns:p="http://schemas.openxmlformats.org/presentationml/2006/main">
+  <p:cSld>
+    <p:spTree>
+      <p:nvGrpSpPr>
+        <p:cNvPr id="1" name=""/>
+        <p:cNvGrpSpPr/>
+        <p:nvPr/>
+      </p:nvGrpSpPr>
+      <p:grpSpPr>
+        <a:xfrm>
+          <a:off x="0" y="0"/>
+          <a:ext cx="0" cy="0"/>
+          <a:chOff x="0" y="0"/>
+          <a:chExt cx="0" cy="0"/>
+        </a:xfrm>
+      </p:grpSpPr>
+      <p:sp>
+        <p:nvSpPr>
+          <p:cNvPr id="2" name="タイトル 1">
+            <a:extLst>
+              <a:ext uri="{FF2B5EF4-FFF2-40B4-BE49-F238E27FC236}">
+                <a16:creationId xmlns:a16="http://schemas.microsoft.com/office/drawing/2014/main" id="{3AB52475-FF0D-A86B-65F7-566BD6989FF8}"/>
+              </a:ext>
+            </a:extLst>
+          </p:cNvPr>
+          <p:cNvSpPr>
+            <a:spLocks noGrp="1"/>
+          </p:cNvSpPr>
+          <p:nvPr>
+            <p:ph type="title"/>
+          </p:nvPr>
+        </p:nvSpPr>
+        <p:spPr/>
+        <p:txBody>
+          <a:bodyPr/>
+          <a:lstStyle/>
+          <a:p>
+            <a:r>
+              <a:rPr kumimoji="1" lang="en-US" altLang="ja-JP" dirty="0"/>
+              <a:t>Hugging Face</a:t>
+            </a:r>
+            <a:r>
+              <a:rPr kumimoji="1" lang="ja-JP" altLang="en-US" dirty="0"/>
+              <a:t>について</a:t>
+            </a:r>
+            <a:r>
+              <a:rPr lang="en-US" altLang="ja-JP" dirty="0"/>
+              <a:t>5</a:t>
+            </a:r>
+            <a:endParaRPr kumimoji="1" lang="ja-JP" altLang="en-US" dirty="0"/>
+          </a:p>
+        </p:txBody>
+      </p:sp>
+      <p:sp>
+        <p:nvSpPr>
+          <p:cNvPr id="3" name="コンテンツ プレースホルダー 2">
+            <a:extLst>
+              <a:ext uri="{FF2B5EF4-FFF2-40B4-BE49-F238E27FC236}">
+                <a16:creationId xmlns:a16="http://schemas.microsoft.com/office/drawing/2014/main" id="{B9B76A53-4319-E56A-7A3B-0A203366A2A6}"/>
+              </a:ext>
+            </a:extLst>
+          </p:cNvPr>
+          <p:cNvSpPr>
+            <a:spLocks noGrp="1"/>
+          </p:cNvSpPr>
+          <p:nvPr>
+            <p:ph idx="1"/>
+          </p:nvPr>
+        </p:nvSpPr>
+        <p:spPr/>
+        <p:txBody>
+          <a:bodyPr/>
+          <a:lstStyle/>
+          <a:p>
+            <a:r>
+              <a:rPr kumimoji="1" lang="ja-JP" altLang="en-US" dirty="0"/>
+              <a:t>デメリット１　</a:t>
+            </a:r>
+            <a:r>
+              <a:rPr kumimoji="1" lang="ja-JP" altLang="en-US" dirty="0">
+                <a:solidFill>
+                  <a:srgbClr val="FF0000"/>
+                </a:solidFill>
+              </a:rPr>
+              <a:t>精度が低い</a:t>
+            </a:r>
+            <a:endParaRPr kumimoji="1" lang="en-US" altLang="ja-JP" dirty="0">
+              <a:solidFill>
+                <a:srgbClr val="FF0000"/>
+              </a:solidFill>
+            </a:endParaRPr>
+          </a:p>
+          <a:p>
+            <a:endParaRPr kumimoji="1" lang="en-US" altLang="ja-JP" dirty="0"/>
+          </a:p>
+          <a:p>
+            <a:endParaRPr lang="en-US" altLang="ja-JP" dirty="0"/>
+          </a:p>
+          <a:p>
+            <a:endParaRPr kumimoji="1" lang="en-US" altLang="ja-JP" dirty="0"/>
+          </a:p>
+          <a:p>
+            <a:pPr marL="0" indent="0">
+              <a:buNone/>
+            </a:pPr>
+            <a:endParaRPr kumimoji="1" lang="en-US" altLang="ja-JP" dirty="0"/>
+          </a:p>
+          <a:p>
+            <a:pPr lvl="1"/>
+            <a:r>
+              <a:rPr lang="ja-JP" altLang="en-US" i="0" dirty="0">
+                <a:solidFill>
+                  <a:srgbClr val="000000"/>
+                </a:solidFill>
+                <a:effectLst/>
+                <a:ea typeface="Meiryo" panose="020B0604030504040204" pitchFamily="50" charset="-128"/>
+              </a:rPr>
+              <a:t>平均二乗誤差（</a:t>
+            </a:r>
+            <a:r>
+              <a:rPr lang="en-US" altLang="ja-JP" i="0" dirty="0">
+                <a:solidFill>
+                  <a:srgbClr val="000000"/>
+                </a:solidFill>
+                <a:effectLst/>
+                <a:ea typeface="Meiryo" panose="020B0604030504040204" pitchFamily="50" charset="-128"/>
+              </a:rPr>
+              <a:t>MSE</a:t>
+            </a:r>
+            <a:r>
+              <a:rPr lang="ja-JP" altLang="en-US" i="0" dirty="0">
+                <a:solidFill>
+                  <a:srgbClr val="000000"/>
+                </a:solidFill>
+                <a:effectLst/>
+                <a:ea typeface="Meiryo" panose="020B0604030504040204" pitchFamily="50" charset="-128"/>
+              </a:rPr>
+              <a:t>：</a:t>
+            </a:r>
+            <a:r>
+              <a:rPr lang="en-US" altLang="ja-JP" i="0" dirty="0">
+                <a:solidFill>
+                  <a:srgbClr val="000000"/>
+                </a:solidFill>
+                <a:effectLst/>
+                <a:ea typeface="Meiryo" panose="020B0604030504040204" pitchFamily="50" charset="-128"/>
+              </a:rPr>
+              <a:t>Mean Squared Error</a:t>
+            </a:r>
+            <a:r>
+              <a:rPr lang="ja-JP" altLang="en-US" i="0" dirty="0">
+                <a:solidFill>
+                  <a:srgbClr val="000000"/>
+                </a:solidFill>
+                <a:effectLst/>
+                <a:ea typeface="Meiryo" panose="020B0604030504040204" pitchFamily="50" charset="-128"/>
+              </a:rPr>
+              <a:t>）は低い方が良い</a:t>
+            </a:r>
+            <a:endParaRPr lang="en-US" altLang="ja-JP" i="0" dirty="0">
+              <a:solidFill>
+                <a:srgbClr val="000000"/>
+              </a:solidFill>
+              <a:effectLst/>
+              <a:ea typeface="Meiryo" panose="020B0604030504040204" pitchFamily="50" charset="-128"/>
+            </a:endParaRPr>
+          </a:p>
+          <a:p>
+            <a:pPr lvl="2"/>
+            <a:r>
+              <a:rPr kumimoji="1" lang="ja-JP" altLang="en-US" dirty="0">
+                <a:solidFill>
+                  <a:srgbClr val="000000"/>
+                </a:solidFill>
+                <a:ea typeface="Meiryo" panose="020B0604030504040204" pitchFamily="50" charset="-128"/>
+              </a:rPr>
+              <a:t>全体的に</a:t>
+            </a:r>
+            <a:r>
+              <a:rPr kumimoji="1" lang="en-US" altLang="ja-JP" dirty="0">
+                <a:solidFill>
+                  <a:srgbClr val="000000"/>
+                </a:solidFill>
+                <a:ea typeface="Meiryo" panose="020B0604030504040204" pitchFamily="50" charset="-128"/>
+              </a:rPr>
+              <a:t>0.1</a:t>
+            </a:r>
+            <a:r>
+              <a:rPr kumimoji="1" lang="ja-JP" altLang="en-US" dirty="0">
+                <a:solidFill>
+                  <a:srgbClr val="000000"/>
+                </a:solidFill>
+                <a:ea typeface="Meiryo" panose="020B0604030504040204" pitchFamily="50" charset="-128"/>
+              </a:rPr>
+              <a:t>を超えている</a:t>
+            </a:r>
+            <a:endParaRPr kumimoji="1" lang="en-US" altLang="ja-JP" dirty="0">
+              <a:solidFill>
+                <a:srgbClr val="000000"/>
+              </a:solidFill>
+              <a:ea typeface="Meiryo" panose="020B0604030504040204" pitchFamily="50" charset="-128"/>
+            </a:endParaRPr>
+          </a:p>
+          <a:p>
+            <a:pPr lvl="2"/>
+            <a:r>
+              <a:rPr lang="ja-JP" altLang="en-US" dirty="0">
+                <a:solidFill>
+                  <a:srgbClr val="000000"/>
+                </a:solidFill>
+                <a:ea typeface="Meiryo" panose="020B0604030504040204" pitchFamily="50" charset="-128"/>
+              </a:rPr>
+              <a:t>主観感情</a:t>
+            </a:r>
+            <a:r>
+              <a:rPr lang="en-US" altLang="ja-JP" dirty="0">
+                <a:solidFill>
+                  <a:srgbClr val="000000"/>
+                </a:solidFill>
+                <a:ea typeface="Meiryo" panose="020B0604030504040204" pitchFamily="50" charset="-128"/>
+              </a:rPr>
+              <a:t>(Writer)</a:t>
+            </a:r>
+            <a:r>
+              <a:rPr lang="ja-JP" altLang="en-US" dirty="0">
+                <a:solidFill>
+                  <a:srgbClr val="000000"/>
+                </a:solidFill>
+                <a:ea typeface="Meiryo" panose="020B0604030504040204" pitchFamily="50" charset="-128"/>
+              </a:rPr>
+              <a:t>に関しては</a:t>
+            </a:r>
+            <a:r>
+              <a:rPr lang="en-US" altLang="ja-JP" dirty="0">
+                <a:solidFill>
+                  <a:srgbClr val="000000"/>
+                </a:solidFill>
+                <a:ea typeface="Meiryo" panose="020B0604030504040204" pitchFamily="50" charset="-128"/>
+              </a:rPr>
+              <a:t>0.581</a:t>
+            </a:r>
+          </a:p>
+          <a:p>
+            <a:pPr lvl="2"/>
+            <a:endParaRPr kumimoji="1" lang="en-US" altLang="ja-JP" dirty="0">
+              <a:solidFill>
+                <a:srgbClr val="000000"/>
+              </a:solidFill>
+              <a:ea typeface="Meiryo" panose="020B0604030504040204" pitchFamily="50" charset="-128"/>
+            </a:endParaRPr>
+          </a:p>
+          <a:p>
+            <a:pPr lvl="2"/>
+            <a:r>
+              <a:rPr lang="ja-JP" altLang="en-US" dirty="0">
+                <a:solidFill>
+                  <a:srgbClr val="000000"/>
+                </a:solidFill>
+                <a:ea typeface="Meiryo" panose="020B0604030504040204" pitchFamily="50" charset="-128"/>
+              </a:rPr>
+              <a:t>精度が低い！！！！😟</a:t>
+            </a:r>
+            <a:endParaRPr kumimoji="1" lang="ja-JP" altLang="en-US" dirty="0"/>
+          </a:p>
+        </p:txBody>
+      </p:sp>
+      <p:pic>
+        <p:nvPicPr>
+          <p:cNvPr id="5" name="図 4">
+            <a:extLst>
+              <a:ext uri="{FF2B5EF4-FFF2-40B4-BE49-F238E27FC236}">
+                <a16:creationId xmlns:a16="http://schemas.microsoft.com/office/drawing/2014/main" id="{8F2F3D40-C392-E653-D876-007D58056686}"/>
+              </a:ext>
+            </a:extLst>
+          </p:cNvPr>
+          <p:cNvPicPr>
+            <a:picLocks noChangeAspect="1"/>
+          </p:cNvPicPr>
+          <p:nvPr/>
+        </p:nvPicPr>
+        <p:blipFill>
+          <a:blip r:embed="rId2"/>
+          <a:stretch>
+            <a:fillRect/>
+          </a:stretch>
+        </p:blipFill>
+        <p:spPr>
+          <a:xfrm>
+            <a:off x="2313772" y="2222276"/>
+            <a:ext cx="7564455" cy="2026193"/>
+          </a:xfrm>
+          <a:prstGeom prst="rect">
+            <a:avLst/>
+          </a:prstGeom>
+        </p:spPr>
+      </p:pic>
+    </p:spTree>
+    <p:extLst>
+      <p:ext uri="{BB962C8B-B14F-4D97-AF65-F5344CB8AC3E}">
+        <p14:creationId xmlns:p14="http://schemas.microsoft.com/office/powerpoint/2010/main" val="505090248"/>
+      </p:ext>
+    </p:extLst>
+  </p:cSld>
+  <p:clrMapOvr>
+    <a:masterClrMapping/>
+  </p:clrMapOvr>
+</p:sld>
+</file>
+
+<file path=ppt/slides/slide22.xml><?xml version="1.0" encoding="utf-8"?>
+<p:sld xmlns:a="http://schemas.openxmlformats.org/drawingml/2006/main" xmlns:r="http://schemas.openxmlformats.org/officeDocument/2006/relationships" xmlns:p="http://schemas.openxmlformats.org/presentationml/2006/main">
+  <p:cSld>
+    <p:spTree>
+      <p:nvGrpSpPr>
+        <p:cNvPr id="1" name=""/>
+        <p:cNvGrpSpPr/>
+        <p:nvPr/>
+      </p:nvGrpSpPr>
+      <p:grpSpPr>
+        <a:xfrm>
+          <a:off x="0" y="0"/>
+          <a:ext cx="0" cy="0"/>
+          <a:chOff x="0" y="0"/>
+          <a:chExt cx="0" cy="0"/>
+        </a:xfrm>
+      </p:grpSpPr>
+      <p:sp>
+        <p:nvSpPr>
+          <p:cNvPr id="2" name="タイトル 1">
+            <a:extLst>
+              <a:ext uri="{FF2B5EF4-FFF2-40B4-BE49-F238E27FC236}">
+                <a16:creationId xmlns:a16="http://schemas.microsoft.com/office/drawing/2014/main" id="{68BB4A9A-30C5-2DC1-6A25-EDFFF72E422D}"/>
+              </a:ext>
+            </a:extLst>
+          </p:cNvPr>
+          <p:cNvSpPr>
+            <a:spLocks noGrp="1"/>
+          </p:cNvSpPr>
+          <p:nvPr>
+            <p:ph type="title"/>
+          </p:nvPr>
+        </p:nvSpPr>
+        <p:spPr/>
+        <p:txBody>
+          <a:bodyPr/>
+          <a:lstStyle/>
+          <a:p>
+            <a:r>
+              <a:rPr kumimoji="1" lang="en-US" altLang="ja-JP" dirty="0"/>
+              <a:t>Hugging Face</a:t>
+            </a:r>
+            <a:r>
+              <a:rPr kumimoji="1" lang="ja-JP" altLang="en-US" dirty="0"/>
+              <a:t>について</a:t>
+            </a:r>
+            <a:r>
+              <a:rPr kumimoji="1" lang="en-US" altLang="ja-JP" dirty="0"/>
+              <a:t>6</a:t>
+            </a:r>
+            <a:endParaRPr kumimoji="1" lang="ja-JP" altLang="en-US" dirty="0"/>
+          </a:p>
+        </p:txBody>
+      </p:sp>
+      <p:sp>
+        <p:nvSpPr>
+          <p:cNvPr id="3" name="コンテンツ プレースホルダー 2">
+            <a:extLst>
+              <a:ext uri="{FF2B5EF4-FFF2-40B4-BE49-F238E27FC236}">
+                <a16:creationId xmlns:a16="http://schemas.microsoft.com/office/drawing/2014/main" id="{6D271A30-7AC4-B2F1-687F-E539D2D97E8C}"/>
+              </a:ext>
+            </a:extLst>
+          </p:cNvPr>
+          <p:cNvSpPr>
+            <a:spLocks noGrp="1"/>
+          </p:cNvSpPr>
+          <p:nvPr>
+            <p:ph idx="1"/>
+          </p:nvPr>
+        </p:nvSpPr>
+        <p:spPr/>
+        <p:txBody>
+          <a:bodyPr/>
+          <a:lstStyle/>
+          <a:p>
+            <a:r>
+              <a:rPr lang="ja-JP" altLang="en-US" dirty="0"/>
+              <a:t>デメリット２　</a:t>
+            </a:r>
+            <a:r>
+              <a:rPr lang="ja-JP" altLang="en-US" dirty="0">
+                <a:solidFill>
+                  <a:srgbClr val="FF0000"/>
+                </a:solidFill>
+              </a:rPr>
+              <a:t>内部のトークナイザが</a:t>
+            </a:r>
+            <a:r>
+              <a:rPr lang="en-US" altLang="ja-JP" dirty="0" err="1">
+                <a:solidFill>
+                  <a:srgbClr val="FF0000"/>
+                </a:solidFill>
+              </a:rPr>
+              <a:t>mecab</a:t>
+            </a:r>
+            <a:endParaRPr kumimoji="1" lang="en-US" altLang="ja-JP" dirty="0">
+              <a:solidFill>
+                <a:srgbClr val="FF0000"/>
+              </a:solidFill>
+            </a:endParaRPr>
+          </a:p>
+          <a:p>
+            <a:pPr lvl="1"/>
+            <a:r>
+              <a:rPr lang="en-US" altLang="ja-JP" dirty="0" err="1"/>
+              <a:t>m</a:t>
+            </a:r>
+            <a:r>
+              <a:rPr kumimoji="1" lang="en-US" altLang="ja-JP" dirty="0" err="1"/>
+              <a:t>ecab</a:t>
+            </a:r>
+            <a:r>
+              <a:rPr lang="ja-JP" altLang="en-US" dirty="0"/>
+              <a:t>自体はとても良い</a:t>
+            </a:r>
+            <a:r>
+              <a:rPr lang="ja-JP" altLang="en-US" i="0" dirty="0">
+                <a:solidFill>
+                  <a:srgbClr val="001100"/>
+                </a:solidFill>
+                <a:effectLst/>
+                <a:latin typeface="+mn-ea"/>
+              </a:rPr>
+              <a:t>形態素解析エンジン</a:t>
+            </a:r>
+            <a:endParaRPr lang="en-US" altLang="ja-JP" i="0" dirty="0">
+              <a:solidFill>
+                <a:srgbClr val="001100"/>
+              </a:solidFill>
+              <a:effectLst/>
+              <a:latin typeface="+mn-ea"/>
+            </a:endParaRPr>
+          </a:p>
+          <a:p>
+            <a:pPr lvl="2"/>
+            <a:r>
+              <a:rPr kumimoji="1" lang="ja-JP" altLang="en-US" dirty="0">
+                <a:solidFill>
+                  <a:srgbClr val="001100"/>
+                </a:solidFill>
+                <a:latin typeface="+mn-ea"/>
+              </a:rPr>
+              <a:t>性能はピカイチ  ←  今なお現役🤩</a:t>
+            </a:r>
+            <a:endParaRPr kumimoji="1" lang="en-US" altLang="ja-JP" dirty="0">
+              <a:solidFill>
+                <a:srgbClr val="001100"/>
+              </a:solidFill>
+              <a:latin typeface="+mn-ea"/>
+            </a:endParaRPr>
+          </a:p>
+          <a:p>
+            <a:pPr lvl="2"/>
+            <a:r>
+              <a:rPr lang="ja-JP" altLang="en-US" dirty="0">
+                <a:solidFill>
+                  <a:srgbClr val="001100"/>
+                </a:solidFill>
+                <a:latin typeface="+mn-ea"/>
+              </a:rPr>
+              <a:t>開発が終了したのは</a:t>
+            </a:r>
+            <a:r>
+              <a:rPr lang="en-US" altLang="ja-JP" dirty="0">
+                <a:solidFill>
+                  <a:srgbClr val="001100"/>
+                </a:solidFill>
+                <a:latin typeface="+mn-ea"/>
+              </a:rPr>
+              <a:t>2013</a:t>
+            </a:r>
+            <a:r>
+              <a:rPr lang="ja-JP" altLang="en-US" dirty="0">
+                <a:solidFill>
+                  <a:srgbClr val="001100"/>
+                </a:solidFill>
+                <a:latin typeface="+mn-ea"/>
+              </a:rPr>
+              <a:t>年</a:t>
+            </a:r>
+            <a:endParaRPr lang="en-US" altLang="ja-JP" dirty="0">
+              <a:solidFill>
+                <a:srgbClr val="001100"/>
+              </a:solidFill>
+              <a:latin typeface="+mn-ea"/>
+            </a:endParaRPr>
+          </a:p>
+          <a:p>
+            <a:pPr lvl="2"/>
+            <a:r>
+              <a:rPr kumimoji="1" lang="ja-JP" altLang="en-US" dirty="0">
+                <a:solidFill>
+                  <a:srgbClr val="001100"/>
+                </a:solidFill>
+                <a:latin typeface="+mn-ea"/>
+              </a:rPr>
+              <a:t>現在はメンテナンスもされていない</a:t>
+            </a:r>
+            <a:endParaRPr kumimoji="1" lang="en-US" altLang="ja-JP" dirty="0">
+              <a:solidFill>
+                <a:srgbClr val="001100"/>
+              </a:solidFill>
+              <a:latin typeface="+mn-ea"/>
+            </a:endParaRPr>
+          </a:p>
+          <a:p>
+            <a:pPr lvl="2"/>
+            <a:r>
+              <a:rPr lang="ja-JP" altLang="en-US" dirty="0">
+                <a:solidFill>
+                  <a:srgbClr val="001100"/>
+                </a:solidFill>
+                <a:latin typeface="+mn-ea"/>
+              </a:rPr>
+              <a:t>当時はイケイケだった日本語辞書のメンテナンスが続々終了</a:t>
+            </a:r>
+            <a:endParaRPr lang="en-US" altLang="ja-JP" dirty="0">
+              <a:solidFill>
+                <a:srgbClr val="001100"/>
+              </a:solidFill>
+              <a:latin typeface="+mn-ea"/>
+            </a:endParaRPr>
+          </a:p>
+          <a:p>
+            <a:pPr lvl="2"/>
+            <a:endParaRPr kumimoji="1" lang="en-US" altLang="ja-JP" dirty="0">
+              <a:solidFill>
+                <a:srgbClr val="001100"/>
+              </a:solidFill>
+              <a:latin typeface="+mn-ea"/>
+            </a:endParaRPr>
+          </a:p>
+          <a:p>
+            <a:pPr lvl="2"/>
+            <a:r>
+              <a:rPr lang="ja-JP" altLang="en-US" dirty="0">
+                <a:solidFill>
+                  <a:srgbClr val="001100"/>
+                </a:solidFill>
+                <a:latin typeface="+mn-ea"/>
+              </a:rPr>
+              <a:t>もう古臭い感が否めない😞</a:t>
+            </a:r>
+            <a:endParaRPr kumimoji="1" lang="en-US" altLang="ja-JP" dirty="0">
+              <a:latin typeface="+mn-ea"/>
+            </a:endParaRPr>
+          </a:p>
+        </p:txBody>
+      </p:sp>
+    </p:spTree>
+    <p:extLst>
+      <p:ext uri="{BB962C8B-B14F-4D97-AF65-F5344CB8AC3E}">
+        <p14:creationId xmlns:p14="http://schemas.microsoft.com/office/powerpoint/2010/main" val="1699604687"/>
+      </p:ext>
+    </p:extLst>
+  </p:cSld>
+  <p:clrMapOvr>
+    <a:masterClrMapping/>
+  </p:clrMapOvr>
+</p:sld>
+</file>
+
+<file path=ppt/slides/slide23.xml><?xml version="1.0" encoding="utf-8"?>
+<p:sld xmlns:a="http://schemas.openxmlformats.org/drawingml/2006/main" xmlns:r="http://schemas.openxmlformats.org/officeDocument/2006/relationships" xmlns:p="http://schemas.openxmlformats.org/presentationml/2006/main">
+  <p:cSld>
+    <p:spTree>
+      <p:nvGrpSpPr>
+        <p:cNvPr id="1" name=""/>
+        <p:cNvGrpSpPr/>
+        <p:nvPr/>
+      </p:nvGrpSpPr>
+      <p:grpSpPr>
+        <a:xfrm>
+          <a:off x="0" y="0"/>
+          <a:ext cx="0" cy="0"/>
+          <a:chOff x="0" y="0"/>
+          <a:chExt cx="0" cy="0"/>
+        </a:xfrm>
+      </p:grpSpPr>
+      <p:sp>
+        <p:nvSpPr>
+          <p:cNvPr id="2" name="タイトル 1">
+            <a:extLst>
+              <a:ext uri="{FF2B5EF4-FFF2-40B4-BE49-F238E27FC236}">
+                <a16:creationId xmlns:a16="http://schemas.microsoft.com/office/drawing/2014/main" id="{BB753114-8D67-AC32-6814-63DEA3D44806}"/>
+              </a:ext>
+            </a:extLst>
+          </p:cNvPr>
+          <p:cNvSpPr>
+            <a:spLocks noGrp="1"/>
+          </p:cNvSpPr>
+          <p:nvPr>
+            <p:ph type="title"/>
+          </p:nvPr>
+        </p:nvSpPr>
+        <p:spPr/>
+        <p:txBody>
+          <a:bodyPr/>
+          <a:lstStyle/>
+          <a:p>
+            <a:r>
+              <a:rPr kumimoji="1" lang="en-US" altLang="ja-JP" dirty="0"/>
+              <a:t>Hugging Face</a:t>
+            </a:r>
+            <a:r>
+              <a:rPr kumimoji="1" lang="ja-JP" altLang="en-US" dirty="0"/>
+              <a:t>について</a:t>
+            </a:r>
+            <a:r>
+              <a:rPr lang="en-US" altLang="ja-JP" dirty="0"/>
+              <a:t>7</a:t>
+            </a:r>
+            <a:endParaRPr kumimoji="1" lang="ja-JP" altLang="en-US" dirty="0"/>
+          </a:p>
+        </p:txBody>
+      </p:sp>
+      <p:sp>
+        <p:nvSpPr>
+          <p:cNvPr id="3" name="コンテンツ プレースホルダー 2">
+            <a:extLst>
+              <a:ext uri="{FF2B5EF4-FFF2-40B4-BE49-F238E27FC236}">
+                <a16:creationId xmlns:a16="http://schemas.microsoft.com/office/drawing/2014/main" id="{D74D0A39-BD50-60EC-143B-E29C09A6BD6C}"/>
+              </a:ext>
+            </a:extLst>
+          </p:cNvPr>
+          <p:cNvSpPr>
+            <a:spLocks noGrp="1"/>
+          </p:cNvSpPr>
+          <p:nvPr>
+            <p:ph idx="1"/>
+          </p:nvPr>
+        </p:nvSpPr>
+        <p:spPr/>
+        <p:txBody>
+          <a:bodyPr/>
+          <a:lstStyle/>
+          <a:p>
+            <a:r>
+              <a:rPr lang="ja-JP" altLang="en-US" dirty="0"/>
+              <a:t>デメリット３　</a:t>
+            </a:r>
+            <a:r>
+              <a:rPr lang="en-US" altLang="ja-JP" dirty="0" err="1">
+                <a:solidFill>
+                  <a:srgbClr val="FF0000"/>
+                </a:solidFill>
+              </a:rPr>
+              <a:t>mecab</a:t>
+            </a:r>
+            <a:r>
+              <a:rPr lang="ja-JP" altLang="en-US" dirty="0">
+                <a:solidFill>
+                  <a:srgbClr val="FF0000"/>
+                </a:solidFill>
+              </a:rPr>
+              <a:t>の使用辞書が</a:t>
+            </a:r>
+            <a:r>
+              <a:rPr lang="en-US" altLang="ja-JP" dirty="0" err="1">
+                <a:solidFill>
+                  <a:srgbClr val="FF0000"/>
+                </a:solidFill>
+              </a:rPr>
+              <a:t>unidic</a:t>
+            </a:r>
+            <a:r>
+              <a:rPr lang="en-US" altLang="ja-JP" dirty="0">
+                <a:solidFill>
+                  <a:srgbClr val="FF0000"/>
+                </a:solidFill>
+              </a:rPr>
+              <a:t>-lite</a:t>
+            </a:r>
+          </a:p>
+          <a:p>
+            <a:pPr lvl="1"/>
+            <a:r>
+              <a:rPr kumimoji="1" lang="en-US" altLang="ja-JP" dirty="0" err="1"/>
+              <a:t>Unidic</a:t>
+            </a:r>
+            <a:r>
+              <a:rPr kumimoji="1" lang="ja-JP" altLang="en-US" dirty="0"/>
+              <a:t>・・・国立国語研究所が構築する日本語データベース</a:t>
+            </a:r>
+            <a:endParaRPr kumimoji="1" lang="en-US" altLang="ja-JP" dirty="0"/>
+          </a:p>
+          <a:p>
+            <a:pPr lvl="2"/>
+            <a:r>
+              <a:rPr lang="ja-JP" altLang="en-US" dirty="0"/>
+              <a:t>とても由緒正しい日本語辞書</a:t>
+            </a:r>
+            <a:endParaRPr lang="en-US" altLang="ja-JP" dirty="0"/>
+          </a:p>
+          <a:p>
+            <a:pPr lvl="2"/>
+            <a:r>
+              <a:rPr lang="ja-JP" altLang="en-US" dirty="0"/>
+              <a:t>今なおメンテナンスがされている</a:t>
+            </a:r>
+            <a:endParaRPr lang="en-US" altLang="ja-JP" dirty="0"/>
+          </a:p>
+          <a:p>
+            <a:pPr lvl="2"/>
+            <a:r>
+              <a:rPr lang="ja-JP" altLang="en-US" dirty="0"/>
+              <a:t>ただし更新頻度が低い（一年に一回程度）</a:t>
+            </a:r>
+            <a:endParaRPr lang="en-US" altLang="ja-JP" dirty="0"/>
+          </a:p>
+          <a:p>
+            <a:pPr lvl="1"/>
+            <a:endParaRPr lang="en-US" altLang="ja-JP" dirty="0"/>
+          </a:p>
+          <a:p>
+            <a:pPr lvl="1"/>
+            <a:r>
+              <a:rPr lang="ja-JP" altLang="en-US" dirty="0"/>
+              <a:t>採用モデルの使用する辞書が</a:t>
+            </a:r>
+            <a:r>
+              <a:rPr lang="en-US" altLang="ja-JP" dirty="0" err="1"/>
+              <a:t>unidic</a:t>
+            </a:r>
+            <a:r>
+              <a:rPr lang="en-US" altLang="ja-JP" dirty="0"/>
+              <a:t>-lite</a:t>
+            </a:r>
+          </a:p>
+          <a:p>
+            <a:pPr lvl="2"/>
+            <a:r>
+              <a:rPr lang="en-US" altLang="ja-JP" dirty="0" err="1"/>
+              <a:t>unidic</a:t>
+            </a:r>
+            <a:r>
+              <a:rPr lang="ja-JP" altLang="en-US" dirty="0"/>
+              <a:t>よりも収録される語彙が少ない</a:t>
+            </a:r>
+            <a:endParaRPr lang="en-US" altLang="ja-JP" dirty="0"/>
+          </a:p>
+          <a:p>
+            <a:pPr lvl="2"/>
+            <a:r>
+              <a:rPr lang="ja-JP" altLang="en-US" dirty="0"/>
+              <a:t>おそらくは、更新頻度も低い（一年に一回程度）</a:t>
+            </a:r>
+            <a:endParaRPr lang="en-US" altLang="ja-JP" dirty="0"/>
+          </a:p>
+          <a:p>
+            <a:pPr lvl="2"/>
+            <a:r>
+              <a:rPr lang="ja-JP" altLang="en-US" dirty="0"/>
+              <a:t>形態素解析的な精度面で</a:t>
+            </a:r>
+            <a:r>
+              <a:rPr lang="ja-JP" altLang="en-US" dirty="0">
+                <a:solidFill>
+                  <a:srgbClr val="FF0000"/>
+                </a:solidFill>
+              </a:rPr>
+              <a:t>劣る</a:t>
+            </a:r>
+            <a:endParaRPr lang="en-US" altLang="ja-JP" dirty="0">
+              <a:solidFill>
+                <a:srgbClr val="FF0000"/>
+              </a:solidFill>
+            </a:endParaRPr>
+          </a:p>
+          <a:p>
+            <a:pPr lvl="2"/>
+            <a:endParaRPr lang="en-US" altLang="ja-JP" dirty="0"/>
+          </a:p>
+          <a:p>
+            <a:pPr lvl="2"/>
+            <a:endParaRPr kumimoji="1" lang="ja-JP" altLang="en-US" dirty="0"/>
+          </a:p>
+        </p:txBody>
+      </p:sp>
+    </p:spTree>
+    <p:extLst>
+      <p:ext uri="{BB962C8B-B14F-4D97-AF65-F5344CB8AC3E}">
+        <p14:creationId xmlns:p14="http://schemas.microsoft.com/office/powerpoint/2010/main" val="2688733480"/>
+      </p:ext>
+    </p:extLst>
+  </p:cSld>
+  <p:clrMapOvr>
+    <a:masterClrMapping/>
+  </p:clrMapOvr>
+</p:sld>
+</file>
+
+<file path=ppt/slides/slide24.xml><?xml version="1.0" encoding="utf-8"?>
+<p:sld xmlns:a="http://schemas.openxmlformats.org/drawingml/2006/main" xmlns:r="http://schemas.openxmlformats.org/officeDocument/2006/relationships" xmlns:p="http://schemas.openxmlformats.org/presentationml/2006/main">
+  <p:cSld>
+    <p:spTree>
+      <p:nvGrpSpPr>
+        <p:cNvPr id="1" name=""/>
+        <p:cNvGrpSpPr/>
+        <p:nvPr/>
+      </p:nvGrpSpPr>
+      <p:grpSpPr>
+        <a:xfrm>
+          <a:off x="0" y="0"/>
+          <a:ext cx="0" cy="0"/>
+          <a:chOff x="0" y="0"/>
+          <a:chExt cx="0" cy="0"/>
+        </a:xfrm>
+      </p:grpSpPr>
+      <p:sp>
+        <p:nvSpPr>
+          <p:cNvPr id="2" name="タイトル 1">
+            <a:extLst>
+              <a:ext uri="{FF2B5EF4-FFF2-40B4-BE49-F238E27FC236}">
+                <a16:creationId xmlns:a16="http://schemas.microsoft.com/office/drawing/2014/main" id="{14637477-2510-C74D-E79D-E1839DED300A}"/>
+              </a:ext>
+            </a:extLst>
+          </p:cNvPr>
+          <p:cNvSpPr>
+            <a:spLocks noGrp="1"/>
+          </p:cNvSpPr>
+          <p:nvPr>
+            <p:ph type="title"/>
+          </p:nvPr>
+        </p:nvSpPr>
+        <p:spPr/>
+        <p:txBody>
+          <a:bodyPr/>
+          <a:lstStyle/>
+          <a:p>
+            <a:r>
+              <a:rPr kumimoji="1" lang="en-US" altLang="ja-JP" dirty="0"/>
+              <a:t>Hugging Face</a:t>
+            </a:r>
+            <a:r>
+              <a:rPr kumimoji="1" lang="ja-JP" altLang="en-US" dirty="0"/>
+              <a:t>について</a:t>
+            </a:r>
+            <a:r>
+              <a:rPr kumimoji="1" lang="en-US" altLang="ja-JP" dirty="0"/>
+              <a:t>8</a:t>
+            </a:r>
+            <a:endParaRPr kumimoji="1" lang="ja-JP" altLang="en-US" dirty="0"/>
+          </a:p>
+        </p:txBody>
+      </p:sp>
+      <p:sp>
+        <p:nvSpPr>
+          <p:cNvPr id="3" name="コンテンツ プレースホルダー 2">
+            <a:extLst>
+              <a:ext uri="{FF2B5EF4-FFF2-40B4-BE49-F238E27FC236}">
+                <a16:creationId xmlns:a16="http://schemas.microsoft.com/office/drawing/2014/main" id="{47912C37-B99C-B533-7CB8-93D224A36907}"/>
+              </a:ext>
+            </a:extLst>
+          </p:cNvPr>
+          <p:cNvSpPr>
+            <a:spLocks noGrp="1"/>
+          </p:cNvSpPr>
+          <p:nvPr>
+            <p:ph idx="1"/>
+          </p:nvPr>
+        </p:nvSpPr>
+        <p:spPr/>
+        <p:txBody>
+          <a:bodyPr>
+            <a:normAutofit fontScale="85000" lnSpcReduction="20000"/>
+          </a:bodyPr>
+          <a:lstStyle/>
+          <a:p>
+            <a:r>
+              <a:rPr kumimoji="1" lang="ja-JP" altLang="en-US" dirty="0"/>
+              <a:t>デメリット４</a:t>
+            </a:r>
+            <a:r>
+              <a:rPr lang="ja-JP" altLang="en-US" dirty="0"/>
+              <a:t>　ライセンスの制約が強い</a:t>
+            </a:r>
+            <a:endParaRPr lang="en-US" altLang="ja-JP" dirty="0"/>
+          </a:p>
+          <a:p>
+            <a:pPr lvl="1"/>
+            <a:r>
+              <a:rPr kumimoji="1" lang="ja-JP" altLang="en-US" dirty="0"/>
+              <a:t>このモデルに付与されているライセンス</a:t>
+            </a:r>
+            <a:endParaRPr kumimoji="1" lang="en-US" altLang="ja-JP" dirty="0"/>
+          </a:p>
+          <a:p>
+            <a:pPr lvl="2"/>
+            <a:r>
+              <a:rPr lang="en-US" altLang="ja-JP" b="0" i="0" dirty="0">
+                <a:solidFill>
+                  <a:srgbClr val="000000"/>
+                </a:solidFill>
+                <a:effectLst/>
+                <a:latin typeface="Source Sans Pro" panose="020F0502020204030204" pitchFamily="34" charset="0"/>
+              </a:rPr>
+              <a:t>Creative Commons Attribution Share Alike 3.0</a:t>
+            </a:r>
+          </a:p>
+          <a:p>
+            <a:pPr lvl="1"/>
+            <a:endParaRPr kumimoji="1" lang="en-US" altLang="ja-JP" dirty="0">
+              <a:solidFill>
+                <a:srgbClr val="000000"/>
+              </a:solidFill>
+              <a:latin typeface="Source Sans Pro" panose="020F0502020204030204" pitchFamily="34" charset="0"/>
+            </a:endParaRPr>
+          </a:p>
+          <a:p>
+            <a:pPr lvl="1"/>
+            <a:r>
+              <a:rPr lang="ja-JP" altLang="en-US" dirty="0"/>
+              <a:t>面倒なので</a:t>
+            </a:r>
+            <a:r>
+              <a:rPr lang="en-US" altLang="ja-JP" dirty="0"/>
+              <a:t>ChatGPT</a:t>
+            </a:r>
+            <a:r>
+              <a:rPr lang="ja-JP" altLang="en-US" dirty="0"/>
+              <a:t>に教えてもらいました。以下抜粋</a:t>
+            </a:r>
+            <a:endParaRPr lang="en-US" altLang="ja-JP" dirty="0"/>
+          </a:p>
+          <a:p>
+            <a:pPr lvl="2"/>
+            <a:r>
+              <a:rPr lang="ja-JP" altLang="en-US" dirty="0">
+                <a:latin typeface="+mn-ea"/>
+              </a:rPr>
+              <a:t>表示（</a:t>
+            </a:r>
+            <a:r>
+              <a:rPr lang="en-US" altLang="ja-JP" dirty="0">
+                <a:latin typeface="+mn-ea"/>
+              </a:rPr>
+              <a:t>Attribution</a:t>
+            </a:r>
+            <a:r>
+              <a:rPr lang="ja-JP" altLang="en-US" dirty="0">
+                <a:latin typeface="+mn-ea"/>
+              </a:rPr>
+              <a:t>）の義務</a:t>
+            </a:r>
+            <a:br>
+              <a:rPr lang="ja-JP" altLang="en-US" dirty="0">
+                <a:latin typeface="+mn-ea"/>
+              </a:rPr>
+            </a:br>
+            <a:r>
+              <a:rPr lang="ja-JP" altLang="en-US" dirty="0">
+                <a:latin typeface="+mn-ea"/>
+              </a:rPr>
+              <a:t>著作物を使用する際には、</a:t>
+            </a:r>
+            <a:r>
+              <a:rPr lang="ja-JP" altLang="en-US" dirty="0">
+                <a:solidFill>
+                  <a:srgbClr val="FF0000"/>
+                </a:solidFill>
+                <a:latin typeface="+mn-ea"/>
+              </a:rPr>
+              <a:t>元の著作者や提供元を明示しなければなりません</a:t>
+            </a:r>
+            <a:r>
+              <a:rPr lang="ja-JP" altLang="en-US" dirty="0">
+                <a:latin typeface="+mn-ea"/>
+              </a:rPr>
+              <a:t>。具体的には、著作権表示、ライセンスのリンク、そして必要に応じて変更点の明示を行う必要があります。</a:t>
+            </a:r>
+            <a:endParaRPr lang="en-US" altLang="ja-JP" dirty="0">
+              <a:latin typeface="+mn-ea"/>
+            </a:endParaRPr>
+          </a:p>
+          <a:p>
+            <a:pPr lvl="2"/>
+            <a:endParaRPr kumimoji="1" lang="en-US" altLang="ja-JP" dirty="0">
+              <a:latin typeface="+mn-ea"/>
+            </a:endParaRPr>
+          </a:p>
+          <a:p>
+            <a:pPr lvl="2"/>
+            <a:r>
+              <a:rPr lang="ja-JP" altLang="en-US" dirty="0">
+                <a:latin typeface="+mn-ea"/>
+              </a:rPr>
+              <a:t>継承（</a:t>
+            </a:r>
+            <a:r>
+              <a:rPr lang="en-US" altLang="ja-JP" dirty="0" err="1">
+                <a:latin typeface="+mn-ea"/>
+              </a:rPr>
+              <a:t>ShareAlike</a:t>
+            </a:r>
+            <a:r>
+              <a:rPr lang="ja-JP" altLang="en-US" dirty="0">
+                <a:latin typeface="+mn-ea"/>
+              </a:rPr>
+              <a:t>）の条件</a:t>
+            </a:r>
+            <a:r>
+              <a:rPr lang="en-US" altLang="ja-JP" dirty="0">
+                <a:latin typeface="+mn-ea"/>
+              </a:rPr>
+              <a:t>:</a:t>
+            </a:r>
+            <a:br>
+              <a:rPr lang="ja-JP" altLang="en-US" dirty="0">
+                <a:latin typeface="+mn-ea"/>
+              </a:rPr>
+            </a:br>
+            <a:r>
+              <a:rPr lang="ja-JP" altLang="en-US" dirty="0">
+                <a:latin typeface="+mn-ea"/>
+              </a:rPr>
+              <a:t>著作物を改変・再構築した場合、派生作品は同じ「表示 </a:t>
+            </a:r>
+            <a:r>
+              <a:rPr lang="en-US" altLang="ja-JP" dirty="0">
+                <a:latin typeface="+mn-ea"/>
+              </a:rPr>
+              <a:t>- </a:t>
+            </a:r>
+            <a:r>
+              <a:rPr lang="ja-JP" altLang="en-US" dirty="0">
+                <a:latin typeface="+mn-ea"/>
+              </a:rPr>
+              <a:t>継承」ライセンスまたは互換性のある条件の下で</a:t>
+            </a:r>
+            <a:r>
+              <a:rPr lang="ja-JP" altLang="en-US" dirty="0">
+                <a:solidFill>
+                  <a:srgbClr val="FF0000"/>
+                </a:solidFill>
+                <a:latin typeface="+mn-ea"/>
+              </a:rPr>
+              <a:t>公開する必要があります</a:t>
+            </a:r>
+            <a:r>
+              <a:rPr lang="ja-JP" altLang="en-US" dirty="0">
+                <a:latin typeface="+mn-ea"/>
+              </a:rPr>
+              <a:t>。つまり、</a:t>
+            </a:r>
+            <a:r>
+              <a:rPr lang="ja-JP" altLang="en-US" dirty="0">
+                <a:solidFill>
+                  <a:srgbClr val="FF0000"/>
+                </a:solidFill>
+                <a:latin typeface="+mn-ea"/>
+              </a:rPr>
+              <a:t>元のライセンスと同様の自由を維持</a:t>
+            </a:r>
+            <a:r>
+              <a:rPr lang="ja-JP" altLang="en-US" dirty="0">
+                <a:latin typeface="+mn-ea"/>
+              </a:rPr>
+              <a:t>しなければなりません。</a:t>
+            </a:r>
+            <a:endParaRPr lang="en-US" altLang="ja-JP" dirty="0">
+              <a:latin typeface="+mn-ea"/>
+            </a:endParaRPr>
+          </a:p>
+          <a:p>
+            <a:pPr lvl="2"/>
+            <a:endParaRPr kumimoji="1" lang="en-US" altLang="ja-JP" dirty="0">
+              <a:latin typeface="+mn-ea"/>
+            </a:endParaRPr>
+          </a:p>
+          <a:p>
+            <a:pPr lvl="2"/>
+            <a:r>
+              <a:rPr lang="ja-JP" altLang="en-US" dirty="0">
+                <a:solidFill>
+                  <a:srgbClr val="FF0000"/>
+                </a:solidFill>
+                <a:latin typeface="+mn-ea"/>
+              </a:rPr>
+              <a:t>追加制限の禁止</a:t>
+            </a:r>
+            <a:r>
+              <a:rPr lang="en-US" altLang="ja-JP" dirty="0">
+                <a:latin typeface="+mn-ea"/>
+              </a:rPr>
+              <a:t>:</a:t>
+            </a:r>
+            <a:br>
+              <a:rPr lang="ja-JP" altLang="en-US" dirty="0">
+                <a:latin typeface="+mn-ea"/>
+              </a:rPr>
+            </a:br>
+            <a:r>
+              <a:rPr lang="ja-JP" altLang="en-US" dirty="0">
+                <a:latin typeface="+mn-ea"/>
+              </a:rPr>
+              <a:t>ライセンスが許可する範囲以上に、法的または技術的な制限を新たに課すことはできません。</a:t>
+            </a:r>
+            <a:endParaRPr lang="en-US" altLang="ja-JP" dirty="0">
+              <a:latin typeface="+mn-ea"/>
+            </a:endParaRPr>
+          </a:p>
+          <a:p>
+            <a:r>
+              <a:rPr kumimoji="1" lang="ja-JP" altLang="en-US" dirty="0">
+                <a:latin typeface="+mn-ea"/>
+              </a:rPr>
+              <a:t>😱</a:t>
+            </a:r>
+          </a:p>
+        </p:txBody>
+      </p:sp>
+    </p:spTree>
+    <p:extLst>
+      <p:ext uri="{BB962C8B-B14F-4D97-AF65-F5344CB8AC3E}">
+        <p14:creationId xmlns:p14="http://schemas.microsoft.com/office/powerpoint/2010/main" val="2430196120"/>
+      </p:ext>
+    </p:extLst>
+  </p:cSld>
+  <p:clrMapOvr>
+    <a:masterClrMapping/>
+  </p:clrMapOvr>
+</p:sld>
+</file>
+
+<file path=ppt/slides/slide3.xml><?xml version="1.0" encoding="utf-8"?>
+<p:sld xmlns:a="http://schemas.openxmlformats.org/drawingml/2006/main" xmlns:r="http://schemas.openxmlformats.org/officeDocument/2006/relationships" xmlns:p="http://schemas.openxmlformats.org/presentationml/2006/main">
+  <p:cSld>
+    <p:spTree>
+      <p:nvGrpSpPr>
+        <p:cNvPr id="1" name=""/>
+        <p:cNvGrpSpPr/>
+        <p:nvPr/>
+      </p:nvGrpSpPr>
+      <p:grpSpPr>
+        <a:xfrm>
+          <a:off x="0" y="0"/>
+          <a:ext cx="0" cy="0"/>
+          <a:chOff x="0" y="0"/>
+          <a:chExt cx="0" cy="0"/>
+        </a:xfrm>
+      </p:grpSpPr>
+      <p:sp>
+        <p:nvSpPr>
+          <p:cNvPr id="2" name="タイトル 1">
+            <a:extLst>
+              <a:ext uri="{FF2B5EF4-FFF2-40B4-BE49-F238E27FC236}">
+                <a16:creationId xmlns:a16="http://schemas.microsoft.com/office/drawing/2014/main" id="{C65A5D19-0D3E-74AF-B090-B0131FF76152}"/>
+              </a:ext>
+            </a:extLst>
+          </p:cNvPr>
+          <p:cNvSpPr>
+            <a:spLocks noGrp="1"/>
+          </p:cNvSpPr>
+          <p:nvPr>
+            <p:ph type="title"/>
+          </p:nvPr>
+        </p:nvSpPr>
+        <p:spPr/>
+        <p:txBody>
+          <a:bodyPr/>
+          <a:lstStyle/>
+          <a:p>
+            <a:r>
+              <a:rPr kumimoji="1" lang="ja-JP" altLang="en-US" dirty="0"/>
+              <a:t>感情分析モデルについて</a:t>
+            </a:r>
+            <a:r>
+              <a:rPr kumimoji="1" lang="en-US" altLang="ja-JP" dirty="0"/>
+              <a:t>2</a:t>
+            </a:r>
+            <a:endParaRPr kumimoji="1" lang="ja-JP" altLang="en-US" dirty="0"/>
+          </a:p>
+        </p:txBody>
+      </p:sp>
+      <p:sp>
+        <p:nvSpPr>
+          <p:cNvPr id="3" name="コンテンツ プレースホルダー 2">
+            <a:extLst>
+              <a:ext uri="{FF2B5EF4-FFF2-40B4-BE49-F238E27FC236}">
+                <a16:creationId xmlns:a16="http://schemas.microsoft.com/office/drawing/2014/main" id="{B6A6BEF8-B22D-2D4F-E491-CC67BF005EF9}"/>
+              </a:ext>
+            </a:extLst>
+          </p:cNvPr>
+          <p:cNvSpPr>
+            <a:spLocks noGrp="1"/>
+          </p:cNvSpPr>
+          <p:nvPr>
+            <p:ph idx="1"/>
+          </p:nvPr>
+        </p:nvSpPr>
+        <p:spPr/>
+        <p:txBody>
+          <a:bodyPr/>
+          <a:lstStyle/>
+          <a:p>
+            <a:r>
+              <a:rPr kumimoji="1" lang="ja-JP" altLang="en-US" dirty="0"/>
+              <a:t>一般的な</a:t>
+            </a:r>
+            <a:r>
+              <a:rPr kumimoji="1" lang="en-US" altLang="ja-JP" dirty="0"/>
+              <a:t>LDA</a:t>
+            </a:r>
+            <a:r>
+              <a:rPr kumimoji="1" lang="ja-JP" altLang="en-US" dirty="0"/>
+              <a:t>モデルとの違い・改善点</a:t>
+            </a:r>
+            <a:endParaRPr kumimoji="1" lang="en-US" altLang="ja-JP" dirty="0"/>
+          </a:p>
+          <a:p>
+            <a:endParaRPr kumimoji="1" lang="en-US" altLang="ja-JP" dirty="0"/>
+          </a:p>
+          <a:p>
+            <a:pPr lvl="1"/>
+            <a:r>
+              <a:rPr lang="ja-JP" altLang="en-US" dirty="0"/>
+              <a:t>感情を軸にクラスタリングできる！！</a:t>
+            </a:r>
+            <a:endParaRPr lang="en-US" altLang="ja-JP" dirty="0"/>
+          </a:p>
+          <a:p>
+            <a:pPr marL="914400" lvl="2" indent="0">
+              <a:buNone/>
+            </a:pPr>
+            <a:r>
+              <a:rPr kumimoji="1" lang="ja-JP" altLang="en-US" dirty="0"/>
+              <a:t>→</a:t>
+            </a:r>
+            <a:r>
+              <a:rPr kumimoji="1" lang="en-US" altLang="ja-JP" dirty="0"/>
+              <a:t>LDA</a:t>
+            </a:r>
+            <a:r>
+              <a:rPr kumimoji="1" lang="ja-JP" altLang="en-US" dirty="0"/>
+              <a:t>モデルでは、クラスタリングの基準を</a:t>
+            </a:r>
+            <a:r>
+              <a:rPr kumimoji="1" lang="ja-JP" altLang="en-US" dirty="0">
+                <a:solidFill>
+                  <a:srgbClr val="FF0000"/>
+                </a:solidFill>
+              </a:rPr>
+              <a:t>事前に設定できない</a:t>
+            </a:r>
+            <a:endParaRPr lang="en-US" altLang="ja-JP" dirty="0">
+              <a:solidFill>
+                <a:srgbClr val="FF0000"/>
+              </a:solidFill>
+            </a:endParaRPr>
+          </a:p>
+          <a:p>
+            <a:pPr lvl="1"/>
+            <a:endParaRPr kumimoji="1" lang="en-US" altLang="ja-JP" dirty="0"/>
+          </a:p>
+          <a:p>
+            <a:pPr lvl="1"/>
+            <a:r>
+              <a:rPr lang="ja-JP" altLang="en-US" dirty="0"/>
+              <a:t>単語に対して感情分布を推定できる！！</a:t>
+            </a:r>
+            <a:endParaRPr lang="en-US" altLang="ja-JP" dirty="0"/>
+          </a:p>
+          <a:p>
+            <a:pPr marL="914400" lvl="2" indent="0">
+              <a:buNone/>
+            </a:pPr>
+            <a:r>
+              <a:rPr lang="ja-JP" altLang="en-US" dirty="0"/>
+              <a:t>→</a:t>
+            </a:r>
+            <a:r>
+              <a:rPr lang="en-US" altLang="ja-JP" dirty="0"/>
+              <a:t>LDA</a:t>
+            </a:r>
+            <a:r>
+              <a:rPr lang="ja-JP" altLang="en-US" dirty="0"/>
+              <a:t>モデルでは、単語からトピック分布しか</a:t>
+            </a:r>
+            <a:r>
+              <a:rPr lang="ja-JP" altLang="en-US" dirty="0">
+                <a:solidFill>
+                  <a:srgbClr val="FF0000"/>
+                </a:solidFill>
+              </a:rPr>
+              <a:t>推定できない</a:t>
+            </a:r>
+            <a:endParaRPr lang="en-US" altLang="ja-JP" dirty="0">
+              <a:solidFill>
+                <a:srgbClr val="FF0000"/>
+              </a:solidFill>
+            </a:endParaRPr>
+          </a:p>
+          <a:p>
+            <a:pPr lvl="1"/>
+            <a:endParaRPr lang="en-US" altLang="ja-JP" dirty="0"/>
+          </a:p>
+          <a:p>
+            <a:pPr lvl="1"/>
+            <a:r>
+              <a:rPr lang="en-US" altLang="ja-JP" dirty="0"/>
+              <a:t>X-POST</a:t>
+            </a:r>
+            <a:r>
+              <a:rPr lang="ja-JP" altLang="en-US" dirty="0"/>
+              <a:t>文字列内の全体・部分に分けて感情分析が可能！！</a:t>
+            </a:r>
+            <a:endParaRPr lang="en-US" altLang="ja-JP" dirty="0"/>
+          </a:p>
+          <a:p>
+            <a:pPr marL="914400" lvl="2" indent="0">
+              <a:buNone/>
+            </a:pPr>
+            <a:r>
+              <a:rPr lang="ja-JP" altLang="en-US" dirty="0"/>
+              <a:t>→</a:t>
+            </a:r>
+            <a:r>
+              <a:rPr lang="en-US" altLang="ja-JP" dirty="0"/>
+              <a:t>LDA</a:t>
+            </a:r>
+            <a:r>
+              <a:rPr lang="ja-JP" altLang="en-US" dirty="0"/>
+              <a:t>モデルでは、</a:t>
+            </a:r>
+            <a:r>
+              <a:rPr lang="ja-JP" altLang="en-US" dirty="0">
+                <a:solidFill>
+                  <a:srgbClr val="FF0000"/>
+                </a:solidFill>
+              </a:rPr>
+              <a:t>実現できない</a:t>
+            </a:r>
+            <a:endParaRPr lang="en-US" altLang="ja-JP" dirty="0">
+              <a:solidFill>
+                <a:srgbClr val="FF0000"/>
+              </a:solidFill>
+            </a:endParaRPr>
+          </a:p>
+          <a:p>
+            <a:pPr lvl="1"/>
+            <a:endParaRPr lang="en-US" altLang="ja-JP" dirty="0"/>
+          </a:p>
+          <a:p>
+            <a:pPr lvl="1"/>
+            <a:endParaRPr lang="en-US" altLang="ja-JP" dirty="0"/>
+          </a:p>
+          <a:p>
+            <a:pPr marL="914400" lvl="2" indent="0">
+              <a:buNone/>
+            </a:pPr>
+            <a:endParaRPr kumimoji="1" lang="en-US" altLang="ja-JP" dirty="0">
+              <a:solidFill>
+                <a:srgbClr val="FF0000"/>
+              </a:solidFill>
+            </a:endParaRPr>
+          </a:p>
+        </p:txBody>
+      </p:sp>
+    </p:spTree>
+    <p:extLst>
+      <p:ext uri="{BB962C8B-B14F-4D97-AF65-F5344CB8AC3E}">
+        <p14:creationId xmlns:p14="http://schemas.microsoft.com/office/powerpoint/2010/main" val="1320851463"/>
+      </p:ext>
+    </p:extLst>
+  </p:cSld>
+  <p:clrMapOvr>
+    <a:masterClrMapping/>
+  </p:clrMapOvr>
+</p:sld>
+</file>
+
+<file path=ppt/slides/slide4.xml><?xml version="1.0" encoding="utf-8"?>
+<p:sld xmlns:a="http://schemas.openxmlformats.org/drawingml/2006/main" xmlns:r="http://schemas.openxmlformats.org/officeDocument/2006/relationships" xmlns:p="http://schemas.openxmlformats.org/presentationml/2006/main">
+  <p:cSld>
+    <p:spTree>
+      <p:nvGrpSpPr>
+        <p:cNvPr id="1" name=""/>
+        <p:cNvGrpSpPr/>
+        <p:nvPr/>
+      </p:nvGrpSpPr>
+      <p:grpSpPr>
+        <a:xfrm>
+          <a:off x="0" y="0"/>
+          <a:ext cx="0" cy="0"/>
+          <a:chOff x="0" y="0"/>
+          <a:chExt cx="0" cy="0"/>
+        </a:xfrm>
+      </p:grpSpPr>
+      <p:sp>
+        <p:nvSpPr>
+          <p:cNvPr id="41" name="正方形/長方形 40">
+            <a:extLst>
+              <a:ext uri="{FF2B5EF4-FFF2-40B4-BE49-F238E27FC236}">
+                <a16:creationId xmlns:a16="http://schemas.microsoft.com/office/drawing/2014/main" id="{E0F25B12-006A-4773-FB22-6D3F7BF816F7}"/>
+              </a:ext>
+            </a:extLst>
+          </p:cNvPr>
+          <p:cNvSpPr/>
+          <p:nvPr/>
+        </p:nvSpPr>
+        <p:spPr>
+          <a:xfrm>
+            <a:off x="7498309" y="4010000"/>
+            <a:ext cx="2163163" cy="2678972"/>
+          </a:xfrm>
+          <a:prstGeom prst="rect">
+            <a:avLst/>
+          </a:prstGeom>
+          <a:solidFill>
+            <a:schemeClr val="accent6">
+              <a:lumMod val="40000"/>
+              <a:lumOff val="60000"/>
+            </a:schemeClr>
+          </a:solidFill>
+          <a:ln>
+            <a:noFill/>
+          </a:ln>
+        </p:spPr>
+        <p:style>
+          <a:lnRef idx="2">
+            <a:schemeClr val="accent1">
+              <a:shade val="15000"/>
+            </a:schemeClr>
+          </a:lnRef>
+          <a:fillRef idx="1">
+            <a:schemeClr val="accent1"/>
+          </a:fillRef>
+          <a:effectRef idx="0">
+            <a:schemeClr val="accent1"/>
+          </a:effectRef>
+          <a:fontRef idx="minor">
+            <a:schemeClr val="lt1"/>
+          </a:fontRef>
+        </p:style>
+        <p:txBody>
+          <a:bodyPr rtlCol="0" anchor="t"/>
+          <a:lstStyle/>
+          <a:p>
+            <a:pPr algn="ctr"/>
+            <a:endParaRPr kumimoji="1" lang="ja-JP" altLang="en-US" dirty="0">
+              <a:solidFill>
+                <a:schemeClr val="tx1"/>
+              </a:solidFill>
+            </a:endParaRPr>
+          </a:p>
+        </p:txBody>
+      </p:sp>
+      <p:sp>
+        <p:nvSpPr>
+          <p:cNvPr id="3" name="コンテンツ プレースホルダー 2">
+            <a:extLst>
+              <a:ext uri="{FF2B5EF4-FFF2-40B4-BE49-F238E27FC236}">
+                <a16:creationId xmlns:a16="http://schemas.microsoft.com/office/drawing/2014/main" id="{DE00301F-50C7-CFA9-FF0D-D0295CE384F3}"/>
+              </a:ext>
+            </a:extLst>
+          </p:cNvPr>
+          <p:cNvSpPr>
+            <a:spLocks noGrp="1"/>
+          </p:cNvSpPr>
+          <p:nvPr>
+            <p:ph idx="1"/>
+          </p:nvPr>
+        </p:nvSpPr>
+        <p:spPr/>
+        <p:txBody>
+          <a:bodyPr>
+            <a:normAutofit/>
+          </a:bodyPr>
+          <a:lstStyle/>
+          <a:p>
+            <a:r>
+              <a:rPr kumimoji="1" lang="ja-JP" altLang="en-US" dirty="0"/>
+              <a:t>モデル概要についてもう少し詳細に</a:t>
+            </a:r>
+            <a:br>
+              <a:rPr kumimoji="1" lang="en-US" altLang="ja-JP" dirty="0"/>
+            </a:br>
+            <a:r>
+              <a:rPr lang="ja-JP" altLang="en-US" b="0" i="0" dirty="0">
+                <a:solidFill>
+                  <a:srgbClr val="1F1F1F"/>
+                </a:solidFill>
+                <a:effectLst/>
+                <a:latin typeface="Arial" panose="020B0604020202020204" pitchFamily="34" charset="0"/>
+              </a:rPr>
+              <a:t>競争優位性の側面から</a:t>
+            </a:r>
+            <a:endParaRPr lang="en-US" altLang="ja-JP" dirty="0"/>
+          </a:p>
+          <a:p>
+            <a:endParaRPr kumimoji="1" lang="en-US" altLang="ja-JP" dirty="0"/>
+          </a:p>
+          <a:p>
+            <a:r>
+              <a:rPr lang="ja-JP" altLang="en-US" dirty="0">
+                <a:solidFill>
+                  <a:srgbClr val="FF0000"/>
+                </a:solidFill>
+              </a:rPr>
+              <a:t>赤枠</a:t>
+            </a:r>
+            <a:r>
+              <a:rPr lang="ja-JP" altLang="en-US" dirty="0"/>
+              <a:t>・・・競争力ありません</a:t>
+            </a:r>
+            <a:endParaRPr lang="en-US" altLang="ja-JP" dirty="0"/>
+          </a:p>
+          <a:p>
+            <a:r>
+              <a:rPr lang="ja-JP" altLang="en-US" dirty="0">
+                <a:solidFill>
+                  <a:srgbClr val="00B050"/>
+                </a:solidFill>
+              </a:rPr>
+              <a:t>緑枠</a:t>
+            </a:r>
+            <a:r>
+              <a:rPr lang="ja-JP" altLang="en-US" dirty="0"/>
+              <a:t>・・・優位性あります😁</a:t>
+            </a:r>
+            <a:endParaRPr lang="en-US" altLang="ja-JP" dirty="0"/>
+          </a:p>
+          <a:p>
+            <a:endParaRPr kumimoji="1" lang="en-US" altLang="ja-JP" dirty="0"/>
+          </a:p>
+          <a:p>
+            <a:endParaRPr lang="en-US" altLang="ja-JP" dirty="0"/>
+          </a:p>
+          <a:p>
+            <a:r>
+              <a:rPr kumimoji="1" lang="ja-JP" altLang="en-US" dirty="0"/>
+              <a:t>緑枠を</a:t>
+            </a:r>
+            <a:r>
+              <a:rPr kumimoji="1" lang="ja-JP" altLang="en-US" dirty="0">
+                <a:solidFill>
+                  <a:srgbClr val="00B050"/>
+                </a:solidFill>
+              </a:rPr>
+              <a:t>中心</a:t>
+            </a:r>
+            <a:r>
+              <a:rPr kumimoji="1" lang="ja-JP" altLang="en-US" dirty="0"/>
+              <a:t>に画面開発を行うべき！</a:t>
+            </a:r>
+            <a:br>
+              <a:rPr kumimoji="1" lang="en-US" altLang="ja-JP" dirty="0"/>
+            </a:br>
+            <a:r>
+              <a:rPr kumimoji="1" lang="ja-JP" altLang="en-US" dirty="0"/>
+              <a:t>　　（強調）</a:t>
+            </a:r>
+            <a:endParaRPr kumimoji="1" lang="en-US" altLang="ja-JP" dirty="0"/>
+          </a:p>
+          <a:p>
+            <a:endParaRPr kumimoji="1" lang="ja-JP" altLang="en-US" dirty="0"/>
+          </a:p>
+        </p:txBody>
+      </p:sp>
+      <p:sp>
+        <p:nvSpPr>
+          <p:cNvPr id="40" name="正方形/長方形 39">
+            <a:extLst>
+              <a:ext uri="{FF2B5EF4-FFF2-40B4-BE49-F238E27FC236}">
+                <a16:creationId xmlns:a16="http://schemas.microsoft.com/office/drawing/2014/main" id="{039EC393-BB55-2C23-E949-E3FC7D9C9558}"/>
+              </a:ext>
+            </a:extLst>
+          </p:cNvPr>
+          <p:cNvSpPr/>
+          <p:nvPr/>
+        </p:nvSpPr>
+        <p:spPr>
+          <a:xfrm>
+            <a:off x="7502857" y="1980045"/>
+            <a:ext cx="2163163" cy="2018720"/>
+          </a:xfrm>
+          <a:prstGeom prst="rect">
+            <a:avLst/>
+          </a:prstGeom>
+          <a:solidFill>
+            <a:schemeClr val="accent2">
+              <a:lumMod val="60000"/>
+              <a:lumOff val="40000"/>
+            </a:schemeClr>
+          </a:solidFill>
+          <a:ln>
+            <a:noFill/>
+          </a:ln>
+        </p:spPr>
+        <p:style>
+          <a:lnRef idx="2">
+            <a:schemeClr val="accent1">
+              <a:shade val="15000"/>
+            </a:schemeClr>
+          </a:lnRef>
+          <a:fillRef idx="1">
+            <a:schemeClr val="accent1"/>
+          </a:fillRef>
+          <a:effectRef idx="0">
+            <a:schemeClr val="accent1"/>
+          </a:effectRef>
+          <a:fontRef idx="minor">
+            <a:schemeClr val="lt1"/>
+          </a:fontRef>
+        </p:style>
+        <p:txBody>
+          <a:bodyPr rtlCol="0" anchor="t"/>
+          <a:lstStyle/>
+          <a:p>
+            <a:pPr algn="ctr"/>
+            <a:r>
+              <a:rPr kumimoji="1" lang="ja-JP" altLang="en-US" dirty="0">
+                <a:solidFill>
+                  <a:schemeClr val="tx1"/>
+                </a:solidFill>
+              </a:rPr>
+              <a:t>ネット公開情報</a:t>
+            </a:r>
+          </a:p>
+        </p:txBody>
+      </p:sp>
+      <p:sp>
+        <p:nvSpPr>
+          <p:cNvPr id="39" name="正方形/長方形 38">
+            <a:extLst>
+              <a:ext uri="{FF2B5EF4-FFF2-40B4-BE49-F238E27FC236}">
+                <a16:creationId xmlns:a16="http://schemas.microsoft.com/office/drawing/2014/main" id="{7D7A622F-87EC-07A2-CE81-143CC08B7300}"/>
+              </a:ext>
+            </a:extLst>
+          </p:cNvPr>
+          <p:cNvSpPr/>
+          <p:nvPr/>
+        </p:nvSpPr>
+        <p:spPr>
+          <a:xfrm>
+            <a:off x="9721751" y="1980045"/>
+            <a:ext cx="2163163" cy="2626241"/>
+          </a:xfrm>
+          <a:prstGeom prst="rect">
+            <a:avLst/>
+          </a:prstGeom>
+          <a:solidFill>
+            <a:schemeClr val="accent2">
+              <a:lumMod val="60000"/>
+              <a:lumOff val="40000"/>
+            </a:schemeClr>
+          </a:solidFill>
+          <a:ln>
+            <a:noFill/>
+          </a:ln>
+        </p:spPr>
+        <p:style>
+          <a:lnRef idx="2">
+            <a:schemeClr val="accent1">
+              <a:shade val="15000"/>
+            </a:schemeClr>
+          </a:lnRef>
+          <a:fillRef idx="1">
+            <a:schemeClr val="accent1"/>
+          </a:fillRef>
+          <a:effectRef idx="0">
+            <a:schemeClr val="accent1"/>
+          </a:effectRef>
+          <a:fontRef idx="minor">
+            <a:schemeClr val="lt1"/>
+          </a:fontRef>
+        </p:style>
+        <p:txBody>
+          <a:bodyPr rtlCol="0" anchor="t"/>
+          <a:lstStyle/>
+          <a:p>
+            <a:pPr algn="ctr"/>
+            <a:r>
+              <a:rPr kumimoji="1" lang="ja-JP" altLang="en-US" dirty="0">
+                <a:solidFill>
+                  <a:schemeClr val="tx1"/>
+                </a:solidFill>
+              </a:rPr>
+              <a:t>ネット公開情報</a:t>
+            </a:r>
+          </a:p>
+        </p:txBody>
+      </p:sp>
+      <p:sp>
+        <p:nvSpPr>
+          <p:cNvPr id="2" name="タイトル 1">
+            <a:extLst>
+              <a:ext uri="{FF2B5EF4-FFF2-40B4-BE49-F238E27FC236}">
+                <a16:creationId xmlns:a16="http://schemas.microsoft.com/office/drawing/2014/main" id="{15A3C759-33C8-3527-908A-5245386C653F}"/>
+              </a:ext>
+            </a:extLst>
+          </p:cNvPr>
+          <p:cNvSpPr>
+            <a:spLocks noGrp="1"/>
+          </p:cNvSpPr>
+          <p:nvPr>
+            <p:ph type="title"/>
+          </p:nvPr>
+        </p:nvSpPr>
+        <p:spPr/>
+        <p:txBody>
+          <a:bodyPr/>
+          <a:lstStyle/>
+          <a:p>
+            <a:r>
+              <a:rPr kumimoji="1" lang="ja-JP" altLang="en-US" dirty="0"/>
+              <a:t>感情分析モデルについて</a:t>
+            </a:r>
+            <a:r>
+              <a:rPr lang="en-US" altLang="ja-JP" dirty="0"/>
+              <a:t>3</a:t>
+            </a:r>
+            <a:endParaRPr kumimoji="1" lang="ja-JP" altLang="en-US" dirty="0"/>
+          </a:p>
+        </p:txBody>
+      </p:sp>
+      <p:sp>
+        <p:nvSpPr>
+          <p:cNvPr id="4" name="正方形/長方形 3">
+            <a:extLst>
+              <a:ext uri="{FF2B5EF4-FFF2-40B4-BE49-F238E27FC236}">
+                <a16:creationId xmlns:a16="http://schemas.microsoft.com/office/drawing/2014/main" id="{9BF22420-888F-5097-3841-472124B99371}"/>
+              </a:ext>
+            </a:extLst>
+          </p:cNvPr>
+          <p:cNvSpPr/>
+          <p:nvPr/>
+        </p:nvSpPr>
+        <p:spPr>
+          <a:xfrm>
+            <a:off x="7738281" y="2492054"/>
+            <a:ext cx="1692323" cy="600501"/>
+          </a:xfrm>
+          <a:prstGeom prst="rect">
+            <a:avLst/>
+          </a:prstGeom>
+        </p:spPr>
+        <p:style>
+          <a:lnRef idx="2">
+            <a:schemeClr val="accent1">
+              <a:shade val="15000"/>
+            </a:schemeClr>
+          </a:lnRef>
+          <a:fillRef idx="1">
+            <a:schemeClr val="accent1"/>
+          </a:fillRef>
+          <a:effectRef idx="0">
+            <a:schemeClr val="accent1"/>
+          </a:effectRef>
+          <a:fontRef idx="minor">
+            <a:schemeClr val="lt1"/>
+          </a:fontRef>
+        </p:style>
+        <p:txBody>
+          <a:bodyPr rtlCol="0" anchor="ctr"/>
+          <a:lstStyle/>
+          <a:p>
+            <a:pPr algn="ctr"/>
+            <a:r>
+              <a:rPr kumimoji="1" lang="en-US" altLang="ja-JP" sz="1400" dirty="0"/>
+              <a:t>X</a:t>
+            </a:r>
+            <a:r>
+              <a:rPr kumimoji="1" lang="ja-JP" altLang="en-US" sz="1400" dirty="0"/>
+              <a:t>ポスト</a:t>
+            </a:r>
+            <a:br>
+              <a:rPr kumimoji="1" lang="en-US" altLang="ja-JP" sz="1400" dirty="0"/>
+            </a:br>
+            <a:r>
+              <a:rPr kumimoji="1" lang="ja-JP" altLang="en-US" sz="1400" dirty="0"/>
+              <a:t>データ</a:t>
+            </a:r>
+            <a:endParaRPr kumimoji="1" lang="en-US" altLang="ja-JP" sz="1400" dirty="0"/>
+          </a:p>
+        </p:txBody>
+      </p:sp>
+      <p:sp>
+        <p:nvSpPr>
+          <p:cNvPr id="5" name="正方形/長方形 4">
+            <a:extLst>
+              <a:ext uri="{FF2B5EF4-FFF2-40B4-BE49-F238E27FC236}">
+                <a16:creationId xmlns:a16="http://schemas.microsoft.com/office/drawing/2014/main" id="{686B0486-0763-22BF-CCF5-8D1AB7951634}"/>
+              </a:ext>
+            </a:extLst>
+          </p:cNvPr>
+          <p:cNvSpPr/>
+          <p:nvPr/>
+        </p:nvSpPr>
+        <p:spPr>
+          <a:xfrm>
+            <a:off x="7738280" y="3668835"/>
+            <a:ext cx="1692323" cy="600501"/>
+          </a:xfrm>
+          <a:prstGeom prst="rect">
+            <a:avLst/>
+          </a:prstGeom>
+        </p:spPr>
+        <p:style>
+          <a:lnRef idx="2">
+            <a:schemeClr val="accent1">
+              <a:shade val="15000"/>
+            </a:schemeClr>
+          </a:lnRef>
+          <a:fillRef idx="1">
+            <a:schemeClr val="accent1"/>
+          </a:fillRef>
+          <a:effectRef idx="0">
+            <a:schemeClr val="accent1"/>
+          </a:effectRef>
+          <a:fontRef idx="minor">
+            <a:schemeClr val="lt1"/>
+          </a:fontRef>
+        </p:style>
+        <p:txBody>
+          <a:bodyPr rtlCol="0" anchor="ctr"/>
+          <a:lstStyle/>
+          <a:p>
+            <a:pPr algn="ctr"/>
+            <a:r>
+              <a:rPr lang="ja-JP" altLang="en-US" sz="1400" dirty="0"/>
+              <a:t>トピック分析部</a:t>
+            </a:r>
+            <a:endParaRPr kumimoji="1" lang="en-US" altLang="ja-JP" sz="1400" dirty="0"/>
+          </a:p>
+        </p:txBody>
+      </p:sp>
+      <p:sp>
+        <p:nvSpPr>
+          <p:cNvPr id="6" name="正方形/長方形 5">
+            <a:extLst>
+              <a:ext uri="{FF2B5EF4-FFF2-40B4-BE49-F238E27FC236}">
+                <a16:creationId xmlns:a16="http://schemas.microsoft.com/office/drawing/2014/main" id="{B82506E9-565A-BEB2-4CF4-4359F5F6BE49}"/>
+              </a:ext>
+            </a:extLst>
+          </p:cNvPr>
+          <p:cNvSpPr/>
+          <p:nvPr/>
+        </p:nvSpPr>
+        <p:spPr>
+          <a:xfrm>
+            <a:off x="7738277" y="4787613"/>
+            <a:ext cx="1692323" cy="600501"/>
+          </a:xfrm>
+          <a:prstGeom prst="rect">
+            <a:avLst/>
+          </a:prstGeom>
+        </p:spPr>
+        <p:style>
+          <a:lnRef idx="2">
+            <a:schemeClr val="accent1">
+              <a:shade val="15000"/>
+            </a:schemeClr>
+          </a:lnRef>
+          <a:fillRef idx="1">
+            <a:schemeClr val="accent1"/>
+          </a:fillRef>
+          <a:effectRef idx="0">
+            <a:schemeClr val="accent1"/>
+          </a:effectRef>
+          <a:fontRef idx="minor">
+            <a:schemeClr val="lt1"/>
+          </a:fontRef>
+        </p:style>
+        <p:txBody>
+          <a:bodyPr rtlCol="0" anchor="ctr"/>
+          <a:lstStyle/>
+          <a:p>
+            <a:pPr algn="ctr"/>
+            <a:r>
+              <a:rPr lang="ja-JP" altLang="en-US" sz="1400" dirty="0"/>
+              <a:t>感情分析部</a:t>
+            </a:r>
+            <a:endParaRPr kumimoji="1" lang="en-US" altLang="ja-JP" sz="1400" dirty="0"/>
+          </a:p>
+        </p:txBody>
+      </p:sp>
+      <p:sp>
+        <p:nvSpPr>
+          <p:cNvPr id="7" name="正方形/長方形 6">
+            <a:extLst>
+              <a:ext uri="{FF2B5EF4-FFF2-40B4-BE49-F238E27FC236}">
+                <a16:creationId xmlns:a16="http://schemas.microsoft.com/office/drawing/2014/main" id="{E0F645D1-028C-8817-96DE-EE3172EB6ED3}"/>
+              </a:ext>
+            </a:extLst>
+          </p:cNvPr>
+          <p:cNvSpPr/>
+          <p:nvPr/>
+        </p:nvSpPr>
+        <p:spPr>
+          <a:xfrm>
+            <a:off x="7738278" y="5892374"/>
+            <a:ext cx="1692323" cy="600501"/>
+          </a:xfrm>
+          <a:prstGeom prst="rect">
+            <a:avLst/>
+          </a:prstGeom>
+        </p:spPr>
+        <p:style>
+          <a:lnRef idx="2">
+            <a:schemeClr val="accent1">
+              <a:shade val="15000"/>
+            </a:schemeClr>
+          </a:lnRef>
+          <a:fillRef idx="1">
+            <a:schemeClr val="accent1"/>
+          </a:fillRef>
+          <a:effectRef idx="0">
+            <a:schemeClr val="accent1"/>
+          </a:effectRef>
+          <a:fontRef idx="minor">
+            <a:schemeClr val="lt1"/>
+          </a:fontRef>
+        </p:style>
+        <p:txBody>
+          <a:bodyPr rtlCol="0" anchor="ctr"/>
+          <a:lstStyle/>
+          <a:p>
+            <a:pPr algn="ctr"/>
+            <a:r>
+              <a:rPr lang="ja-JP" altLang="en-US" sz="1400" dirty="0"/>
+              <a:t>単語分析部</a:t>
+            </a:r>
+            <a:endParaRPr kumimoji="1" lang="en-US" altLang="ja-JP" sz="1400" dirty="0"/>
+          </a:p>
+        </p:txBody>
+      </p:sp>
+      <p:sp>
+        <p:nvSpPr>
+          <p:cNvPr id="8" name="正方形/長方形 7">
+            <a:extLst>
+              <a:ext uri="{FF2B5EF4-FFF2-40B4-BE49-F238E27FC236}">
+                <a16:creationId xmlns:a16="http://schemas.microsoft.com/office/drawing/2014/main" id="{076082EE-A0E1-623C-1B3A-D422D62709F6}"/>
+              </a:ext>
+            </a:extLst>
+          </p:cNvPr>
+          <p:cNvSpPr/>
+          <p:nvPr/>
+        </p:nvSpPr>
+        <p:spPr>
+          <a:xfrm>
+            <a:off x="9957180" y="2492054"/>
+            <a:ext cx="1692323" cy="600501"/>
+          </a:xfrm>
+          <a:prstGeom prst="rect">
+            <a:avLst/>
+          </a:prstGeom>
+        </p:spPr>
+        <p:style>
+          <a:lnRef idx="2">
+            <a:schemeClr val="accent1">
+              <a:shade val="15000"/>
+            </a:schemeClr>
+          </a:lnRef>
+          <a:fillRef idx="1">
+            <a:schemeClr val="accent1"/>
+          </a:fillRef>
+          <a:effectRef idx="0">
+            <a:schemeClr val="accent1"/>
+          </a:effectRef>
+          <a:fontRef idx="minor">
+            <a:schemeClr val="lt1"/>
+          </a:fontRef>
+        </p:style>
+        <p:txBody>
+          <a:bodyPr rtlCol="0" anchor="ctr"/>
+          <a:lstStyle/>
+          <a:p>
+            <a:pPr algn="ctr"/>
+            <a:r>
+              <a:rPr lang="en-US" altLang="ja-JP" sz="1400" dirty="0"/>
+              <a:t>WRIME</a:t>
+            </a:r>
+            <a:br>
+              <a:rPr lang="en-US" altLang="ja-JP" sz="1400" dirty="0"/>
+            </a:br>
+            <a:r>
+              <a:rPr kumimoji="1" lang="ja-JP" altLang="en-US" sz="1400" dirty="0"/>
+              <a:t>データ</a:t>
+            </a:r>
+            <a:endParaRPr kumimoji="1" lang="en-US" altLang="ja-JP" sz="1400" dirty="0"/>
+          </a:p>
+        </p:txBody>
+      </p:sp>
+      <p:sp>
+        <p:nvSpPr>
+          <p:cNvPr id="9" name="正方形/長方形 8">
+            <a:extLst>
+              <a:ext uri="{FF2B5EF4-FFF2-40B4-BE49-F238E27FC236}">
+                <a16:creationId xmlns:a16="http://schemas.microsoft.com/office/drawing/2014/main" id="{72E97CA7-61D8-AAE4-39F6-2BADA8522237}"/>
+              </a:ext>
+            </a:extLst>
+          </p:cNvPr>
+          <p:cNvSpPr/>
+          <p:nvPr/>
+        </p:nvSpPr>
+        <p:spPr>
+          <a:xfrm>
+            <a:off x="9957175" y="3675493"/>
+            <a:ext cx="1692323" cy="600501"/>
+          </a:xfrm>
+          <a:prstGeom prst="rect">
+            <a:avLst/>
+          </a:prstGeom>
+        </p:spPr>
+        <p:style>
+          <a:lnRef idx="2">
+            <a:schemeClr val="accent1">
+              <a:shade val="15000"/>
+            </a:schemeClr>
+          </a:lnRef>
+          <a:fillRef idx="1">
+            <a:schemeClr val="accent1"/>
+          </a:fillRef>
+          <a:effectRef idx="0">
+            <a:schemeClr val="accent1"/>
+          </a:effectRef>
+          <a:fontRef idx="minor">
+            <a:schemeClr val="lt1"/>
+          </a:fontRef>
+        </p:style>
+        <p:txBody>
+          <a:bodyPr rtlCol="0" anchor="ctr"/>
+          <a:lstStyle/>
+          <a:p>
+            <a:pPr algn="ctr"/>
+            <a:r>
+              <a:rPr kumimoji="1" lang="ja-JP" altLang="en-US" sz="1400" dirty="0"/>
+              <a:t>学習済モデル</a:t>
+            </a:r>
+            <a:endParaRPr kumimoji="1" lang="en-US" altLang="ja-JP" sz="1400" dirty="0"/>
+          </a:p>
+        </p:txBody>
+      </p:sp>
+      <p:cxnSp>
+        <p:nvCxnSpPr>
+          <p:cNvPr id="11" name="直線矢印コネクタ 10">
+            <a:extLst>
+              <a:ext uri="{FF2B5EF4-FFF2-40B4-BE49-F238E27FC236}">
+                <a16:creationId xmlns:a16="http://schemas.microsoft.com/office/drawing/2014/main" id="{505A078A-1630-8A62-EA4E-9C8898EA366D}"/>
+              </a:ext>
+            </a:extLst>
+          </p:cNvPr>
+          <p:cNvCxnSpPr>
+            <a:cxnSpLocks/>
+            <a:stCxn id="4" idx="2"/>
+            <a:endCxn id="5" idx="0"/>
+          </p:cNvCxnSpPr>
+          <p:nvPr/>
+        </p:nvCxnSpPr>
+        <p:spPr>
+          <a:xfrm flipH="1">
+            <a:off x="8584442" y="3092555"/>
+            <a:ext cx="1" cy="576280"/>
+          </a:xfrm>
+          <a:prstGeom prst="straightConnector1">
+            <a:avLst/>
+          </a:prstGeom>
+          <a:ln w="63500">
+            <a:tailEnd type="triangle"/>
+          </a:ln>
+        </p:spPr>
+        <p:style>
+          <a:lnRef idx="2">
+            <a:schemeClr val="accent1"/>
+          </a:lnRef>
+          <a:fillRef idx="0">
+            <a:schemeClr val="accent1"/>
+          </a:fillRef>
+          <a:effectRef idx="1">
+            <a:schemeClr val="accent1"/>
+          </a:effectRef>
+          <a:fontRef idx="minor">
+            <a:schemeClr val="tx1"/>
+          </a:fontRef>
+        </p:style>
+      </p:cxnSp>
+      <p:cxnSp>
+        <p:nvCxnSpPr>
+          <p:cNvPr id="13" name="直線矢印コネクタ 12">
+            <a:extLst>
+              <a:ext uri="{FF2B5EF4-FFF2-40B4-BE49-F238E27FC236}">
+                <a16:creationId xmlns:a16="http://schemas.microsoft.com/office/drawing/2014/main" id="{171A3EDE-CFD1-051F-5A32-7596B4A30D51}"/>
+              </a:ext>
+            </a:extLst>
+          </p:cNvPr>
+          <p:cNvCxnSpPr>
+            <a:cxnSpLocks/>
+            <a:stCxn id="5" idx="2"/>
+            <a:endCxn id="6" idx="0"/>
+          </p:cNvCxnSpPr>
+          <p:nvPr/>
+        </p:nvCxnSpPr>
+        <p:spPr>
+          <a:xfrm flipH="1">
+            <a:off x="8584439" y="4269336"/>
+            <a:ext cx="3" cy="518277"/>
+          </a:xfrm>
+          <a:prstGeom prst="straightConnector1">
+            <a:avLst/>
+          </a:prstGeom>
+          <a:ln w="63500">
+            <a:tailEnd type="triangle"/>
+          </a:ln>
+        </p:spPr>
+        <p:style>
+          <a:lnRef idx="2">
+            <a:schemeClr val="accent1"/>
+          </a:lnRef>
+          <a:fillRef idx="0">
+            <a:schemeClr val="accent1"/>
+          </a:fillRef>
+          <a:effectRef idx="1">
+            <a:schemeClr val="accent1"/>
+          </a:effectRef>
+          <a:fontRef idx="minor">
+            <a:schemeClr val="tx1"/>
+          </a:fontRef>
+        </p:style>
+      </p:cxnSp>
+      <p:cxnSp>
+        <p:nvCxnSpPr>
+          <p:cNvPr id="14" name="直線矢印コネクタ 13">
+            <a:extLst>
+              <a:ext uri="{FF2B5EF4-FFF2-40B4-BE49-F238E27FC236}">
+                <a16:creationId xmlns:a16="http://schemas.microsoft.com/office/drawing/2014/main" id="{79E32B28-5B28-6312-3DA5-1B2EA1A3DFD4}"/>
+              </a:ext>
+            </a:extLst>
+          </p:cNvPr>
+          <p:cNvCxnSpPr>
+            <a:cxnSpLocks/>
+            <a:stCxn id="6" idx="2"/>
+            <a:endCxn id="7" idx="0"/>
+          </p:cNvCxnSpPr>
+          <p:nvPr/>
+        </p:nvCxnSpPr>
+        <p:spPr>
+          <a:xfrm>
+            <a:off x="8584439" y="5388114"/>
+            <a:ext cx="1" cy="504260"/>
+          </a:xfrm>
+          <a:prstGeom prst="straightConnector1">
+            <a:avLst/>
+          </a:prstGeom>
+          <a:ln w="63500">
+            <a:tailEnd type="triangle"/>
+          </a:ln>
+        </p:spPr>
+        <p:style>
+          <a:lnRef idx="2">
+            <a:schemeClr val="accent1"/>
+          </a:lnRef>
+          <a:fillRef idx="0">
+            <a:schemeClr val="accent1"/>
+          </a:fillRef>
+          <a:effectRef idx="1">
+            <a:schemeClr val="accent1"/>
+          </a:effectRef>
+          <a:fontRef idx="minor">
+            <a:schemeClr val="tx1"/>
+          </a:fontRef>
+        </p:style>
+      </p:cxnSp>
+      <p:cxnSp>
+        <p:nvCxnSpPr>
+          <p:cNvPr id="15" name="直線矢印コネクタ 14">
+            <a:extLst>
+              <a:ext uri="{FF2B5EF4-FFF2-40B4-BE49-F238E27FC236}">
+                <a16:creationId xmlns:a16="http://schemas.microsoft.com/office/drawing/2014/main" id="{24182F17-CA4B-719F-5F4F-6C84E98C9C01}"/>
+              </a:ext>
+            </a:extLst>
+          </p:cNvPr>
+          <p:cNvCxnSpPr>
+            <a:cxnSpLocks/>
+            <a:stCxn id="8" idx="2"/>
+            <a:endCxn id="9" idx="0"/>
+          </p:cNvCxnSpPr>
+          <p:nvPr/>
+        </p:nvCxnSpPr>
+        <p:spPr>
+          <a:xfrm flipH="1">
+            <a:off x="10803337" y="3092555"/>
+            <a:ext cx="5" cy="582938"/>
+          </a:xfrm>
+          <a:prstGeom prst="straightConnector1">
+            <a:avLst/>
+          </a:prstGeom>
+          <a:ln w="63500">
+            <a:tailEnd type="triangle"/>
+          </a:ln>
+        </p:spPr>
+        <p:style>
+          <a:lnRef idx="2">
+            <a:schemeClr val="accent1"/>
+          </a:lnRef>
+          <a:fillRef idx="0">
+            <a:schemeClr val="accent1"/>
+          </a:fillRef>
+          <a:effectRef idx="1">
+            <a:schemeClr val="accent1"/>
+          </a:effectRef>
+          <a:fontRef idx="minor">
+            <a:schemeClr val="tx1"/>
+          </a:fontRef>
+        </p:style>
+      </p:cxnSp>
+      <p:cxnSp>
+        <p:nvCxnSpPr>
+          <p:cNvPr id="16" name="直線矢印コネクタ 15">
+            <a:extLst>
+              <a:ext uri="{FF2B5EF4-FFF2-40B4-BE49-F238E27FC236}">
+                <a16:creationId xmlns:a16="http://schemas.microsoft.com/office/drawing/2014/main" id="{3D0E2BA3-4235-E18C-777A-A41EC938835D}"/>
+              </a:ext>
+            </a:extLst>
+          </p:cNvPr>
+          <p:cNvCxnSpPr>
+            <a:cxnSpLocks/>
+            <a:stCxn id="9" idx="1"/>
+            <a:endCxn id="6" idx="3"/>
+          </p:cNvCxnSpPr>
+          <p:nvPr/>
+        </p:nvCxnSpPr>
+        <p:spPr>
+          <a:xfrm flipH="1">
+            <a:off x="9430600" y="3975744"/>
+            <a:ext cx="526575" cy="1112120"/>
+          </a:xfrm>
+          <a:prstGeom prst="straightConnector1">
+            <a:avLst/>
+          </a:prstGeom>
+          <a:ln w="63500">
+            <a:tailEnd type="triangle"/>
+          </a:ln>
+        </p:spPr>
+        <p:style>
+          <a:lnRef idx="2">
+            <a:schemeClr val="accent1"/>
+          </a:lnRef>
+          <a:fillRef idx="0">
+            <a:schemeClr val="accent1"/>
+          </a:fillRef>
+          <a:effectRef idx="1">
+            <a:schemeClr val="accent1"/>
+          </a:effectRef>
+          <a:fontRef idx="minor">
+            <a:schemeClr val="tx1"/>
+          </a:fontRef>
+        </p:style>
+      </p:cxnSp>
+      <p:cxnSp>
+        <p:nvCxnSpPr>
+          <p:cNvPr id="20" name="直線矢印コネクタ 19">
+            <a:extLst>
+              <a:ext uri="{FF2B5EF4-FFF2-40B4-BE49-F238E27FC236}">
+                <a16:creationId xmlns:a16="http://schemas.microsoft.com/office/drawing/2014/main" id="{46100B52-C3D5-1C5E-37B9-0B7F31FE3554}"/>
+              </a:ext>
+            </a:extLst>
+          </p:cNvPr>
+          <p:cNvCxnSpPr>
+            <a:cxnSpLocks/>
+            <a:stCxn id="9" idx="1"/>
+            <a:endCxn id="5" idx="3"/>
+          </p:cNvCxnSpPr>
+          <p:nvPr/>
+        </p:nvCxnSpPr>
+        <p:spPr>
+          <a:xfrm flipH="1" flipV="1">
+            <a:off x="9430603" y="3969086"/>
+            <a:ext cx="526572" cy="6658"/>
+          </a:xfrm>
+          <a:prstGeom prst="straightConnector1">
+            <a:avLst/>
+          </a:prstGeom>
+          <a:ln w="63500">
+            <a:tailEnd type="triangle"/>
+          </a:ln>
+        </p:spPr>
+        <p:style>
+          <a:lnRef idx="2">
+            <a:schemeClr val="accent1"/>
+          </a:lnRef>
+          <a:fillRef idx="0">
+            <a:schemeClr val="accent1"/>
+          </a:fillRef>
+          <a:effectRef idx="1">
+            <a:schemeClr val="accent1"/>
+          </a:effectRef>
+          <a:fontRef idx="minor">
+            <a:schemeClr val="tx1"/>
+          </a:fontRef>
+        </p:style>
+      </p:cxnSp>
+    </p:spTree>
+    <p:extLst>
+      <p:ext uri="{BB962C8B-B14F-4D97-AF65-F5344CB8AC3E}">
+        <p14:creationId xmlns:p14="http://schemas.microsoft.com/office/powerpoint/2010/main" val="3114806298"/>
+      </p:ext>
+    </p:extLst>
+  </p:cSld>
+  <p:clrMapOvr>
+    <a:masterClrMapping/>
+  </p:clrMapOvr>
+</p:sld>
+</file>
+
+<file path=ppt/slides/slide5.xml><?xml version="1.0" encoding="utf-8"?>
+<p:sld xmlns:a="http://schemas.openxmlformats.org/drawingml/2006/main" xmlns:r="http://schemas.openxmlformats.org/officeDocument/2006/relationships" xmlns:p="http://schemas.openxmlformats.org/presentationml/2006/main">
+  <p:cSld>
+    <p:spTree>
+      <p:nvGrpSpPr>
+        <p:cNvPr id="1" name=""/>
+        <p:cNvGrpSpPr/>
+        <p:nvPr/>
+      </p:nvGrpSpPr>
+      <p:grpSpPr>
+        <a:xfrm>
+          <a:off x="0" y="0"/>
+          <a:ext cx="0" cy="0"/>
+          <a:chOff x="0" y="0"/>
+          <a:chExt cx="0" cy="0"/>
+        </a:xfrm>
+      </p:grpSpPr>
+      <p:sp>
+        <p:nvSpPr>
+          <p:cNvPr id="2" name="タイトル 1">
+            <a:extLst>
+              <a:ext uri="{FF2B5EF4-FFF2-40B4-BE49-F238E27FC236}">
+                <a16:creationId xmlns:a16="http://schemas.microsoft.com/office/drawing/2014/main" id="{4A8B7AA8-A899-4ED1-32E4-6674DFD12740}"/>
+              </a:ext>
+            </a:extLst>
+          </p:cNvPr>
+          <p:cNvSpPr>
+            <a:spLocks noGrp="1"/>
+          </p:cNvSpPr>
+          <p:nvPr>
+            <p:ph type="title"/>
+          </p:nvPr>
+        </p:nvSpPr>
+        <p:spPr/>
+        <p:txBody>
+          <a:bodyPr/>
+          <a:lstStyle/>
+          <a:p>
+            <a:r>
+              <a:rPr kumimoji="1" lang="en-US" altLang="ja-JP" dirty="0"/>
+              <a:t>BA</a:t>
+            </a:r>
+            <a:r>
+              <a:rPr kumimoji="1" lang="ja-JP" altLang="en-US" dirty="0"/>
+              <a:t>画面開発について</a:t>
+            </a:r>
+          </a:p>
+        </p:txBody>
+      </p:sp>
+      <p:sp>
+        <p:nvSpPr>
+          <p:cNvPr id="3" name="コンテンツ プレースホルダー 2">
+            <a:extLst>
+              <a:ext uri="{FF2B5EF4-FFF2-40B4-BE49-F238E27FC236}">
+                <a16:creationId xmlns:a16="http://schemas.microsoft.com/office/drawing/2014/main" id="{4F1A8083-BA5A-81CC-664E-AB6DDCDBFAD0}"/>
+              </a:ext>
+            </a:extLst>
+          </p:cNvPr>
+          <p:cNvSpPr>
+            <a:spLocks noGrp="1"/>
+          </p:cNvSpPr>
+          <p:nvPr>
+            <p:ph idx="1"/>
+          </p:nvPr>
+        </p:nvSpPr>
+        <p:spPr/>
+        <p:txBody>
+          <a:bodyPr/>
+          <a:lstStyle/>
+          <a:p>
+            <a:r>
+              <a:rPr kumimoji="1" lang="ja-JP" altLang="en-US" dirty="0"/>
+              <a:t>トピック分析部・感情分析部・単語分析部</a:t>
+            </a:r>
+            <a:endParaRPr kumimoji="1" lang="en-US" altLang="ja-JP" dirty="0"/>
+          </a:p>
+          <a:p>
+            <a:pPr lvl="1"/>
+            <a:r>
+              <a:rPr lang="ja-JP" altLang="en-US" dirty="0"/>
+              <a:t>３種類の各出力を</a:t>
+            </a:r>
+            <a:r>
+              <a:rPr lang="ja-JP" altLang="en-US" dirty="0">
+                <a:solidFill>
+                  <a:srgbClr val="FF0000"/>
+                </a:solidFill>
+              </a:rPr>
+              <a:t>背景理論を理解させることなく理解させる</a:t>
+            </a:r>
+            <a:endParaRPr lang="en-US" altLang="ja-JP" dirty="0">
+              <a:solidFill>
+                <a:srgbClr val="FF0000"/>
+              </a:solidFill>
+            </a:endParaRPr>
+          </a:p>
+          <a:p>
+            <a:endParaRPr kumimoji="1" lang="en-US" altLang="ja-JP" dirty="0"/>
+          </a:p>
+          <a:p>
+            <a:r>
+              <a:rPr lang="ja-JP" altLang="en-US" dirty="0"/>
+              <a:t>おおむねの視覚的構想は以下の３つ</a:t>
+            </a:r>
+            <a:endParaRPr lang="en-US" altLang="ja-JP" dirty="0"/>
+          </a:p>
+          <a:p>
+            <a:endParaRPr kumimoji="1" lang="en-US" altLang="ja-JP" dirty="0"/>
+          </a:p>
+          <a:p>
+            <a:endParaRPr kumimoji="1" lang="ja-JP" altLang="en-US" dirty="0"/>
+          </a:p>
+        </p:txBody>
+      </p:sp>
+      <p:sp>
+        <p:nvSpPr>
+          <p:cNvPr id="4" name="雲 3">
+            <a:extLst>
+              <a:ext uri="{FF2B5EF4-FFF2-40B4-BE49-F238E27FC236}">
+                <a16:creationId xmlns:a16="http://schemas.microsoft.com/office/drawing/2014/main" id="{25F079A7-4221-95C6-0841-970DF639E595}"/>
+              </a:ext>
+            </a:extLst>
+          </p:cNvPr>
+          <p:cNvSpPr/>
+          <p:nvPr/>
+        </p:nvSpPr>
+        <p:spPr>
+          <a:xfrm>
+            <a:off x="1801503" y="4121623"/>
+            <a:ext cx="2579427" cy="1419367"/>
+          </a:xfrm>
+          <a:prstGeom prst="cloud">
+            <a:avLst/>
+          </a:prstGeom>
+          <a:solidFill>
+            <a:schemeClr val="accent5">
+              <a:lumMod val="40000"/>
+              <a:lumOff val="60000"/>
+            </a:schemeClr>
+          </a:solidFill>
+        </p:spPr>
+        <p:style>
+          <a:lnRef idx="2">
+            <a:schemeClr val="accent1">
+              <a:shade val="15000"/>
+            </a:schemeClr>
+          </a:lnRef>
+          <a:fillRef idx="1">
+            <a:schemeClr val="accent1"/>
+          </a:fillRef>
+          <a:effectRef idx="0">
+            <a:schemeClr val="accent1"/>
+          </a:effectRef>
+          <a:fontRef idx="minor">
+            <a:schemeClr val="lt1"/>
+          </a:fontRef>
+        </p:style>
+        <p:txBody>
+          <a:bodyPr rtlCol="0" anchor="ctr"/>
+          <a:lstStyle/>
+          <a:p>
+            <a:pPr algn="ctr"/>
+            <a:r>
+              <a:rPr lang="ja-JP" altLang="en-US" dirty="0"/>
+              <a:t>ユーザー</a:t>
+            </a:r>
+            <a:br>
+              <a:rPr lang="en-US" altLang="ja-JP" dirty="0"/>
+            </a:br>
+            <a:r>
+              <a:rPr lang="ja-JP" altLang="en-US" dirty="0"/>
+              <a:t>グループ</a:t>
+            </a:r>
+            <a:br>
+              <a:rPr lang="en-US" altLang="ja-JP" dirty="0"/>
+            </a:br>
+            <a:r>
+              <a:rPr lang="ja-JP" altLang="en-US" dirty="0"/>
+              <a:t>画面</a:t>
+            </a:r>
+            <a:endParaRPr kumimoji="1" lang="ja-JP" altLang="en-US" dirty="0"/>
+          </a:p>
+        </p:txBody>
+      </p:sp>
+      <p:sp>
+        <p:nvSpPr>
+          <p:cNvPr id="5" name="雲 4">
+            <a:extLst>
+              <a:ext uri="{FF2B5EF4-FFF2-40B4-BE49-F238E27FC236}">
+                <a16:creationId xmlns:a16="http://schemas.microsoft.com/office/drawing/2014/main" id="{BD5C4954-92A2-A2C8-8AC7-516F01D83590}"/>
+              </a:ext>
+            </a:extLst>
+          </p:cNvPr>
+          <p:cNvSpPr/>
+          <p:nvPr/>
+        </p:nvSpPr>
+        <p:spPr>
+          <a:xfrm>
+            <a:off x="7481246" y="3659874"/>
+            <a:ext cx="2579427" cy="1419367"/>
+          </a:xfrm>
+          <a:prstGeom prst="cloud">
+            <a:avLst/>
+          </a:prstGeom>
+          <a:solidFill>
+            <a:schemeClr val="accent5">
+              <a:lumMod val="40000"/>
+              <a:lumOff val="60000"/>
+            </a:schemeClr>
+          </a:solidFill>
+        </p:spPr>
+        <p:style>
+          <a:lnRef idx="2">
+            <a:schemeClr val="accent1">
+              <a:shade val="15000"/>
+            </a:schemeClr>
+          </a:lnRef>
+          <a:fillRef idx="1">
+            <a:schemeClr val="accent1"/>
+          </a:fillRef>
+          <a:effectRef idx="0">
+            <a:schemeClr val="accent1"/>
+          </a:effectRef>
+          <a:fontRef idx="minor">
+            <a:schemeClr val="lt1"/>
+          </a:fontRef>
+        </p:style>
+        <p:txBody>
+          <a:bodyPr rtlCol="0" anchor="ctr"/>
+          <a:lstStyle/>
+          <a:p>
+            <a:pPr algn="ctr"/>
+            <a:r>
+              <a:rPr lang="en-US" altLang="ja-JP" dirty="0"/>
+              <a:t>X –POST</a:t>
+            </a:r>
+            <a:br>
+              <a:rPr lang="en-US" altLang="ja-JP" dirty="0"/>
+            </a:br>
+            <a:r>
+              <a:rPr lang="ja-JP" altLang="en-US" dirty="0"/>
+              <a:t>データ</a:t>
+            </a:r>
+            <a:br>
+              <a:rPr lang="en-US" altLang="ja-JP" dirty="0"/>
+            </a:br>
+            <a:r>
+              <a:rPr lang="ja-JP" altLang="en-US" dirty="0"/>
+              <a:t>画面</a:t>
+            </a:r>
+            <a:endParaRPr kumimoji="1" lang="ja-JP" altLang="en-US" dirty="0"/>
+          </a:p>
+        </p:txBody>
+      </p:sp>
+      <p:sp>
+        <p:nvSpPr>
+          <p:cNvPr id="6" name="雲 5">
+            <a:extLst>
+              <a:ext uri="{FF2B5EF4-FFF2-40B4-BE49-F238E27FC236}">
+                <a16:creationId xmlns:a16="http://schemas.microsoft.com/office/drawing/2014/main" id="{35B84BCE-2B20-5910-C89B-51C50513643F}"/>
+              </a:ext>
+            </a:extLst>
+          </p:cNvPr>
+          <p:cNvSpPr/>
+          <p:nvPr/>
+        </p:nvSpPr>
+        <p:spPr>
+          <a:xfrm>
+            <a:off x="5067867" y="5306457"/>
+            <a:ext cx="2579427" cy="1419367"/>
+          </a:xfrm>
+          <a:prstGeom prst="cloud">
+            <a:avLst/>
+          </a:prstGeom>
+          <a:solidFill>
+            <a:schemeClr val="accent5">
+              <a:lumMod val="40000"/>
+              <a:lumOff val="60000"/>
+            </a:schemeClr>
+          </a:solidFill>
+        </p:spPr>
+        <p:style>
+          <a:lnRef idx="2">
+            <a:schemeClr val="accent1">
+              <a:shade val="15000"/>
+            </a:schemeClr>
+          </a:lnRef>
+          <a:fillRef idx="1">
+            <a:schemeClr val="accent1"/>
+          </a:fillRef>
+          <a:effectRef idx="0">
+            <a:schemeClr val="accent1"/>
+          </a:effectRef>
+          <a:fontRef idx="minor">
+            <a:schemeClr val="lt1"/>
+          </a:fontRef>
+        </p:style>
+        <p:txBody>
+          <a:bodyPr rtlCol="0" anchor="ctr"/>
+          <a:lstStyle/>
+          <a:p>
+            <a:pPr algn="ctr"/>
+            <a:r>
+              <a:rPr lang="ja-JP" altLang="en-US" dirty="0"/>
+              <a:t>単語分析</a:t>
+            </a:r>
+            <a:br>
+              <a:rPr lang="en-US" altLang="ja-JP" dirty="0"/>
+            </a:br>
+            <a:r>
+              <a:rPr lang="ja-JP" altLang="en-US" dirty="0"/>
+              <a:t>画面</a:t>
+            </a:r>
+            <a:endParaRPr kumimoji="1" lang="ja-JP" altLang="en-US" dirty="0"/>
+          </a:p>
+        </p:txBody>
+      </p:sp>
+      <p:sp>
+        <p:nvSpPr>
+          <p:cNvPr id="7" name="四角形: 対角を丸める 6">
+            <a:extLst>
+              <a:ext uri="{FF2B5EF4-FFF2-40B4-BE49-F238E27FC236}">
+                <a16:creationId xmlns:a16="http://schemas.microsoft.com/office/drawing/2014/main" id="{F1289388-D893-7D5F-6274-334F1668D796}"/>
+              </a:ext>
+            </a:extLst>
+          </p:cNvPr>
+          <p:cNvSpPr/>
+          <p:nvPr/>
+        </p:nvSpPr>
+        <p:spPr>
+          <a:xfrm>
+            <a:off x="3829332" y="3858207"/>
+            <a:ext cx="1514901" cy="600502"/>
+          </a:xfrm>
+          <a:prstGeom prst="round2DiagRect">
+            <a:avLst/>
+          </a:prstGeom>
+          <a:solidFill>
+            <a:schemeClr val="accent4">
+              <a:lumMod val="20000"/>
+              <a:lumOff val="80000"/>
+            </a:schemeClr>
+          </a:solidFill>
+        </p:spPr>
+        <p:style>
+          <a:lnRef idx="2">
+            <a:schemeClr val="accent1">
+              <a:shade val="15000"/>
+            </a:schemeClr>
+          </a:lnRef>
+          <a:fillRef idx="1">
+            <a:schemeClr val="accent1"/>
+          </a:fillRef>
+          <a:effectRef idx="0">
+            <a:schemeClr val="accent1"/>
+          </a:effectRef>
+          <a:fontRef idx="minor">
+            <a:schemeClr val="lt1"/>
+          </a:fontRef>
+        </p:style>
+        <p:txBody>
+          <a:bodyPr rtlCol="0" anchor="ctr"/>
+          <a:lstStyle/>
+          <a:p>
+            <a:pPr algn="ctr"/>
+            <a:r>
+              <a:rPr kumimoji="1" lang="ja-JP" altLang="en-US" dirty="0">
+                <a:solidFill>
+                  <a:schemeClr val="tx1"/>
+                </a:solidFill>
+              </a:rPr>
+              <a:t>トピック</a:t>
+            </a:r>
+            <a:br>
+              <a:rPr kumimoji="1" lang="en-US" altLang="ja-JP" dirty="0">
+                <a:solidFill>
+                  <a:schemeClr val="tx1"/>
+                </a:solidFill>
+              </a:rPr>
+            </a:br>
+            <a:r>
+              <a:rPr kumimoji="1" lang="ja-JP" altLang="en-US" dirty="0">
+                <a:solidFill>
+                  <a:schemeClr val="tx1"/>
+                </a:solidFill>
+              </a:rPr>
+              <a:t>分析結果</a:t>
+            </a:r>
+          </a:p>
+        </p:txBody>
+      </p:sp>
+      <p:sp>
+        <p:nvSpPr>
+          <p:cNvPr id="8" name="四角形: 対角を丸める 7">
+            <a:extLst>
+              <a:ext uri="{FF2B5EF4-FFF2-40B4-BE49-F238E27FC236}">
+                <a16:creationId xmlns:a16="http://schemas.microsoft.com/office/drawing/2014/main" id="{031E52E8-F0A3-C6A9-6501-7875C2A31BC8}"/>
+              </a:ext>
+            </a:extLst>
+          </p:cNvPr>
+          <p:cNvSpPr/>
+          <p:nvPr/>
+        </p:nvSpPr>
+        <p:spPr>
+          <a:xfrm>
+            <a:off x="9527560" y="3376908"/>
+            <a:ext cx="1648536" cy="600502"/>
+          </a:xfrm>
+          <a:prstGeom prst="round2DiagRect">
+            <a:avLst/>
+          </a:prstGeom>
+          <a:solidFill>
+            <a:schemeClr val="accent4">
+              <a:lumMod val="20000"/>
+              <a:lumOff val="80000"/>
+            </a:schemeClr>
+          </a:solidFill>
+        </p:spPr>
+        <p:style>
+          <a:lnRef idx="2">
+            <a:schemeClr val="accent1">
+              <a:shade val="15000"/>
+            </a:schemeClr>
+          </a:lnRef>
+          <a:fillRef idx="1">
+            <a:schemeClr val="accent1"/>
+          </a:fillRef>
+          <a:effectRef idx="0">
+            <a:schemeClr val="accent1"/>
+          </a:effectRef>
+          <a:fontRef idx="minor">
+            <a:schemeClr val="lt1"/>
+          </a:fontRef>
+        </p:style>
+        <p:txBody>
+          <a:bodyPr rtlCol="0" anchor="ctr"/>
+          <a:lstStyle/>
+          <a:p>
+            <a:pPr algn="ctr"/>
+            <a:r>
+              <a:rPr kumimoji="1" lang="ja-JP" altLang="en-US" dirty="0">
+                <a:solidFill>
+                  <a:schemeClr val="tx1"/>
+                </a:solidFill>
+              </a:rPr>
+              <a:t>学習済モデル</a:t>
+            </a:r>
+            <a:br>
+              <a:rPr kumimoji="1" lang="en-US" altLang="ja-JP" dirty="0">
+                <a:solidFill>
+                  <a:schemeClr val="tx1"/>
+                </a:solidFill>
+              </a:rPr>
+            </a:br>
+            <a:r>
+              <a:rPr kumimoji="1" lang="ja-JP" altLang="en-US" dirty="0">
+                <a:solidFill>
+                  <a:schemeClr val="tx1"/>
+                </a:solidFill>
+              </a:rPr>
+              <a:t>分析結果</a:t>
+            </a:r>
+          </a:p>
+        </p:txBody>
+      </p:sp>
+      <p:sp>
+        <p:nvSpPr>
+          <p:cNvPr id="9" name="四角形: 対角を丸める 8">
+            <a:extLst>
+              <a:ext uri="{FF2B5EF4-FFF2-40B4-BE49-F238E27FC236}">
+                <a16:creationId xmlns:a16="http://schemas.microsoft.com/office/drawing/2014/main" id="{4E071802-6F33-3584-8367-A4705C60296B}"/>
+              </a:ext>
+            </a:extLst>
+          </p:cNvPr>
+          <p:cNvSpPr/>
+          <p:nvPr/>
+        </p:nvSpPr>
+        <p:spPr>
+          <a:xfrm>
+            <a:off x="7200045" y="6016140"/>
+            <a:ext cx="1648536" cy="600502"/>
+          </a:xfrm>
+          <a:prstGeom prst="round2DiagRect">
+            <a:avLst/>
+          </a:prstGeom>
+          <a:solidFill>
+            <a:schemeClr val="accent4">
+              <a:lumMod val="20000"/>
+              <a:lumOff val="80000"/>
+            </a:schemeClr>
+          </a:solidFill>
+        </p:spPr>
+        <p:style>
+          <a:lnRef idx="2">
+            <a:schemeClr val="accent1">
+              <a:shade val="15000"/>
+            </a:schemeClr>
+          </a:lnRef>
+          <a:fillRef idx="1">
+            <a:schemeClr val="accent1"/>
+          </a:fillRef>
+          <a:effectRef idx="0">
+            <a:schemeClr val="accent1"/>
+          </a:effectRef>
+          <a:fontRef idx="minor">
+            <a:schemeClr val="lt1"/>
+          </a:fontRef>
+        </p:style>
+        <p:txBody>
+          <a:bodyPr rtlCol="0" anchor="ctr"/>
+          <a:lstStyle/>
+          <a:p>
+            <a:pPr algn="ctr"/>
+            <a:r>
+              <a:rPr lang="ja-JP" altLang="en-US" dirty="0">
+                <a:solidFill>
+                  <a:schemeClr val="tx1"/>
+                </a:solidFill>
+              </a:rPr>
+              <a:t>単語</a:t>
+            </a:r>
+            <a:br>
+              <a:rPr kumimoji="1" lang="en-US" altLang="ja-JP" dirty="0">
+                <a:solidFill>
+                  <a:schemeClr val="tx1"/>
+                </a:solidFill>
+              </a:rPr>
+            </a:br>
+            <a:r>
+              <a:rPr kumimoji="1" lang="ja-JP" altLang="en-US" dirty="0">
+                <a:solidFill>
+                  <a:schemeClr val="tx1"/>
+                </a:solidFill>
+              </a:rPr>
+              <a:t>分析結果</a:t>
+            </a:r>
+          </a:p>
+        </p:txBody>
+      </p:sp>
+      <p:sp>
+        <p:nvSpPr>
+          <p:cNvPr id="10" name="正方形/長方形 9">
+            <a:extLst>
+              <a:ext uri="{FF2B5EF4-FFF2-40B4-BE49-F238E27FC236}">
+                <a16:creationId xmlns:a16="http://schemas.microsoft.com/office/drawing/2014/main" id="{E4DB98AE-9A15-572B-255E-7E85E0EBD21E}"/>
+              </a:ext>
+            </a:extLst>
+          </p:cNvPr>
+          <p:cNvSpPr/>
+          <p:nvPr/>
+        </p:nvSpPr>
+        <p:spPr>
+          <a:xfrm>
+            <a:off x="9430603" y="5306457"/>
+            <a:ext cx="2088107" cy="1005443"/>
+          </a:xfrm>
+          <a:prstGeom prst="rect">
+            <a:avLst/>
+          </a:prstGeom>
+          <a:solidFill>
+            <a:schemeClr val="accent2">
+              <a:lumMod val="20000"/>
+              <a:lumOff val="80000"/>
+            </a:schemeClr>
+          </a:solidFill>
+        </p:spPr>
+        <p:style>
+          <a:lnRef idx="2">
+            <a:schemeClr val="accent1">
+              <a:shade val="15000"/>
+            </a:schemeClr>
+          </a:lnRef>
+          <a:fillRef idx="1">
+            <a:schemeClr val="accent1"/>
+          </a:fillRef>
+          <a:effectRef idx="0">
+            <a:schemeClr val="accent1"/>
+          </a:effectRef>
+          <a:fontRef idx="minor">
+            <a:schemeClr val="lt1"/>
+          </a:fontRef>
+        </p:style>
+        <p:txBody>
+          <a:bodyPr rtlCol="0" anchor="ctr"/>
+          <a:lstStyle/>
+          <a:p>
+            <a:pPr algn="ctr"/>
+            <a:r>
+              <a:rPr kumimoji="1" lang="ja-JP" altLang="en-US" dirty="0">
+                <a:solidFill>
+                  <a:schemeClr val="tx1"/>
+                </a:solidFill>
+              </a:rPr>
+              <a:t>全ての画面で</a:t>
+            </a:r>
+            <a:br>
+              <a:rPr kumimoji="1" lang="en-US" altLang="ja-JP" dirty="0">
+                <a:solidFill>
+                  <a:schemeClr val="tx1"/>
+                </a:solidFill>
+              </a:rPr>
+            </a:br>
+            <a:r>
+              <a:rPr kumimoji="1" lang="ja-JP" altLang="en-US" dirty="0">
+                <a:solidFill>
+                  <a:schemeClr val="tx1"/>
+                </a:solidFill>
+              </a:rPr>
+              <a:t>感情分析結果</a:t>
+            </a:r>
+            <a:r>
+              <a:rPr lang="ja-JP" altLang="en-US" dirty="0">
+                <a:solidFill>
+                  <a:schemeClr val="tx1"/>
+                </a:solidFill>
+              </a:rPr>
+              <a:t>を</a:t>
+            </a:r>
+            <a:br>
+              <a:rPr lang="en-US" altLang="ja-JP" dirty="0">
+                <a:solidFill>
+                  <a:schemeClr val="tx1"/>
+                </a:solidFill>
+              </a:rPr>
+            </a:br>
+            <a:r>
+              <a:rPr lang="ja-JP" altLang="en-US" dirty="0">
+                <a:solidFill>
+                  <a:schemeClr val="tx1"/>
+                </a:solidFill>
+              </a:rPr>
+              <a:t>利用する</a:t>
+            </a:r>
+            <a:endParaRPr kumimoji="1" lang="ja-JP" altLang="en-US" dirty="0">
+              <a:solidFill>
+                <a:schemeClr val="tx1"/>
+              </a:solidFill>
+            </a:endParaRPr>
+          </a:p>
+        </p:txBody>
+      </p:sp>
+      <p:cxnSp>
+        <p:nvCxnSpPr>
+          <p:cNvPr id="12" name="直線矢印コネクタ 11">
+            <a:extLst>
+              <a:ext uri="{FF2B5EF4-FFF2-40B4-BE49-F238E27FC236}">
+                <a16:creationId xmlns:a16="http://schemas.microsoft.com/office/drawing/2014/main" id="{1F235C15-5609-CA21-391F-3046A1F7AE8D}"/>
+              </a:ext>
+            </a:extLst>
+          </p:cNvPr>
+          <p:cNvCxnSpPr>
+            <a:stCxn id="4" idx="0"/>
+            <a:endCxn id="5" idx="2"/>
+          </p:cNvCxnSpPr>
+          <p:nvPr/>
+        </p:nvCxnSpPr>
+        <p:spPr>
+          <a:xfrm flipV="1">
+            <a:off x="4378780" y="4369558"/>
+            <a:ext cx="3110467" cy="461749"/>
+          </a:xfrm>
+          <a:prstGeom prst="straightConnector1">
+            <a:avLst/>
+          </a:prstGeom>
+          <a:ln w="63500">
+            <a:headEnd type="triangle"/>
+            <a:tailEnd type="triangle"/>
+          </a:ln>
+        </p:spPr>
+        <p:style>
+          <a:lnRef idx="2">
+            <a:schemeClr val="dk1"/>
+          </a:lnRef>
+          <a:fillRef idx="0">
+            <a:schemeClr val="dk1"/>
+          </a:fillRef>
+          <a:effectRef idx="1">
+            <a:schemeClr val="dk1"/>
+          </a:effectRef>
+          <a:fontRef idx="minor">
+            <a:schemeClr val="tx1"/>
+          </a:fontRef>
+        </p:style>
+      </p:cxnSp>
+      <p:cxnSp>
+        <p:nvCxnSpPr>
+          <p:cNvPr id="13" name="直線矢印コネクタ 12">
+            <a:extLst>
+              <a:ext uri="{FF2B5EF4-FFF2-40B4-BE49-F238E27FC236}">
+                <a16:creationId xmlns:a16="http://schemas.microsoft.com/office/drawing/2014/main" id="{933CF9EE-2397-F26E-3EC8-A70CB6DA3533}"/>
+              </a:ext>
+            </a:extLst>
+          </p:cNvPr>
+          <p:cNvCxnSpPr>
+            <a:cxnSpLocks/>
+            <a:stCxn id="4" idx="0"/>
+            <a:endCxn id="6" idx="3"/>
+          </p:cNvCxnSpPr>
+          <p:nvPr/>
+        </p:nvCxnSpPr>
+        <p:spPr>
+          <a:xfrm>
+            <a:off x="4378780" y="4831307"/>
+            <a:ext cx="1978801" cy="556304"/>
+          </a:xfrm>
+          <a:prstGeom prst="straightConnector1">
+            <a:avLst/>
+          </a:prstGeom>
+          <a:ln w="63500">
+            <a:headEnd type="triangle"/>
+            <a:tailEnd type="triangle"/>
+          </a:ln>
+        </p:spPr>
+        <p:style>
+          <a:lnRef idx="2">
+            <a:schemeClr val="dk1"/>
+          </a:lnRef>
+          <a:fillRef idx="0">
+            <a:schemeClr val="dk1"/>
+          </a:fillRef>
+          <a:effectRef idx="1">
+            <a:schemeClr val="dk1"/>
+          </a:effectRef>
+          <a:fontRef idx="minor">
+            <a:schemeClr val="tx1"/>
+          </a:fontRef>
+        </p:style>
+      </p:cxnSp>
+      <p:cxnSp>
+        <p:nvCxnSpPr>
+          <p:cNvPr id="16" name="直線矢印コネクタ 15">
+            <a:extLst>
+              <a:ext uri="{FF2B5EF4-FFF2-40B4-BE49-F238E27FC236}">
+                <a16:creationId xmlns:a16="http://schemas.microsoft.com/office/drawing/2014/main" id="{DDBFA2FC-B66B-D901-4E46-5476C10CCE23}"/>
+              </a:ext>
+            </a:extLst>
+          </p:cNvPr>
+          <p:cNvCxnSpPr>
+            <a:cxnSpLocks/>
+            <a:stCxn id="5" idx="2"/>
+            <a:endCxn id="6" idx="3"/>
+          </p:cNvCxnSpPr>
+          <p:nvPr/>
+        </p:nvCxnSpPr>
+        <p:spPr>
+          <a:xfrm flipH="1">
+            <a:off x="6357581" y="4369558"/>
+            <a:ext cx="1131666" cy="1018053"/>
+          </a:xfrm>
+          <a:prstGeom prst="straightConnector1">
+            <a:avLst/>
+          </a:prstGeom>
+          <a:ln w="63500">
+            <a:headEnd type="triangle"/>
+            <a:tailEnd type="triangle"/>
+          </a:ln>
+        </p:spPr>
+        <p:style>
+          <a:lnRef idx="2">
+            <a:schemeClr val="dk1"/>
+          </a:lnRef>
+          <a:fillRef idx="0">
+            <a:schemeClr val="dk1"/>
+          </a:fillRef>
+          <a:effectRef idx="1">
+            <a:schemeClr val="dk1"/>
+          </a:effectRef>
+          <a:fontRef idx="minor">
+            <a:schemeClr val="tx1"/>
+          </a:fontRef>
+        </p:style>
+      </p:cxnSp>
+      <p:sp>
+        <p:nvSpPr>
+          <p:cNvPr id="20" name="テキスト ボックス 19">
+            <a:extLst>
+              <a:ext uri="{FF2B5EF4-FFF2-40B4-BE49-F238E27FC236}">
+                <a16:creationId xmlns:a16="http://schemas.microsoft.com/office/drawing/2014/main" id="{46243BE2-EE4E-4B55-C5D9-9EEE0FFDD138}"/>
+              </a:ext>
+            </a:extLst>
+          </p:cNvPr>
+          <p:cNvSpPr txBox="1"/>
+          <p:nvPr/>
+        </p:nvSpPr>
+        <p:spPr>
+          <a:xfrm>
+            <a:off x="5629636" y="4592657"/>
+            <a:ext cx="1116965" cy="646331"/>
+          </a:xfrm>
+          <a:prstGeom prst="rect">
+            <a:avLst/>
+          </a:prstGeom>
+          <a:noFill/>
+        </p:spPr>
+        <p:txBody>
+          <a:bodyPr wrap="square" rtlCol="0">
+            <a:spAutoFit/>
+          </a:bodyPr>
+          <a:lstStyle/>
+          <a:p>
+            <a:r>
+              <a:rPr lang="ja-JP" altLang="en-US" dirty="0"/>
+              <a:t>遷移して</a:t>
+            </a:r>
+            <a:br>
+              <a:rPr lang="en-US" altLang="ja-JP" dirty="0"/>
+            </a:br>
+            <a:r>
+              <a:rPr lang="ja-JP" altLang="en-US" dirty="0"/>
+              <a:t>欲しい</a:t>
+            </a:r>
+            <a:endParaRPr lang="en-US" altLang="ja-JP" dirty="0"/>
+          </a:p>
+        </p:txBody>
+      </p:sp>
+    </p:spTree>
+    <p:extLst>
+      <p:ext uri="{BB962C8B-B14F-4D97-AF65-F5344CB8AC3E}">
+        <p14:creationId xmlns:p14="http://schemas.microsoft.com/office/powerpoint/2010/main" val="2279875947"/>
+      </p:ext>
+    </p:extLst>
+  </p:cSld>
+  <p:clrMapOvr>
+    <a:masterClrMapping/>
+  </p:clrMapOvr>
+</p:sld>
+</file>
+
+<file path=ppt/slides/slide6.xml><?xml version="1.0" encoding="utf-8"?>
+<p:sld xmlns:a="http://schemas.openxmlformats.org/drawingml/2006/main" xmlns:r="http://schemas.openxmlformats.org/officeDocument/2006/relationships" xmlns:p="http://schemas.openxmlformats.org/presentationml/2006/main">
+  <p:cSld>
+    <p:spTree>
+      <p:nvGrpSpPr>
+        <p:cNvPr id="1" name=""/>
+        <p:cNvGrpSpPr/>
+        <p:nvPr/>
+      </p:nvGrpSpPr>
+      <p:grpSpPr>
+        <a:xfrm>
+          <a:off x="0" y="0"/>
+          <a:ext cx="0" cy="0"/>
+          <a:chOff x="0" y="0"/>
+          <a:chExt cx="0" cy="0"/>
+        </a:xfrm>
+      </p:grpSpPr>
+      <p:sp>
+        <p:nvSpPr>
+          <p:cNvPr id="2" name="タイトル 1">
+            <a:extLst>
+              <a:ext uri="{FF2B5EF4-FFF2-40B4-BE49-F238E27FC236}">
+                <a16:creationId xmlns:a16="http://schemas.microsoft.com/office/drawing/2014/main" id="{F2FEBCD9-0361-0211-ED3F-83C56A0D8BC2}"/>
+              </a:ext>
+            </a:extLst>
+          </p:cNvPr>
+          <p:cNvSpPr>
+            <a:spLocks noGrp="1"/>
+          </p:cNvSpPr>
+          <p:nvPr>
+            <p:ph type="title"/>
+          </p:nvPr>
+        </p:nvSpPr>
+        <p:spPr/>
+        <p:txBody>
+          <a:bodyPr/>
+          <a:lstStyle/>
+          <a:p>
+            <a:r>
+              <a:rPr kumimoji="1" lang="en-US" altLang="ja-JP" dirty="0"/>
+              <a:t>BA</a:t>
+            </a:r>
+            <a:r>
+              <a:rPr kumimoji="1" lang="ja-JP" altLang="en-US" dirty="0"/>
+              <a:t>画面開発について</a:t>
+            </a:r>
+            <a:r>
+              <a:rPr kumimoji="1" lang="en-US" altLang="ja-JP" dirty="0"/>
+              <a:t>2</a:t>
+            </a:r>
+            <a:endParaRPr kumimoji="1" lang="ja-JP" altLang="en-US" dirty="0"/>
+          </a:p>
+        </p:txBody>
+      </p:sp>
+      <p:sp>
+        <p:nvSpPr>
+          <p:cNvPr id="3" name="コンテンツ プレースホルダー 2">
+            <a:extLst>
+              <a:ext uri="{FF2B5EF4-FFF2-40B4-BE49-F238E27FC236}">
+                <a16:creationId xmlns:a16="http://schemas.microsoft.com/office/drawing/2014/main" id="{B7657A87-2AA1-D63A-6A12-72EF36BC73A5}"/>
+              </a:ext>
+            </a:extLst>
+          </p:cNvPr>
+          <p:cNvSpPr>
+            <a:spLocks noGrp="1"/>
+          </p:cNvSpPr>
+          <p:nvPr>
+            <p:ph idx="1"/>
+          </p:nvPr>
+        </p:nvSpPr>
+        <p:spPr/>
+        <p:txBody>
+          <a:bodyPr/>
+          <a:lstStyle/>
+          <a:p>
+            <a:r>
+              <a:rPr lang="ja-JP" altLang="en-US" dirty="0"/>
+              <a:t>ユーザーグループ画面について</a:t>
+            </a:r>
+            <a:endParaRPr kumimoji="1" lang="en-US" altLang="ja-JP" dirty="0"/>
+          </a:p>
+          <a:p>
+            <a:endParaRPr lang="en-US" altLang="ja-JP" dirty="0"/>
+          </a:p>
+          <a:p>
+            <a:r>
+              <a:rPr lang="ja-JP" altLang="en-US" dirty="0"/>
+              <a:t>ユーザーグループごとに</a:t>
+            </a:r>
+            <a:br>
+              <a:rPr lang="en-US" altLang="ja-JP" dirty="0"/>
+            </a:br>
+            <a:r>
+              <a:rPr lang="ja-JP" altLang="en-US" dirty="0"/>
+              <a:t>感情分析結果を表示</a:t>
+            </a:r>
+            <a:endParaRPr lang="en-US" altLang="ja-JP" dirty="0"/>
+          </a:p>
+          <a:p>
+            <a:endParaRPr kumimoji="1" lang="en-US" altLang="ja-JP" dirty="0"/>
+          </a:p>
+          <a:p>
+            <a:endParaRPr lang="en-US" altLang="ja-JP" dirty="0"/>
+          </a:p>
+          <a:p>
+            <a:endParaRPr kumimoji="1" lang="en-US" altLang="ja-JP" dirty="0"/>
+          </a:p>
+          <a:p>
+            <a:endParaRPr lang="en-US" altLang="ja-JP" dirty="0"/>
+          </a:p>
+          <a:p>
+            <a:endParaRPr kumimoji="1" lang="en-US" altLang="ja-JP" dirty="0"/>
+          </a:p>
+          <a:p>
+            <a:endParaRPr lang="en-US" altLang="ja-JP" dirty="0"/>
+          </a:p>
+          <a:p>
+            <a:endParaRPr kumimoji="1" lang="ja-JP" altLang="en-US" dirty="0"/>
+          </a:p>
+        </p:txBody>
+      </p:sp>
+      <p:pic>
+        <p:nvPicPr>
+          <p:cNvPr id="1026" name="Picture 2" descr="ユーザー グループのアイコン。ベクトル図のスタイルは、黒、オレンジ、赤、緑、青のカラー バージョンのフラット象徴的なユーザー グループ  シンボルです。Web アプリとソフトウェア ・ インタ フェースの設計されています。のイラスト素材・ベクター Image 88248723">
+            <a:extLst>
+              <a:ext uri="{FF2B5EF4-FFF2-40B4-BE49-F238E27FC236}">
+                <a16:creationId xmlns:a16="http://schemas.microsoft.com/office/drawing/2014/main" id="{5960F279-2B60-A6DB-FC1E-A41AB46E780C}"/>
+              </a:ext>
+            </a:extLst>
+          </p:cNvPr>
+          <p:cNvPicPr>
+            <a:picLocks noChangeAspect="1" noChangeArrowheads="1"/>
+          </p:cNvPicPr>
+          <p:nvPr/>
+        </p:nvPicPr>
+        <p:blipFill>
+          <a:blip r:embed="rId2">
+            <a:extLst>
+              <a:ext uri="{28A0092B-C50C-407E-A947-70E740481C1C}">
+                <a14:useLocalDpi xmlns:a14="http://schemas.microsoft.com/office/drawing/2010/main" val="0"/>
+              </a:ext>
+            </a:extLst>
+          </a:blip>
+          <a:srcRect/>
+          <a:stretch>
+            <a:fillRect/>
+          </a:stretch>
+        </p:blipFill>
+        <p:spPr bwMode="auto">
+          <a:xfrm>
+            <a:off x="1332992" y="3731904"/>
+            <a:ext cx="3352685" cy="2579996"/>
+          </a:xfrm>
+          <a:prstGeom prst="rect">
+            <a:avLst/>
+          </a:prstGeom>
+          <a:noFill/>
+          <a:extLst>
+            <a:ext uri="{909E8E84-426E-40DD-AFC4-6F175D3DCCD1}">
+              <a14:hiddenFill xmlns:a14="http://schemas.microsoft.com/office/drawing/2010/main">
+                <a:solidFill>
+                  <a:srgbClr val="FFFFFF"/>
+                </a:solidFill>
+              </a14:hiddenFill>
+            </a:ext>
+          </a:extLst>
+        </p:spPr>
+      </p:pic>
+      <p:pic>
+        <p:nvPicPr>
+          <p:cNvPr id="7" name="図 6">
+            <a:extLst>
+              <a:ext uri="{FF2B5EF4-FFF2-40B4-BE49-F238E27FC236}">
+                <a16:creationId xmlns:a16="http://schemas.microsoft.com/office/drawing/2014/main" id="{49398E83-0874-2C07-6425-B322B6EEC8EB}"/>
+              </a:ext>
+            </a:extLst>
+          </p:cNvPr>
+          <p:cNvPicPr>
+            <a:picLocks noChangeAspect="1"/>
+          </p:cNvPicPr>
+          <p:nvPr/>
+        </p:nvPicPr>
+        <p:blipFill>
+          <a:blip r:embed="rId3"/>
+          <a:stretch>
+            <a:fillRect/>
+          </a:stretch>
+        </p:blipFill>
+        <p:spPr>
+          <a:xfrm>
+            <a:off x="4722071" y="3429000"/>
+            <a:ext cx="2616334" cy="2579996"/>
+          </a:xfrm>
+          <a:prstGeom prst="rect">
+            <a:avLst/>
+          </a:prstGeom>
+        </p:spPr>
+      </p:pic>
+      <p:pic>
+        <p:nvPicPr>
+          <p:cNvPr id="1028" name="Picture 4" descr="はじめての自然言語処理 OSS によるテキストマイニング | オブジェクトの広場">
+            <a:extLst>
+              <a:ext uri="{FF2B5EF4-FFF2-40B4-BE49-F238E27FC236}">
+                <a16:creationId xmlns:a16="http://schemas.microsoft.com/office/drawing/2014/main" id="{150DC796-2108-2BC9-8218-FBBB75CDBB8C}"/>
+              </a:ext>
+            </a:extLst>
+          </p:cNvPr>
+          <p:cNvPicPr>
+            <a:picLocks noChangeAspect="1" noChangeArrowheads="1"/>
+          </p:cNvPicPr>
+          <p:nvPr/>
+        </p:nvPicPr>
+        <p:blipFill>
+          <a:blip r:embed="rId4">
+            <a:extLst>
+              <a:ext uri="{28A0092B-C50C-407E-A947-70E740481C1C}">
+                <a14:useLocalDpi xmlns:a14="http://schemas.microsoft.com/office/drawing/2010/main" val="0"/>
+              </a:ext>
+            </a:extLst>
+          </a:blip>
+          <a:srcRect/>
+          <a:stretch>
+            <a:fillRect/>
+          </a:stretch>
+        </p:blipFill>
+        <p:spPr bwMode="auto">
+          <a:xfrm>
+            <a:off x="7374799" y="892071"/>
+            <a:ext cx="4137607" cy="2839833"/>
+          </a:xfrm>
+          <a:prstGeom prst="rect">
+            <a:avLst/>
+          </a:prstGeom>
+          <a:noFill/>
+          <a:extLst>
+            <a:ext uri="{909E8E84-426E-40DD-AFC4-6F175D3DCCD1}">
+              <a14:hiddenFill xmlns:a14="http://schemas.microsoft.com/office/drawing/2010/main">
+                <a:solidFill>
+                  <a:srgbClr val="FFFFFF"/>
+                </a:solidFill>
+              </a14:hiddenFill>
+            </a:ext>
+          </a:extLst>
+        </p:spPr>
+      </p:pic>
+      <p:cxnSp>
+        <p:nvCxnSpPr>
+          <p:cNvPr id="12" name="コネクタ: 曲線 11">
+            <a:extLst>
+              <a:ext uri="{FF2B5EF4-FFF2-40B4-BE49-F238E27FC236}">
+                <a16:creationId xmlns:a16="http://schemas.microsoft.com/office/drawing/2014/main" id="{694CB3B9-16E8-F164-89BA-D491CF668022}"/>
+              </a:ext>
+            </a:extLst>
+          </p:cNvPr>
+          <p:cNvCxnSpPr>
+            <a:stCxn id="7" idx="3"/>
+            <a:endCxn id="1028" idx="2"/>
+          </p:cNvCxnSpPr>
+          <p:nvPr/>
+        </p:nvCxnSpPr>
+        <p:spPr>
+          <a:xfrm flipV="1">
+            <a:off x="7338405" y="3731904"/>
+            <a:ext cx="2105198" cy="987094"/>
+          </a:xfrm>
+          <a:prstGeom prst="curvedConnector2">
+            <a:avLst/>
+          </a:prstGeom>
+          <a:ln w="127000">
+            <a:solidFill>
+              <a:schemeClr val="tx1"/>
+            </a:solidFill>
+            <a:tailEnd type="triangle"/>
+          </a:ln>
+        </p:spPr>
+        <p:style>
+          <a:lnRef idx="2">
+            <a:schemeClr val="accent1"/>
+          </a:lnRef>
+          <a:fillRef idx="0">
+            <a:schemeClr val="accent1"/>
+          </a:fillRef>
+          <a:effectRef idx="1">
+            <a:schemeClr val="accent1"/>
+          </a:effectRef>
+          <a:fontRef idx="minor">
+            <a:schemeClr val="tx1"/>
+          </a:fontRef>
+        </p:style>
+      </p:cxnSp>
+      <p:sp>
+        <p:nvSpPr>
+          <p:cNvPr id="13" name="テキスト ボックス 12">
+            <a:extLst>
+              <a:ext uri="{FF2B5EF4-FFF2-40B4-BE49-F238E27FC236}">
+                <a16:creationId xmlns:a16="http://schemas.microsoft.com/office/drawing/2014/main" id="{84115E22-AEA2-DB2B-008B-6C9D10AA60E6}"/>
+              </a:ext>
+            </a:extLst>
+          </p:cNvPr>
+          <p:cNvSpPr txBox="1"/>
+          <p:nvPr/>
+        </p:nvSpPr>
+        <p:spPr>
+          <a:xfrm>
+            <a:off x="8233415" y="4714853"/>
+            <a:ext cx="3826521" cy="1477328"/>
+          </a:xfrm>
+          <a:prstGeom prst="rect">
+            <a:avLst/>
+          </a:prstGeom>
+          <a:noFill/>
+        </p:spPr>
+        <p:txBody>
+          <a:bodyPr wrap="square" rtlCol="0">
+            <a:spAutoFit/>
+          </a:bodyPr>
+          <a:lstStyle/>
+          <a:p>
+            <a:r>
+              <a:rPr kumimoji="1" lang="ja-JP" altLang="en-US" dirty="0"/>
+              <a:t>ユーザーグループごとに</a:t>
+            </a:r>
+            <a:br>
+              <a:rPr kumimoji="1" lang="en-US" altLang="ja-JP" dirty="0"/>
+            </a:br>
+            <a:r>
+              <a:rPr kumimoji="1" lang="ja-JP" altLang="en-US" dirty="0">
+                <a:solidFill>
+                  <a:srgbClr val="00B050"/>
+                </a:solidFill>
+              </a:rPr>
+              <a:t>各感情に分類された単語</a:t>
+            </a:r>
+            <a:r>
+              <a:rPr kumimoji="1" lang="ja-JP" altLang="en-US" dirty="0"/>
+              <a:t>を</a:t>
+            </a:r>
+            <a:br>
+              <a:rPr kumimoji="1" lang="en-US" altLang="ja-JP" dirty="0"/>
+            </a:br>
+            <a:r>
+              <a:rPr kumimoji="1" lang="ja-JP" altLang="en-US" dirty="0"/>
+              <a:t>ワードクラウド化</a:t>
+            </a:r>
+            <a:br>
+              <a:rPr kumimoji="1" lang="en-US" altLang="ja-JP" dirty="0"/>
+            </a:br>
+            <a:br>
+              <a:rPr kumimoji="1" lang="en-US" altLang="ja-JP" dirty="0"/>
+            </a:br>
+            <a:r>
+              <a:rPr kumimoji="1" lang="en-US" altLang="ja-JP" dirty="0"/>
+              <a:t>(</a:t>
+            </a:r>
+            <a:r>
+              <a:rPr kumimoji="1" lang="ja-JP" altLang="en-US" dirty="0"/>
+              <a:t>いい感じの画像発見できず</a:t>
+            </a:r>
+            <a:r>
+              <a:rPr kumimoji="1" lang="en-US" altLang="ja-JP" dirty="0"/>
+              <a:t>……)</a:t>
+            </a:r>
+          </a:p>
+        </p:txBody>
+      </p:sp>
+    </p:spTree>
+    <p:extLst>
+      <p:ext uri="{BB962C8B-B14F-4D97-AF65-F5344CB8AC3E}">
+        <p14:creationId xmlns:p14="http://schemas.microsoft.com/office/powerpoint/2010/main" val="2602672489"/>
+      </p:ext>
+    </p:extLst>
+  </p:cSld>
+  <p:clrMapOvr>
+    <a:masterClrMapping/>
+  </p:clrMapOvr>
+</p:sld>
+</file>
+
+<file path=ppt/slides/slide7.xml><?xml version="1.0" encoding="utf-8"?>
+<p:sld xmlns:a="http://schemas.openxmlformats.org/drawingml/2006/main" xmlns:r="http://schemas.openxmlformats.org/officeDocument/2006/relationships" xmlns:p="http://schemas.openxmlformats.org/presentationml/2006/main">
+  <p:cSld>
+    <p:spTree>
+      <p:nvGrpSpPr>
+        <p:cNvPr id="1" name=""/>
+        <p:cNvGrpSpPr/>
+        <p:nvPr/>
+      </p:nvGrpSpPr>
+      <p:grpSpPr>
+        <a:xfrm>
+          <a:off x="0" y="0"/>
+          <a:ext cx="0" cy="0"/>
+          <a:chOff x="0" y="0"/>
+          <a:chExt cx="0" cy="0"/>
+        </a:xfrm>
+      </p:grpSpPr>
+      <p:sp>
+        <p:nvSpPr>
+          <p:cNvPr id="2" name="タイトル 1">
+            <a:extLst>
+              <a:ext uri="{FF2B5EF4-FFF2-40B4-BE49-F238E27FC236}">
+                <a16:creationId xmlns:a16="http://schemas.microsoft.com/office/drawing/2014/main" id="{54F918C8-B8AF-6E05-37D3-3374E04362EC}"/>
+              </a:ext>
+            </a:extLst>
+          </p:cNvPr>
+          <p:cNvSpPr>
+            <a:spLocks noGrp="1"/>
+          </p:cNvSpPr>
+          <p:nvPr>
+            <p:ph type="title"/>
+          </p:nvPr>
+        </p:nvSpPr>
+        <p:spPr/>
+        <p:txBody>
+          <a:bodyPr/>
+          <a:lstStyle/>
+          <a:p>
+            <a:r>
+              <a:rPr kumimoji="1" lang="en-US" altLang="ja-JP" dirty="0"/>
+              <a:t>BA</a:t>
+            </a:r>
+            <a:r>
+              <a:rPr kumimoji="1" lang="ja-JP" altLang="en-US" dirty="0"/>
+              <a:t>画面開発について</a:t>
+            </a:r>
+            <a:r>
+              <a:rPr lang="en-US" altLang="ja-JP" dirty="0"/>
+              <a:t>3</a:t>
+            </a:r>
+            <a:endParaRPr kumimoji="1" lang="ja-JP" altLang="en-US" dirty="0"/>
+          </a:p>
+        </p:txBody>
+      </p:sp>
+      <p:sp>
+        <p:nvSpPr>
+          <p:cNvPr id="3" name="コンテンツ プレースホルダー 2">
+            <a:extLst>
+              <a:ext uri="{FF2B5EF4-FFF2-40B4-BE49-F238E27FC236}">
+                <a16:creationId xmlns:a16="http://schemas.microsoft.com/office/drawing/2014/main" id="{6A257C69-AAFA-683F-58A7-1EE227BAD66C}"/>
+              </a:ext>
+            </a:extLst>
+          </p:cNvPr>
+          <p:cNvSpPr>
+            <a:spLocks noGrp="1"/>
+          </p:cNvSpPr>
+          <p:nvPr>
+            <p:ph idx="1"/>
+          </p:nvPr>
+        </p:nvSpPr>
+        <p:spPr>
+          <a:noFill/>
+        </p:spPr>
+        <p:txBody>
+          <a:bodyPr>
+            <a:normAutofit fontScale="85000" lnSpcReduction="20000"/>
+          </a:bodyPr>
+          <a:lstStyle/>
+          <a:p>
+            <a:r>
+              <a:rPr lang="en-US" altLang="ja-JP" dirty="0"/>
+              <a:t>X –POST</a:t>
+            </a:r>
+            <a:r>
+              <a:rPr lang="ja-JP" altLang="en-US" dirty="0"/>
+              <a:t>データ画面</a:t>
+            </a:r>
+            <a:endParaRPr kumimoji="1" lang="ja-JP" altLang="en-US" dirty="0"/>
+          </a:p>
+          <a:p>
+            <a:endParaRPr kumimoji="1" lang="en-US" altLang="ja-JP" dirty="0"/>
+          </a:p>
+          <a:p>
+            <a:endParaRPr lang="en-US" altLang="ja-JP" dirty="0"/>
+          </a:p>
+          <a:p>
+            <a:r>
+              <a:rPr lang="ja-JP" altLang="en-US" dirty="0"/>
+              <a:t>各ポストに対して解析</a:t>
+            </a:r>
+            <a:endParaRPr lang="en-US" altLang="ja-JP" dirty="0"/>
+          </a:p>
+          <a:p>
+            <a:pPr lvl="1"/>
+            <a:r>
+              <a:rPr lang="ja-JP" altLang="en-US" dirty="0"/>
+              <a:t>感情分析結果</a:t>
+            </a:r>
+            <a:endParaRPr lang="en-US" altLang="ja-JP" dirty="0"/>
+          </a:p>
+          <a:p>
+            <a:pPr lvl="1"/>
+            <a:r>
+              <a:rPr lang="ja-JP" altLang="en-US" dirty="0"/>
+              <a:t>ユーザグループ分析結果</a:t>
+            </a:r>
+            <a:endParaRPr lang="en-US" altLang="ja-JP" dirty="0"/>
+          </a:p>
+          <a:p>
+            <a:endParaRPr kumimoji="1" lang="en-US" altLang="ja-JP" dirty="0"/>
+          </a:p>
+          <a:p>
+            <a:endParaRPr kumimoji="1" lang="en-US" altLang="ja-JP" dirty="0"/>
+          </a:p>
+          <a:p>
+            <a:r>
+              <a:rPr kumimoji="1" lang="ja-JP" altLang="en-US" dirty="0"/>
+              <a:t>単語レベルで</a:t>
+            </a:r>
+            <a:r>
+              <a:rPr kumimoji="1" lang="ja-JP" altLang="en-US" dirty="0">
+                <a:highlight>
+                  <a:srgbClr val="00FF00"/>
+                </a:highlight>
+              </a:rPr>
+              <a:t>感情別</a:t>
+            </a:r>
+            <a:r>
+              <a:rPr kumimoji="1" lang="ja-JP" altLang="en-US" dirty="0"/>
+              <a:t>に</a:t>
+            </a:r>
+            <a:br>
+              <a:rPr kumimoji="1" lang="en-US" altLang="ja-JP" dirty="0"/>
+            </a:br>
+            <a:r>
+              <a:rPr kumimoji="1" lang="ja-JP" altLang="en-US" dirty="0">
+                <a:highlight>
+                  <a:srgbClr val="00FFFF"/>
+                </a:highlight>
+              </a:rPr>
+              <a:t>色付け</a:t>
+            </a:r>
+            <a:r>
+              <a:rPr kumimoji="1" lang="ja-JP" altLang="en-US" dirty="0"/>
+              <a:t>できるとうれしい</a:t>
+            </a:r>
+            <a:endParaRPr lang="en-US" altLang="ja-JP" dirty="0"/>
+          </a:p>
+          <a:p>
+            <a:pPr lvl="1"/>
+            <a:r>
+              <a:rPr kumimoji="1" lang="ja-JP" altLang="en-US" dirty="0"/>
+              <a:t>例 </a:t>
+            </a:r>
+            <a:r>
+              <a:rPr kumimoji="1" lang="en-US" altLang="ja-JP" dirty="0"/>
+              <a:t>)</a:t>
+            </a:r>
+            <a:r>
+              <a:rPr kumimoji="1" lang="en-US" altLang="ja-JP" dirty="0">
+                <a:highlight>
+                  <a:srgbClr val="FFFF00"/>
+                </a:highlight>
+              </a:rPr>
+              <a:t>twitter</a:t>
+            </a:r>
+            <a:r>
+              <a:rPr kumimoji="1" lang="ja-JP" altLang="en-US" dirty="0"/>
+              <a:t>の</a:t>
+            </a:r>
+            <a:r>
+              <a:rPr kumimoji="1" lang="ja-JP" altLang="en-US" dirty="0">
+                <a:highlight>
+                  <a:srgbClr val="FF0000"/>
+                </a:highlight>
+              </a:rPr>
+              <a:t>完全</a:t>
+            </a:r>
+            <a:r>
+              <a:rPr kumimoji="1" lang="ja-JP" altLang="en-US" dirty="0">
+                <a:highlight>
+                  <a:srgbClr val="00FF00"/>
+                </a:highlight>
+              </a:rPr>
+              <a:t>有料化</a:t>
+            </a:r>
+            <a:r>
+              <a:rPr kumimoji="1" lang="ja-JP" altLang="en-US" dirty="0"/>
+              <a:t>。</a:t>
+            </a:r>
+            <a:r>
+              <a:rPr kumimoji="1" lang="ja-JP" altLang="en-US" dirty="0">
+                <a:highlight>
+                  <a:srgbClr val="FF00FF"/>
+                </a:highlight>
+              </a:rPr>
+              <a:t>マスク氏</a:t>
+            </a:r>
+            <a:r>
+              <a:rPr kumimoji="1" lang="ja-JP" altLang="en-US" dirty="0"/>
+              <a:t>は、</a:t>
+            </a:r>
+            <a:r>
+              <a:rPr kumimoji="1" lang="en-US" altLang="ja-JP" dirty="0" err="1">
+                <a:highlight>
+                  <a:srgbClr val="0000FF"/>
+                </a:highlight>
+              </a:rPr>
+              <a:t>Paypal</a:t>
+            </a:r>
+            <a:r>
+              <a:rPr kumimoji="1" lang="en-US" altLang="ja-JP" dirty="0"/>
+              <a:t>…</a:t>
+            </a:r>
+          </a:p>
+          <a:p>
+            <a:pPr lvl="2"/>
+            <a:r>
+              <a:rPr lang="en-US" altLang="ja-JP" dirty="0"/>
+              <a:t>BA</a:t>
+            </a:r>
+            <a:r>
+              <a:rPr lang="ja-JP" altLang="en-US" dirty="0"/>
+              <a:t>側の処理が面倒かも。。。</a:t>
+            </a:r>
+            <a:endParaRPr lang="en-US" altLang="ja-JP" dirty="0"/>
+          </a:p>
+          <a:p>
+            <a:pPr lvl="2"/>
+            <a:r>
+              <a:rPr kumimoji="1" lang="ja-JP" altLang="en-US" dirty="0"/>
+              <a:t>目がチカチカするので、要調整</a:t>
+            </a:r>
+            <a:endParaRPr kumimoji="1" lang="en-US" altLang="ja-JP" dirty="0"/>
+          </a:p>
+          <a:p>
+            <a:endParaRPr lang="en-US" altLang="ja-JP" dirty="0"/>
+          </a:p>
+          <a:p>
+            <a:endParaRPr kumimoji="1" lang="en-US" altLang="ja-JP" dirty="0"/>
+          </a:p>
+        </p:txBody>
+      </p:sp>
+      <p:pic>
+        <p:nvPicPr>
+          <p:cNvPr id="5" name="図 4">
+            <a:extLst>
+              <a:ext uri="{FF2B5EF4-FFF2-40B4-BE49-F238E27FC236}">
+                <a16:creationId xmlns:a16="http://schemas.microsoft.com/office/drawing/2014/main" id="{D2DE339D-9560-79AC-AE16-13CA0E4D0FAC}"/>
+              </a:ext>
+            </a:extLst>
+          </p:cNvPr>
+          <p:cNvPicPr>
+            <a:picLocks noChangeAspect="1"/>
+          </p:cNvPicPr>
+          <p:nvPr/>
+        </p:nvPicPr>
+        <p:blipFill>
+          <a:blip r:embed="rId2"/>
+          <a:stretch>
+            <a:fillRect/>
+          </a:stretch>
+        </p:blipFill>
+        <p:spPr>
+          <a:xfrm>
+            <a:off x="4532830" y="1255593"/>
+            <a:ext cx="3066103" cy="3916907"/>
+          </a:xfrm>
+          <a:prstGeom prst="rect">
+            <a:avLst/>
+          </a:prstGeom>
+        </p:spPr>
+      </p:pic>
+      <p:pic>
+        <p:nvPicPr>
+          <p:cNvPr id="6" name="図 5">
+            <a:extLst>
+              <a:ext uri="{FF2B5EF4-FFF2-40B4-BE49-F238E27FC236}">
+                <a16:creationId xmlns:a16="http://schemas.microsoft.com/office/drawing/2014/main" id="{6B04E3E6-486B-A249-C50B-A6699D124336}"/>
+              </a:ext>
+            </a:extLst>
+          </p:cNvPr>
+          <p:cNvPicPr>
+            <a:picLocks noChangeAspect="1"/>
+          </p:cNvPicPr>
+          <p:nvPr/>
+        </p:nvPicPr>
+        <p:blipFill>
+          <a:blip r:embed="rId3"/>
+          <a:stretch>
+            <a:fillRect/>
+          </a:stretch>
+        </p:blipFill>
+        <p:spPr>
+          <a:xfrm>
+            <a:off x="8318035" y="631297"/>
+            <a:ext cx="2837106" cy="2797703"/>
+          </a:xfrm>
+          <a:prstGeom prst="rect">
+            <a:avLst/>
+          </a:prstGeom>
+        </p:spPr>
+      </p:pic>
+      <p:pic>
+        <p:nvPicPr>
+          <p:cNvPr id="8" name="図 7">
+            <a:extLst>
+              <a:ext uri="{FF2B5EF4-FFF2-40B4-BE49-F238E27FC236}">
+                <a16:creationId xmlns:a16="http://schemas.microsoft.com/office/drawing/2014/main" id="{8C707431-CE27-B96E-3665-A0C1971E2E8D}"/>
+              </a:ext>
+            </a:extLst>
+          </p:cNvPr>
+          <p:cNvPicPr>
+            <a:picLocks noChangeAspect="1"/>
+          </p:cNvPicPr>
+          <p:nvPr/>
+        </p:nvPicPr>
+        <p:blipFill>
+          <a:blip r:embed="rId4"/>
+          <a:stretch>
+            <a:fillRect/>
+          </a:stretch>
+        </p:blipFill>
+        <p:spPr>
+          <a:xfrm>
+            <a:off x="7871888" y="3405655"/>
+            <a:ext cx="4042607" cy="3452345"/>
+          </a:xfrm>
+          <a:prstGeom prst="rect">
+            <a:avLst/>
+          </a:prstGeom>
+        </p:spPr>
+      </p:pic>
+    </p:spTree>
+    <p:extLst>
+      <p:ext uri="{BB962C8B-B14F-4D97-AF65-F5344CB8AC3E}">
+        <p14:creationId xmlns:p14="http://schemas.microsoft.com/office/powerpoint/2010/main" val="2228067303"/>
+      </p:ext>
+    </p:extLst>
+  </p:cSld>
+  <p:clrMapOvr>
+    <a:masterClrMapping/>
+  </p:clrMapOvr>
+</p:sld>
+</file>
+
+<file path=ppt/slides/slide8.xml><?xml version="1.0" encoding="utf-8"?>
+<p:sld xmlns:a="http://schemas.openxmlformats.org/drawingml/2006/main" xmlns:r="http://schemas.openxmlformats.org/officeDocument/2006/relationships" xmlns:p="http://schemas.openxmlformats.org/presentationml/2006/main">
+  <p:cSld>
+    <p:spTree>
+      <p:nvGrpSpPr>
+        <p:cNvPr id="1" name=""/>
+        <p:cNvGrpSpPr/>
+        <p:nvPr/>
+      </p:nvGrpSpPr>
+      <p:grpSpPr>
+        <a:xfrm>
+          <a:off x="0" y="0"/>
+          <a:ext cx="0" cy="0"/>
+          <a:chOff x="0" y="0"/>
+          <a:chExt cx="0" cy="0"/>
+        </a:xfrm>
+      </p:grpSpPr>
+      <p:sp>
+        <p:nvSpPr>
+          <p:cNvPr id="2" name="タイトル 1">
+            <a:extLst>
+              <a:ext uri="{FF2B5EF4-FFF2-40B4-BE49-F238E27FC236}">
+                <a16:creationId xmlns:a16="http://schemas.microsoft.com/office/drawing/2014/main" id="{753B6CB4-6EF1-2BAB-15A5-9A68BA215EA4}"/>
+              </a:ext>
+            </a:extLst>
+          </p:cNvPr>
+          <p:cNvSpPr>
+            <a:spLocks noGrp="1"/>
+          </p:cNvSpPr>
+          <p:nvPr>
+            <p:ph type="title"/>
+          </p:nvPr>
+        </p:nvSpPr>
+        <p:spPr/>
+        <p:txBody>
+          <a:bodyPr/>
+          <a:lstStyle/>
+          <a:p>
+            <a:r>
+              <a:rPr kumimoji="1" lang="en-US" altLang="ja-JP" dirty="0"/>
+              <a:t>BA</a:t>
+            </a:r>
+            <a:r>
+              <a:rPr kumimoji="1" lang="ja-JP" altLang="en-US" dirty="0"/>
+              <a:t>画面開発について</a:t>
+            </a:r>
+            <a:r>
+              <a:rPr kumimoji="1" lang="en-US" altLang="ja-JP" dirty="0"/>
+              <a:t>4</a:t>
+            </a:r>
+            <a:endParaRPr kumimoji="1" lang="ja-JP" altLang="en-US" dirty="0"/>
+          </a:p>
+        </p:txBody>
+      </p:sp>
+      <p:sp>
+        <p:nvSpPr>
+          <p:cNvPr id="3" name="コンテンツ プレースホルダー 2">
+            <a:extLst>
+              <a:ext uri="{FF2B5EF4-FFF2-40B4-BE49-F238E27FC236}">
+                <a16:creationId xmlns:a16="http://schemas.microsoft.com/office/drawing/2014/main" id="{A25C6BB6-7884-6521-7352-A3B7D8C44A07}"/>
+              </a:ext>
+            </a:extLst>
+          </p:cNvPr>
+          <p:cNvSpPr>
+            <a:spLocks noGrp="1"/>
+          </p:cNvSpPr>
+          <p:nvPr>
+            <p:ph idx="1"/>
+          </p:nvPr>
+        </p:nvSpPr>
+        <p:spPr/>
+        <p:txBody>
+          <a:bodyPr>
+            <a:normAutofit fontScale="92500" lnSpcReduction="10000"/>
+          </a:bodyPr>
+          <a:lstStyle/>
+          <a:p>
+            <a:r>
+              <a:rPr lang="ja-JP" altLang="en-US" dirty="0"/>
+              <a:t>単語分析画面</a:t>
+            </a:r>
+            <a:endParaRPr kumimoji="1" lang="ja-JP" altLang="en-US" dirty="0"/>
+          </a:p>
+          <a:p>
+            <a:pPr lvl="1"/>
+            <a:r>
+              <a:rPr kumimoji="1" lang="ja-JP" altLang="en-US" dirty="0"/>
+              <a:t>この画面では、顧客に単語を検索させたい</a:t>
+            </a:r>
+            <a:endParaRPr kumimoji="1" lang="en-US" altLang="ja-JP" dirty="0"/>
+          </a:p>
+          <a:p>
+            <a:pPr lvl="2"/>
+            <a:r>
+              <a:rPr lang="ja-JP" altLang="en-US" dirty="0"/>
+              <a:t>ヒットした場合  →  その単語で</a:t>
+            </a:r>
+            <a:r>
+              <a:rPr lang="en-US" altLang="ja-JP" dirty="0"/>
+              <a:t>X</a:t>
+            </a:r>
+            <a:r>
+              <a:rPr lang="ja-JP" altLang="en-US" dirty="0"/>
+              <a:t>に</a:t>
+            </a:r>
+            <a:br>
+              <a:rPr lang="en-US" altLang="ja-JP" dirty="0"/>
+            </a:br>
+            <a:r>
+              <a:rPr lang="en-US" altLang="ja-JP" dirty="0"/>
+              <a:t>			</a:t>
+            </a:r>
+            <a:r>
+              <a:rPr lang="ja-JP" altLang="en-US" dirty="0"/>
+              <a:t>ポストしたユーザがいる</a:t>
+            </a:r>
+            <a:endParaRPr lang="en-US" altLang="ja-JP" dirty="0"/>
+          </a:p>
+          <a:p>
+            <a:pPr lvl="2"/>
+            <a:r>
+              <a:rPr kumimoji="1" lang="ja-JP" altLang="en-US" dirty="0"/>
+              <a:t>ヒットしない場合  →  その単語は</a:t>
+            </a:r>
+            <a:br>
+              <a:rPr kumimoji="1" lang="en-US" altLang="ja-JP" dirty="0"/>
+            </a:br>
+            <a:r>
+              <a:rPr kumimoji="1" lang="en-US" altLang="ja-JP" dirty="0"/>
+              <a:t>			</a:t>
+            </a:r>
+            <a:r>
+              <a:rPr kumimoji="1" lang="ja-JP" altLang="en-US" dirty="0"/>
+              <a:t>ユーザに</a:t>
+            </a:r>
+            <a:r>
+              <a:rPr kumimoji="1" lang="ja-JP" altLang="en-US" dirty="0">
+                <a:solidFill>
+                  <a:srgbClr val="FF0000"/>
+                </a:solidFill>
+              </a:rPr>
+              <a:t>重視されていない</a:t>
+            </a:r>
+            <a:endParaRPr kumimoji="1" lang="en-US" altLang="ja-JP" dirty="0">
+              <a:solidFill>
+                <a:srgbClr val="FF0000"/>
+              </a:solidFill>
+            </a:endParaRPr>
+          </a:p>
+          <a:p>
+            <a:endParaRPr lang="en-US" altLang="ja-JP" dirty="0"/>
+          </a:p>
+          <a:p>
+            <a:r>
+              <a:rPr kumimoji="1" lang="ja-JP" altLang="en-US" dirty="0"/>
+              <a:t>単語レベルでの感情分析結果も表示</a:t>
+            </a:r>
+            <a:endParaRPr kumimoji="1" lang="en-US" altLang="ja-JP" dirty="0"/>
+          </a:p>
+          <a:p>
+            <a:pPr marL="457200" lvl="1" indent="0">
+              <a:buNone/>
+            </a:pPr>
+            <a:r>
+              <a:rPr kumimoji="1" lang="ja-JP" altLang="en-US" dirty="0"/>
+              <a:t>例）「</a:t>
+            </a:r>
+            <a:r>
+              <a:rPr kumimoji="1" lang="en-US" altLang="ja-JP" dirty="0" err="1"/>
+              <a:t>jins</a:t>
+            </a:r>
+            <a:r>
+              <a:rPr kumimoji="1" lang="ja-JP" altLang="en-US" dirty="0"/>
+              <a:t>」に対する顧客の感情分布</a:t>
+            </a:r>
+            <a:endParaRPr kumimoji="1" lang="en-US" altLang="ja-JP" dirty="0"/>
+          </a:p>
+          <a:p>
+            <a:endParaRPr lang="en-US" altLang="ja-JP" dirty="0"/>
+          </a:p>
+          <a:p>
+            <a:r>
+              <a:rPr kumimoji="1" lang="ja-JP" altLang="en-US" dirty="0"/>
+              <a:t>一般単語分布も推定してます！😎</a:t>
+            </a:r>
+            <a:endParaRPr kumimoji="1" lang="en-US" altLang="ja-JP" dirty="0"/>
+          </a:p>
+          <a:p>
+            <a:pPr lvl="1"/>
+            <a:r>
+              <a:rPr lang="ja-JP" altLang="en-US" dirty="0"/>
+              <a:t>感情を伴わない単語のこと</a:t>
+            </a:r>
+            <a:endParaRPr kumimoji="1" lang="en-US" altLang="ja-JP" dirty="0"/>
+          </a:p>
+          <a:p>
+            <a:endParaRPr lang="en-US" altLang="ja-JP" dirty="0"/>
+          </a:p>
+          <a:p>
+            <a:endParaRPr kumimoji="1" lang="en-US" altLang="ja-JP" dirty="0"/>
+          </a:p>
+          <a:p>
+            <a:endParaRPr kumimoji="1" lang="ja-JP" altLang="en-US" dirty="0"/>
+          </a:p>
+        </p:txBody>
+      </p:sp>
+      <p:pic>
+        <p:nvPicPr>
+          <p:cNvPr id="5" name="図 4">
+            <a:extLst>
+              <a:ext uri="{FF2B5EF4-FFF2-40B4-BE49-F238E27FC236}">
+                <a16:creationId xmlns:a16="http://schemas.microsoft.com/office/drawing/2014/main" id="{3C2D818E-1642-6855-1204-56D9B9B2E084}"/>
+              </a:ext>
+            </a:extLst>
+          </p:cNvPr>
+          <p:cNvPicPr>
+            <a:picLocks noChangeAspect="1"/>
+          </p:cNvPicPr>
+          <p:nvPr/>
+        </p:nvPicPr>
+        <p:blipFill>
+          <a:blip r:embed="rId2"/>
+          <a:stretch>
+            <a:fillRect/>
+          </a:stretch>
+        </p:blipFill>
+        <p:spPr>
+          <a:xfrm>
+            <a:off x="8379725" y="1125116"/>
+            <a:ext cx="2974075" cy="3553028"/>
+          </a:xfrm>
+          <a:prstGeom prst="rect">
+            <a:avLst/>
+          </a:prstGeom>
+        </p:spPr>
+      </p:pic>
+      <p:pic>
+        <p:nvPicPr>
+          <p:cNvPr id="6" name="図 5">
+            <a:extLst>
+              <a:ext uri="{FF2B5EF4-FFF2-40B4-BE49-F238E27FC236}">
+                <a16:creationId xmlns:a16="http://schemas.microsoft.com/office/drawing/2014/main" id="{0EDCEEE6-B827-5A53-C8B0-4EA1A86242A1}"/>
+              </a:ext>
+            </a:extLst>
+          </p:cNvPr>
+          <p:cNvPicPr>
+            <a:picLocks noChangeAspect="1"/>
+          </p:cNvPicPr>
+          <p:nvPr/>
+        </p:nvPicPr>
+        <p:blipFill>
+          <a:blip r:embed="rId3"/>
+          <a:stretch>
+            <a:fillRect/>
+          </a:stretch>
+        </p:blipFill>
+        <p:spPr>
+          <a:xfrm>
+            <a:off x="6632810" y="3848693"/>
+            <a:ext cx="2681425" cy="2644182"/>
+          </a:xfrm>
+          <a:prstGeom prst="rect">
+            <a:avLst/>
+          </a:prstGeom>
+        </p:spPr>
+      </p:pic>
+    </p:spTree>
+    <p:extLst>
+      <p:ext uri="{BB962C8B-B14F-4D97-AF65-F5344CB8AC3E}">
+        <p14:creationId xmlns:p14="http://schemas.microsoft.com/office/powerpoint/2010/main" val="1244943509"/>
+      </p:ext>
+    </p:extLst>
+  </p:cSld>
+  <p:clrMapOvr>
+    <a:masterClrMapping/>
+  </p:clrMapOvr>
+</p:sld>
+</file>
+
+<file path=ppt/slides/slide9.xml><?xml version="1.0" encoding="utf-8"?>
+<p:sld xmlns:a="http://schemas.openxmlformats.org/drawingml/2006/main" xmlns:r="http://schemas.openxmlformats.org/officeDocument/2006/relationships" xmlns:p="http://schemas.openxmlformats.org/presentationml/2006/main">
+  <p:cSld>
+    <p:spTree>
+      <p:nvGrpSpPr>
+        <p:cNvPr id="1" name=""/>
+        <p:cNvGrpSpPr/>
+        <p:nvPr/>
+      </p:nvGrpSpPr>
+      <p:grpSpPr>
+        <a:xfrm>
+          <a:off x="0" y="0"/>
+          <a:ext cx="0" cy="0"/>
+          <a:chOff x="0" y="0"/>
+          <a:chExt cx="0" cy="0"/>
+        </a:xfrm>
+      </p:grpSpPr>
+      <p:sp>
+        <p:nvSpPr>
+          <p:cNvPr id="2" name="タイトル 1">
+            <a:extLst>
+              <a:ext uri="{FF2B5EF4-FFF2-40B4-BE49-F238E27FC236}">
+                <a16:creationId xmlns:a16="http://schemas.microsoft.com/office/drawing/2014/main" id="{C8D447E1-8A14-0B39-C304-72D6242C92D3}"/>
+              </a:ext>
+            </a:extLst>
+          </p:cNvPr>
+          <p:cNvSpPr>
+            <a:spLocks noGrp="1"/>
+          </p:cNvSpPr>
+          <p:nvPr>
+            <p:ph type="title"/>
+          </p:nvPr>
+        </p:nvSpPr>
+        <p:spPr/>
+        <p:txBody>
+          <a:bodyPr/>
+          <a:lstStyle/>
+          <a:p>
+            <a:r>
+              <a:rPr kumimoji="1" lang="en-US" altLang="ja-JP" dirty="0"/>
+              <a:t>BA</a:t>
+            </a:r>
+            <a:r>
+              <a:rPr kumimoji="1" lang="ja-JP" altLang="en-US" dirty="0"/>
+              <a:t>画面開発について</a:t>
+            </a:r>
+            <a:r>
+              <a:rPr lang="en-US" altLang="ja-JP" dirty="0"/>
+              <a:t>5</a:t>
+            </a:r>
+            <a:endParaRPr kumimoji="1" lang="ja-JP" altLang="en-US" dirty="0"/>
+          </a:p>
+        </p:txBody>
+      </p:sp>
+      <p:sp>
+        <p:nvSpPr>
+          <p:cNvPr id="3" name="コンテンツ プレースホルダー 2">
+            <a:extLst>
+              <a:ext uri="{FF2B5EF4-FFF2-40B4-BE49-F238E27FC236}">
+                <a16:creationId xmlns:a16="http://schemas.microsoft.com/office/drawing/2014/main" id="{1382213B-7FFE-7757-CFB0-062A61650510}"/>
+              </a:ext>
+            </a:extLst>
+          </p:cNvPr>
+          <p:cNvSpPr>
+            <a:spLocks noGrp="1"/>
+          </p:cNvSpPr>
+          <p:nvPr>
+            <p:ph idx="1"/>
+          </p:nvPr>
+        </p:nvSpPr>
+        <p:spPr/>
+        <p:txBody>
+          <a:bodyPr>
+            <a:normAutofit fontScale="70000" lnSpcReduction="20000"/>
+          </a:bodyPr>
+          <a:lstStyle/>
+          <a:p>
+            <a:r>
+              <a:rPr kumimoji="1" lang="en-US" altLang="ja-JP" dirty="0"/>
+              <a:t>3</a:t>
+            </a:r>
+            <a:r>
+              <a:rPr kumimoji="1" lang="ja-JP" altLang="en-US" dirty="0"/>
+              <a:t>つの画面を遷移出来てほしい🥺🥺🥺</a:t>
+            </a:r>
+            <a:endParaRPr lang="en-US" altLang="ja-JP" dirty="0"/>
+          </a:p>
+          <a:p>
+            <a:pPr marL="457200" lvl="1" indent="0">
+              <a:buNone/>
+            </a:pPr>
+            <a:r>
+              <a:rPr kumimoji="1" lang="ja-JP" altLang="en-US" dirty="0"/>
+              <a:t>↑どのくらい大変なのかはわかりません</a:t>
+            </a:r>
+            <a:r>
+              <a:rPr kumimoji="1" lang="en-US" altLang="ja-JP" dirty="0"/>
+              <a:t>…</a:t>
+            </a:r>
+            <a:r>
+              <a:rPr kumimoji="1" lang="ja-JP" altLang="en-US" dirty="0"/>
+              <a:t>🤔</a:t>
+            </a:r>
+          </a:p>
+          <a:p>
+            <a:endParaRPr kumimoji="1" lang="en-US" altLang="ja-JP" dirty="0"/>
+          </a:p>
+          <a:p>
+            <a:r>
+              <a:rPr lang="ja-JP" altLang="en-US" dirty="0"/>
+              <a:t>ユーザグループからの遷移</a:t>
+            </a:r>
+            <a:endParaRPr kumimoji="1" lang="en-US" altLang="ja-JP" dirty="0"/>
+          </a:p>
+          <a:p>
+            <a:pPr lvl="1"/>
+            <a:r>
+              <a:rPr lang="ja-JP" altLang="en-US" dirty="0"/>
+              <a:t>グループ選択→そのグループに属するポストデータ画面</a:t>
+            </a:r>
+            <a:endParaRPr lang="en-US" altLang="ja-JP" dirty="0"/>
+          </a:p>
+          <a:p>
+            <a:pPr lvl="1"/>
+            <a:r>
+              <a:rPr lang="ja-JP" altLang="en-US" dirty="0"/>
+              <a:t>グループ選択→ワードクラウド→単語分析画面</a:t>
+            </a:r>
+            <a:endParaRPr lang="en-US" altLang="ja-JP" dirty="0"/>
+          </a:p>
+          <a:p>
+            <a:r>
+              <a:rPr lang="ja-JP" altLang="en-US" dirty="0"/>
+              <a:t>ポストデータからの遷移</a:t>
+            </a:r>
+            <a:endParaRPr lang="en-US" altLang="ja-JP" dirty="0"/>
+          </a:p>
+          <a:p>
+            <a:pPr lvl="1"/>
+            <a:r>
+              <a:rPr lang="ja-JP" altLang="en-US" dirty="0"/>
+              <a:t>ポストデータ→そのデータの属するユーザグループ画面</a:t>
+            </a:r>
+            <a:endParaRPr lang="en-US" altLang="ja-JP" dirty="0"/>
+          </a:p>
+          <a:p>
+            <a:pPr lvl="1"/>
+            <a:r>
+              <a:rPr lang="ja-JP" altLang="en-US" dirty="0"/>
+              <a:t>ポストデータ→各単語→単語分析画面</a:t>
+            </a:r>
+            <a:endParaRPr lang="en-US" altLang="ja-JP" dirty="0"/>
+          </a:p>
+          <a:p>
+            <a:r>
+              <a:rPr lang="ja-JP" altLang="en-US" dirty="0"/>
+              <a:t>単語分析からの遷移</a:t>
+            </a:r>
+            <a:endParaRPr lang="en-US" altLang="ja-JP" dirty="0"/>
+          </a:p>
+          <a:p>
+            <a:pPr lvl="1"/>
+            <a:r>
+              <a:rPr lang="ja-JP" altLang="en-US" dirty="0"/>
+              <a:t>単語検索→ヒットしたポストデータ→ポストデータ画面</a:t>
+            </a:r>
+            <a:endParaRPr lang="en-US" altLang="ja-JP" dirty="0"/>
+          </a:p>
+          <a:p>
+            <a:pPr lvl="1"/>
+            <a:r>
+              <a:rPr lang="ja-JP" altLang="en-US" dirty="0"/>
+              <a:t>単語検索→ユーザグループごとの検索単語の使用比率→ユーザグループ画面</a:t>
+            </a:r>
+            <a:endParaRPr lang="en-US" altLang="ja-JP" dirty="0"/>
+          </a:p>
+          <a:p>
+            <a:endParaRPr kumimoji="1" lang="en-US" altLang="ja-JP" dirty="0"/>
+          </a:p>
+          <a:p>
+            <a:r>
+              <a:rPr lang="ja-JP" altLang="en-US" dirty="0"/>
+              <a:t>ややこしいですね🫨</a:t>
+            </a:r>
+            <a:endParaRPr kumimoji="1" lang="en-US" altLang="ja-JP" dirty="0"/>
+          </a:p>
+          <a:p>
+            <a:endParaRPr lang="en-US" altLang="ja-JP" dirty="0"/>
+          </a:p>
+          <a:p>
+            <a:endParaRPr kumimoji="1" lang="en-US" altLang="ja-JP" dirty="0"/>
+          </a:p>
+          <a:p>
+            <a:endParaRPr kumimoji="1" lang="en-US" altLang="ja-JP" dirty="0"/>
+          </a:p>
+        </p:txBody>
+      </p:sp>
+      <p:sp>
+        <p:nvSpPr>
+          <p:cNvPr id="4" name="雲 3">
+            <a:extLst>
+              <a:ext uri="{FF2B5EF4-FFF2-40B4-BE49-F238E27FC236}">
+                <a16:creationId xmlns:a16="http://schemas.microsoft.com/office/drawing/2014/main" id="{6220CA86-0612-EEC8-6BBE-5A90CE97E43F}"/>
+              </a:ext>
+            </a:extLst>
+          </p:cNvPr>
+          <p:cNvSpPr/>
+          <p:nvPr/>
+        </p:nvSpPr>
+        <p:spPr>
+          <a:xfrm>
+            <a:off x="7297374" y="2945966"/>
+            <a:ext cx="2119094" cy="1249829"/>
+          </a:xfrm>
+          <a:prstGeom prst="cloud">
+            <a:avLst/>
+          </a:prstGeom>
+          <a:solidFill>
+            <a:schemeClr val="accent5">
+              <a:lumMod val="40000"/>
+              <a:lumOff val="60000"/>
+            </a:schemeClr>
+          </a:solidFill>
+        </p:spPr>
+        <p:style>
+          <a:lnRef idx="2">
+            <a:schemeClr val="accent1">
+              <a:shade val="15000"/>
+            </a:schemeClr>
+          </a:lnRef>
+          <a:fillRef idx="1">
+            <a:schemeClr val="accent1"/>
+          </a:fillRef>
+          <a:effectRef idx="0">
+            <a:schemeClr val="accent1"/>
+          </a:effectRef>
+          <a:fontRef idx="minor">
+            <a:schemeClr val="lt1"/>
+          </a:fontRef>
+        </p:style>
+        <p:txBody>
+          <a:bodyPr rtlCol="0" anchor="ctr"/>
+          <a:lstStyle/>
+          <a:p>
+            <a:pPr algn="ctr"/>
+            <a:r>
+              <a:rPr lang="ja-JP" altLang="en-US" dirty="0"/>
+              <a:t>ユーザー</a:t>
+            </a:r>
+            <a:br>
+              <a:rPr lang="en-US" altLang="ja-JP" dirty="0"/>
+            </a:br>
+            <a:r>
+              <a:rPr lang="ja-JP" altLang="en-US" dirty="0"/>
+              <a:t>グループ</a:t>
+            </a:r>
+            <a:br>
+              <a:rPr lang="en-US" altLang="ja-JP" dirty="0"/>
+            </a:br>
+            <a:r>
+              <a:rPr lang="ja-JP" altLang="en-US" dirty="0"/>
+              <a:t>画面</a:t>
+            </a:r>
+            <a:endParaRPr kumimoji="1" lang="ja-JP" altLang="en-US" dirty="0"/>
+          </a:p>
+        </p:txBody>
+      </p:sp>
+      <p:sp>
+        <p:nvSpPr>
+          <p:cNvPr id="5" name="雲 4">
+            <a:extLst>
+              <a:ext uri="{FF2B5EF4-FFF2-40B4-BE49-F238E27FC236}">
+                <a16:creationId xmlns:a16="http://schemas.microsoft.com/office/drawing/2014/main" id="{F28D7E00-5E86-0778-7AA0-3076CD2686B5}"/>
+              </a:ext>
+            </a:extLst>
+          </p:cNvPr>
+          <p:cNvSpPr/>
+          <p:nvPr/>
+        </p:nvSpPr>
+        <p:spPr>
+          <a:xfrm>
+            <a:off x="9634037" y="1263567"/>
+            <a:ext cx="2119094" cy="1249829"/>
+          </a:xfrm>
+          <a:prstGeom prst="cloud">
+            <a:avLst/>
+          </a:prstGeom>
+          <a:solidFill>
+            <a:schemeClr val="accent5">
+              <a:lumMod val="40000"/>
+              <a:lumOff val="60000"/>
+            </a:schemeClr>
+          </a:solidFill>
+        </p:spPr>
+        <p:style>
+          <a:lnRef idx="2">
+            <a:schemeClr val="accent1">
+              <a:shade val="15000"/>
+            </a:schemeClr>
+          </a:lnRef>
+          <a:fillRef idx="1">
+            <a:schemeClr val="accent1"/>
+          </a:fillRef>
+          <a:effectRef idx="0">
+            <a:schemeClr val="accent1"/>
+          </a:effectRef>
+          <a:fontRef idx="minor">
+            <a:schemeClr val="lt1"/>
+          </a:fontRef>
+        </p:style>
+        <p:txBody>
+          <a:bodyPr rtlCol="0" anchor="ctr"/>
+          <a:lstStyle/>
+          <a:p>
+            <a:pPr algn="ctr"/>
+            <a:r>
+              <a:rPr lang="en-US" altLang="ja-JP" dirty="0"/>
+              <a:t>X –POST</a:t>
+            </a:r>
+            <a:br>
+              <a:rPr lang="en-US" altLang="ja-JP" dirty="0"/>
+            </a:br>
+            <a:r>
+              <a:rPr lang="ja-JP" altLang="en-US" dirty="0"/>
+              <a:t>データ</a:t>
+            </a:r>
+            <a:br>
+              <a:rPr lang="en-US" altLang="ja-JP" dirty="0"/>
+            </a:br>
+            <a:r>
+              <a:rPr lang="ja-JP" altLang="en-US" dirty="0"/>
+              <a:t>画面</a:t>
+            </a:r>
+            <a:endParaRPr kumimoji="1" lang="ja-JP" altLang="en-US" dirty="0"/>
+          </a:p>
+        </p:txBody>
+      </p:sp>
+      <p:sp>
+        <p:nvSpPr>
+          <p:cNvPr id="6" name="雲 5">
+            <a:extLst>
+              <a:ext uri="{FF2B5EF4-FFF2-40B4-BE49-F238E27FC236}">
+                <a16:creationId xmlns:a16="http://schemas.microsoft.com/office/drawing/2014/main" id="{71F4D282-9243-7F18-95C3-3BE17ECF560E}"/>
+              </a:ext>
+            </a:extLst>
+          </p:cNvPr>
+          <p:cNvSpPr/>
+          <p:nvPr/>
+        </p:nvSpPr>
+        <p:spPr>
+          <a:xfrm>
+            <a:off x="9634037" y="4393589"/>
+            <a:ext cx="2119094" cy="1249829"/>
+          </a:xfrm>
+          <a:prstGeom prst="cloud">
+            <a:avLst/>
+          </a:prstGeom>
+          <a:solidFill>
+            <a:schemeClr val="accent5">
+              <a:lumMod val="40000"/>
+              <a:lumOff val="60000"/>
+            </a:schemeClr>
+          </a:solidFill>
+        </p:spPr>
+        <p:style>
+          <a:lnRef idx="2">
+            <a:schemeClr val="accent1">
+              <a:shade val="15000"/>
+            </a:schemeClr>
+          </a:lnRef>
+          <a:fillRef idx="1">
+            <a:schemeClr val="accent1"/>
+          </a:fillRef>
+          <a:effectRef idx="0">
+            <a:schemeClr val="accent1"/>
+          </a:effectRef>
+          <a:fontRef idx="minor">
+            <a:schemeClr val="lt1"/>
+          </a:fontRef>
+        </p:style>
+        <p:txBody>
+          <a:bodyPr rtlCol="0" anchor="ctr"/>
+          <a:lstStyle/>
+          <a:p>
+            <a:pPr algn="ctr"/>
+            <a:r>
+              <a:rPr lang="ja-JP" altLang="en-US" dirty="0"/>
+              <a:t>単語分析</a:t>
+            </a:r>
+            <a:br>
+              <a:rPr lang="en-US" altLang="ja-JP" dirty="0"/>
+            </a:br>
+            <a:r>
+              <a:rPr lang="ja-JP" altLang="en-US" dirty="0"/>
+              <a:t>画面</a:t>
+            </a:r>
+            <a:endParaRPr kumimoji="1" lang="ja-JP" altLang="en-US" dirty="0"/>
+          </a:p>
+        </p:txBody>
+      </p:sp>
+      <p:cxnSp>
+        <p:nvCxnSpPr>
+          <p:cNvPr id="10" name="直線矢印コネクタ 9">
+            <a:extLst>
+              <a:ext uri="{FF2B5EF4-FFF2-40B4-BE49-F238E27FC236}">
+                <a16:creationId xmlns:a16="http://schemas.microsoft.com/office/drawing/2014/main" id="{C92DDAC7-A23F-798A-4C12-5AED795A01AF}"/>
+              </a:ext>
+            </a:extLst>
+          </p:cNvPr>
+          <p:cNvCxnSpPr>
+            <a:cxnSpLocks/>
+            <a:stCxn id="4" idx="0"/>
+            <a:endCxn id="5" idx="1"/>
+          </p:cNvCxnSpPr>
+          <p:nvPr/>
+        </p:nvCxnSpPr>
+        <p:spPr>
+          <a:xfrm flipV="1">
+            <a:off x="9414702" y="2512065"/>
+            <a:ext cx="1278882" cy="1058816"/>
+          </a:xfrm>
+          <a:prstGeom prst="straightConnector1">
+            <a:avLst/>
+          </a:prstGeom>
+          <a:ln w="63500">
+            <a:headEnd type="triangle"/>
+            <a:tailEnd type="triangle"/>
+          </a:ln>
+        </p:spPr>
+        <p:style>
+          <a:lnRef idx="2">
+            <a:schemeClr val="dk1"/>
+          </a:lnRef>
+          <a:fillRef idx="0">
+            <a:schemeClr val="dk1"/>
+          </a:fillRef>
+          <a:effectRef idx="1">
+            <a:schemeClr val="dk1"/>
+          </a:effectRef>
+          <a:fontRef idx="minor">
+            <a:schemeClr val="tx1"/>
+          </a:fontRef>
+        </p:style>
+      </p:cxnSp>
+      <p:cxnSp>
+        <p:nvCxnSpPr>
+          <p:cNvPr id="11" name="直線矢印コネクタ 10">
+            <a:extLst>
+              <a:ext uri="{FF2B5EF4-FFF2-40B4-BE49-F238E27FC236}">
+                <a16:creationId xmlns:a16="http://schemas.microsoft.com/office/drawing/2014/main" id="{35798DF9-28FA-5FDF-F8D8-CC372AA6757F}"/>
+              </a:ext>
+            </a:extLst>
+          </p:cNvPr>
+          <p:cNvCxnSpPr>
+            <a:cxnSpLocks/>
+            <a:stCxn id="4" idx="0"/>
+            <a:endCxn id="6" idx="3"/>
+          </p:cNvCxnSpPr>
+          <p:nvPr/>
+        </p:nvCxnSpPr>
+        <p:spPr>
+          <a:xfrm>
+            <a:off x="9414702" y="3570881"/>
+            <a:ext cx="1278882" cy="894168"/>
+          </a:xfrm>
+          <a:prstGeom prst="straightConnector1">
+            <a:avLst/>
+          </a:prstGeom>
+          <a:ln w="63500">
+            <a:headEnd type="triangle"/>
+            <a:tailEnd type="triangle"/>
+          </a:ln>
+        </p:spPr>
+        <p:style>
+          <a:lnRef idx="2">
+            <a:schemeClr val="dk1"/>
+          </a:lnRef>
+          <a:fillRef idx="0">
+            <a:schemeClr val="dk1"/>
+          </a:fillRef>
+          <a:effectRef idx="1">
+            <a:schemeClr val="dk1"/>
+          </a:effectRef>
+          <a:fontRef idx="minor">
+            <a:schemeClr val="tx1"/>
+          </a:fontRef>
+        </p:style>
+      </p:cxnSp>
+      <p:cxnSp>
+        <p:nvCxnSpPr>
+          <p:cNvPr id="12" name="直線矢印コネクタ 11">
+            <a:extLst>
+              <a:ext uri="{FF2B5EF4-FFF2-40B4-BE49-F238E27FC236}">
+                <a16:creationId xmlns:a16="http://schemas.microsoft.com/office/drawing/2014/main" id="{F34B88C3-D70C-C046-C9FC-486FEEE48387}"/>
+              </a:ext>
+            </a:extLst>
+          </p:cNvPr>
+          <p:cNvCxnSpPr>
+            <a:cxnSpLocks/>
+            <a:stCxn id="5" idx="1"/>
+            <a:endCxn id="6" idx="3"/>
+          </p:cNvCxnSpPr>
+          <p:nvPr/>
+        </p:nvCxnSpPr>
+        <p:spPr>
+          <a:xfrm>
+            <a:off x="10693584" y="2512065"/>
+            <a:ext cx="0" cy="1952984"/>
+          </a:xfrm>
+          <a:prstGeom prst="straightConnector1">
+            <a:avLst/>
+          </a:prstGeom>
+          <a:ln w="63500">
+            <a:headEnd type="triangle"/>
+            <a:tailEnd type="triangle"/>
+          </a:ln>
+        </p:spPr>
+        <p:style>
+          <a:lnRef idx="2">
+            <a:schemeClr val="dk1"/>
+          </a:lnRef>
+          <a:fillRef idx="0">
+            <a:schemeClr val="dk1"/>
+          </a:fillRef>
+          <a:effectRef idx="1">
+            <a:schemeClr val="dk1"/>
+          </a:effectRef>
+          <a:fontRef idx="minor">
+            <a:schemeClr val="tx1"/>
+          </a:fontRef>
+        </p:style>
+      </p:cxnSp>
+    </p:spTree>
+    <p:extLst>
+      <p:ext uri="{BB962C8B-B14F-4D97-AF65-F5344CB8AC3E}">
+        <p14:creationId xmlns:p14="http://schemas.microsoft.com/office/powerpoint/2010/main" val="4142973975"/>
       </p:ext>
     </p:extLst>
   </p:cSld>

--- a/説明用資料.pptx
+++ b/説明用資料.pptx
@@ -18,7 +18,7 @@
     <p:sldId id="275" r:id="rId12"/>
     <p:sldId id="277" r:id="rId13"/>
     <p:sldId id="278" r:id="rId14"/>
-    <p:sldId id="279" r:id="rId15"/>
+    <p:sldId id="280" r:id="rId15"/>
     <p:sldId id="257" r:id="rId16"/>
     <p:sldId id="258" r:id="rId17"/>
     <p:sldId id="259" r:id="rId18"/>
@@ -282,7 +282,7 @@
           <a:p>
             <a:fld id="{CE8DB2FB-4027-5245-A92E-D8FA8EBA36D2}" type="datetimeFigureOut">
               <a:rPr kumimoji="1" lang="ja-JP" altLang="en-US" smtClean="0"/>
-              <a:t>2025/3/20</a:t>
+              <a:t>2025/3/21</a:t>
             </a:fld>
             <a:endParaRPr kumimoji="1" lang="ja-JP" altLang="en-US"/>
           </a:p>
@@ -512,7 +512,7 @@
           <a:p>
             <a:fld id="{CE8DB2FB-4027-5245-A92E-D8FA8EBA36D2}" type="datetimeFigureOut">
               <a:rPr kumimoji="1" lang="ja-JP" altLang="en-US" smtClean="0"/>
-              <a:t>2025/3/20</a:t>
+              <a:t>2025/3/21</a:t>
             </a:fld>
             <a:endParaRPr kumimoji="1" lang="ja-JP" altLang="en-US"/>
           </a:p>
@@ -752,7 +752,7 @@
           <a:p>
             <a:fld id="{CE8DB2FB-4027-5245-A92E-D8FA8EBA36D2}" type="datetimeFigureOut">
               <a:rPr kumimoji="1" lang="ja-JP" altLang="en-US" smtClean="0"/>
-              <a:t>2025/3/20</a:t>
+              <a:t>2025/3/21</a:t>
             </a:fld>
             <a:endParaRPr kumimoji="1" lang="ja-JP" altLang="en-US"/>
           </a:p>
@@ -982,7 +982,7 @@
           <a:p>
             <a:fld id="{CE8DB2FB-4027-5245-A92E-D8FA8EBA36D2}" type="datetimeFigureOut">
               <a:rPr kumimoji="1" lang="ja-JP" altLang="en-US" smtClean="0"/>
-              <a:t>2025/3/20</a:t>
+              <a:t>2025/3/21</a:t>
             </a:fld>
             <a:endParaRPr kumimoji="1" lang="ja-JP" altLang="en-US"/>
           </a:p>
@@ -1257,7 +1257,7 @@
           <a:p>
             <a:fld id="{CE8DB2FB-4027-5245-A92E-D8FA8EBA36D2}" type="datetimeFigureOut">
               <a:rPr kumimoji="1" lang="ja-JP" altLang="en-US" smtClean="0"/>
-              <a:t>2025/3/20</a:t>
+              <a:t>2025/3/21</a:t>
             </a:fld>
             <a:endParaRPr kumimoji="1" lang="ja-JP" altLang="en-US"/>
           </a:p>
@@ -1586,7 +1586,7 @@
           <a:p>
             <a:fld id="{CE8DB2FB-4027-5245-A92E-D8FA8EBA36D2}" type="datetimeFigureOut">
               <a:rPr kumimoji="1" lang="ja-JP" altLang="en-US" smtClean="0"/>
-              <a:t>2025/3/20</a:t>
+              <a:t>2025/3/21</a:t>
             </a:fld>
             <a:endParaRPr kumimoji="1" lang="ja-JP" altLang="en-US"/>
           </a:p>
@@ -2062,7 +2062,7 @@
           <a:p>
             <a:fld id="{CE8DB2FB-4027-5245-A92E-D8FA8EBA36D2}" type="datetimeFigureOut">
               <a:rPr kumimoji="1" lang="ja-JP" altLang="en-US" smtClean="0"/>
-              <a:t>2025/3/20</a:t>
+              <a:t>2025/3/21</a:t>
             </a:fld>
             <a:endParaRPr kumimoji="1" lang="ja-JP" altLang="en-US"/>
           </a:p>
@@ -2203,7 +2203,7 @@
           <a:p>
             <a:fld id="{CE8DB2FB-4027-5245-A92E-D8FA8EBA36D2}" type="datetimeFigureOut">
               <a:rPr kumimoji="1" lang="ja-JP" altLang="en-US" smtClean="0"/>
-              <a:t>2025/3/20</a:t>
+              <a:t>2025/3/21</a:t>
             </a:fld>
             <a:endParaRPr kumimoji="1" lang="ja-JP" altLang="en-US"/>
           </a:p>
@@ -2316,7 +2316,7 @@
           <a:p>
             <a:fld id="{CE8DB2FB-4027-5245-A92E-D8FA8EBA36D2}" type="datetimeFigureOut">
               <a:rPr kumimoji="1" lang="ja-JP" altLang="en-US" smtClean="0"/>
-              <a:t>2025/3/20</a:t>
+              <a:t>2025/3/21</a:t>
             </a:fld>
             <a:endParaRPr kumimoji="1" lang="ja-JP" altLang="en-US"/>
           </a:p>
@@ -2659,7 +2659,7 @@
           <a:p>
             <a:fld id="{CE8DB2FB-4027-5245-A92E-D8FA8EBA36D2}" type="datetimeFigureOut">
               <a:rPr kumimoji="1" lang="ja-JP" altLang="en-US" smtClean="0"/>
-              <a:t>2025/3/20</a:t>
+              <a:t>2025/3/21</a:t>
             </a:fld>
             <a:endParaRPr kumimoji="1" lang="ja-JP" altLang="en-US"/>
           </a:p>
@@ -2947,7 +2947,7 @@
           <a:p>
             <a:fld id="{CE8DB2FB-4027-5245-A92E-D8FA8EBA36D2}" type="datetimeFigureOut">
               <a:rPr kumimoji="1" lang="ja-JP" altLang="en-US" smtClean="0"/>
-              <a:t>2025/3/20</a:t>
+              <a:t>2025/3/21</a:t>
             </a:fld>
             <a:endParaRPr kumimoji="1" lang="ja-JP" altLang="en-US"/>
           </a:p>
@@ -3220,7 +3220,7 @@
           <a:p>
             <a:fld id="{CE8DB2FB-4027-5245-A92E-D8FA8EBA36D2}" type="datetimeFigureOut">
               <a:rPr kumimoji="1" lang="ja-JP" altLang="en-US" smtClean="0"/>
-              <a:t>2025/3/20</a:t>
+              <a:t>2025/3/21</a:t>
             </a:fld>
             <a:endParaRPr kumimoji="1" lang="ja-JP" altLang="en-US"/>
           </a:p>
@@ -5375,7 +5375,7 @@
           <p:cNvPr id="2" name="タイトル 1">
             <a:extLst>
               <a:ext uri="{FF2B5EF4-FFF2-40B4-BE49-F238E27FC236}">
-                <a16:creationId xmlns:a16="http://schemas.microsoft.com/office/drawing/2014/main" id="{7D9578D3-44B4-111D-B755-58BDE5ADC96A}"/>
+                <a16:creationId xmlns:a16="http://schemas.microsoft.com/office/drawing/2014/main" id="{5EC1DBAC-1526-9301-F7A3-17735A41FFE1}"/>
               </a:ext>
             </a:extLst>
           </p:cNvPr>
@@ -5392,8 +5392,8 @@
           <a:lstStyle/>
           <a:p>
             <a:r>
-              <a:rPr kumimoji="1" lang="ja-JP" altLang="en-US" dirty="0"/>
-              <a:t>競合の存在について</a:t>
+              <a:rPr kumimoji="1" lang="ja-JP" altLang="en-US"/>
+              <a:t>どんな商品が欲しい？</a:t>
             </a:r>
           </a:p>
         </p:txBody>
@@ -5403,7 +5403,7 @@
           <p:cNvPr id="3" name="コンテンツ プレースホルダー 2">
             <a:extLst>
               <a:ext uri="{FF2B5EF4-FFF2-40B4-BE49-F238E27FC236}">
-                <a16:creationId xmlns:a16="http://schemas.microsoft.com/office/drawing/2014/main" id="{41E7DDE8-73DB-A4DA-8CE0-68101903CDCF}"/>
+                <a16:creationId xmlns:a16="http://schemas.microsoft.com/office/drawing/2014/main" id="{C07B6E8B-8D87-1A5C-E981-EB25E40EC0D2}"/>
               </a:ext>
             </a:extLst>
           </p:cNvPr>
@@ -5420,23 +5420,81 @@
           <a:lstStyle/>
           <a:p>
             <a:r>
-              <a:rPr kumimoji="1" lang="ja-JP" altLang="en-US" dirty="0"/>
-              <a:t>冒頭で「競争優位性がある」と豪語</a:t>
+              <a:rPr lang="en-US" altLang="ja-JP" dirty="0"/>
+              <a:t>BA</a:t>
+            </a:r>
+            <a:r>
+              <a:rPr lang="ja-JP" altLang="en-US"/>
+              <a:t>画面のレイアウトについて話してきた</a:t>
+            </a:r>
+            <a:endParaRPr lang="en-US" altLang="ja-JP" dirty="0"/>
+          </a:p>
+          <a:p>
+            <a:pPr lvl="1"/>
+            <a:r>
+              <a:rPr kumimoji="1" lang="ja-JP" altLang="en-US"/>
+              <a:t>そもそも</a:t>
+            </a:r>
+            <a:r>
+              <a:rPr kumimoji="1" lang="en-US" altLang="ja-JP" dirty="0"/>
+              <a:t>BA</a:t>
+            </a:r>
+            <a:r>
+              <a:rPr kumimoji="1" lang="ja-JP" altLang="en-US"/>
+              <a:t>サービスってどんなの？</a:t>
             </a:r>
             <a:endParaRPr kumimoji="1" lang="en-US" altLang="ja-JP" dirty="0"/>
           </a:p>
           <a:p>
+            <a:pPr lvl="2"/>
+            <a:r>
+              <a:rPr kumimoji="1" lang="ja-JP" altLang="en-US"/>
+              <a:t>社内で営業さんが営業資料として活用したい？</a:t>
+            </a:r>
+            <a:endParaRPr kumimoji="1" lang="en-US" altLang="ja-JP" dirty="0"/>
+          </a:p>
+          <a:p>
+            <a:pPr lvl="2"/>
+            <a:r>
+              <a:rPr lang="ja-JP" altLang="en-US"/>
+              <a:t>社外の顧客に対して販売する？</a:t>
+            </a:r>
+            <a:endParaRPr kumimoji="1" lang="en-US" altLang="ja-JP" dirty="0"/>
+          </a:p>
+          <a:p>
             <a:pPr lvl="1"/>
-            <a:r>
-              <a:rPr lang="ja-JP" altLang="en-US" dirty="0"/>
-              <a:t>競合他社がいないわけではない</a:t>
+            <a:endParaRPr kumimoji="1" lang="en-US" altLang="ja-JP" dirty="0"/>
+          </a:p>
+          <a:p>
+            <a:r>
+              <a:rPr lang="ja-JP" altLang="en-US"/>
+              <a:t>とりあえずモデルを構築してきたが</a:t>
+            </a:r>
+            <a:br>
+              <a:rPr lang="en-US" altLang="ja-JP" dirty="0"/>
+            </a:br>
+            <a:r>
+              <a:rPr lang="ja-JP" altLang="en-US"/>
+              <a:t>プロジェクト概要をそもそも理解していない</a:t>
             </a:r>
             <a:endParaRPr lang="en-US" altLang="ja-JP" dirty="0"/>
           </a:p>
           <a:p>
+            <a:pPr lvl="1"/>
             <a:endParaRPr kumimoji="1" lang="en-US" altLang="ja-JP" dirty="0"/>
           </a:p>
           <a:p>
+            <a:r>
+              <a:rPr lang="ja-JP" altLang="en-US"/>
+              <a:t>もしも社内向けなのであれば</a:t>
+            </a:r>
+            <a:br>
+              <a:rPr lang="en-US" altLang="ja-JP" dirty="0"/>
+            </a:br>
+            <a:r>
+              <a:rPr lang="ja-JP" altLang="en-US"/>
+              <a:t>競争優位性にこだわらずに、さっさと形にした方が良い</a:t>
+            </a:r>
             <a:endParaRPr lang="en-US" altLang="ja-JP" dirty="0"/>
           </a:p>
           <a:p>
@@ -5446,14 +5504,20 @@
             <a:endParaRPr lang="en-US" altLang="ja-JP" dirty="0"/>
           </a:p>
           <a:p>
-            <a:endParaRPr kumimoji="1" lang="ja-JP" altLang="en-US" dirty="0"/>
+            <a:endParaRPr kumimoji="1" lang="en-US" altLang="ja-JP" dirty="0"/>
+          </a:p>
+          <a:p>
+            <a:endParaRPr lang="en-US" altLang="ja-JP" dirty="0"/>
+          </a:p>
+          <a:p>
+            <a:endParaRPr kumimoji="1" lang="ja-JP" altLang="en-US"/>
           </a:p>
         </p:txBody>
       </p:sp>
     </p:spTree>
     <p:extLst>
       <p:ext uri="{BB962C8B-B14F-4D97-AF65-F5344CB8AC3E}">
-        <p14:creationId xmlns:p14="http://schemas.microsoft.com/office/powerpoint/2010/main" val="2299961890"/>
+        <p14:creationId xmlns:p14="http://schemas.microsoft.com/office/powerpoint/2010/main" val="2719575447"/>
       </p:ext>
     </p:extLst>
   </p:cSld>
